--- a/demo_1/docs/GM_One.pptx
+++ b/demo_1/docs/GM_One.pptx
@@ -10,16 +10,11 @@
     <p:sldId id="264" r:id="rId4"/>
     <p:sldId id="268" r:id="rId5"/>
     <p:sldId id="267" r:id="rId6"/>
-    <p:sldId id="258" r:id="rId7"/>
-    <p:sldId id="270" r:id="rId8"/>
-    <p:sldId id="272" r:id="rId9"/>
-    <p:sldId id="269" r:id="rId10"/>
-    <p:sldId id="273" r:id="rId11"/>
-    <p:sldId id="275" r:id="rId12"/>
-    <p:sldId id="263" r:id="rId13"/>
-    <p:sldId id="265" r:id="rId14"/>
-    <p:sldId id="274" r:id="rId15"/>
-    <p:sldId id="271" r:id="rId16"/>
+    <p:sldId id="263" r:id="rId7"/>
+    <p:sldId id="258" r:id="rId8"/>
+    <p:sldId id="265" r:id="rId9"/>
+    <p:sldId id="275" r:id="rId10"/>
+    <p:sldId id="271" r:id="rId11"/>
   </p:sldIdLst>
   <p:sldSz cx="12192000" cy="6858000"/>
   <p:notesSz cx="6858000" cy="9144000"/>
@@ -120,7 +115,7 @@
   </p:defaultTextStyle>
   <p:extLst>
     <p:ext uri="{EFAFB233-063F-42B5-8137-9DF3F51BA10A}">
-      <p15:sldGuideLst xmlns:p15="http://schemas.microsoft.com/office/powerpoint/2012/main">
+      <p15:sldGuideLst xmlns:p15="http://schemas.microsoft.com/office/powerpoint/2012/main" xmlns="">
         <p15:guide id="1" orient="horz" pos="2160" userDrawn="1">
           <p15:clr>
             <a:srgbClr val="A4A3A4"/>
@@ -306,7 +301,7 @@
           <a:p>
             <a:fld id="{7D69EE63-8D0D-48D5-9948-44378F7A4514}" type="datetimeFigureOut">
               <a:rPr lang="en-US" smtClean="0"/>
-              <a:t>1/30/2017</a:t>
+              <a:t>2/5/17</a:t>
             </a:fld>
             <a:endParaRPr lang="en-US"/>
           </a:p>
@@ -521,7 +516,7 @@
   </p:clrMapOvr>
   <p:extLst>
     <p:ext uri="{DCECCB84-F9BA-43D5-87BE-67443E8EF086}">
-      <p15:sldGuideLst xmlns:p15="http://schemas.microsoft.com/office/powerpoint/2012/main"/>
+      <p15:sldGuideLst xmlns:p15="http://schemas.microsoft.com/office/powerpoint/2012/main" xmlns=""/>
     </p:ext>
   </p:extLst>
 </p:sldLayout>
@@ -641,7 +636,7 @@
           <a:p>
             <a:fld id="{7D69EE63-8D0D-48D5-9948-44378F7A4514}" type="datetimeFigureOut">
               <a:rPr lang="en-US" smtClean="0"/>
-              <a:t>1/30/2017</a:t>
+              <a:t>2/5/17</a:t>
             </a:fld>
             <a:endParaRPr lang="en-US"/>
           </a:p>
@@ -821,7 +816,7 @@
           <a:p>
             <a:fld id="{7D69EE63-8D0D-48D5-9948-44378F7A4514}" type="datetimeFigureOut">
               <a:rPr lang="en-US" smtClean="0"/>
-              <a:t>1/30/2017</a:t>
+              <a:t>2/5/17</a:t>
             </a:fld>
             <a:endParaRPr lang="en-US"/>
           </a:p>
@@ -881,7 +876,7 @@
   </p:clrMapOvr>
   <p:extLst>
     <p:ext uri="{DCECCB84-F9BA-43D5-87BE-67443E8EF086}">
-      <p15:sldGuideLst xmlns:p15="http://schemas.microsoft.com/office/powerpoint/2012/main"/>
+      <p15:sldGuideLst xmlns:p15="http://schemas.microsoft.com/office/powerpoint/2012/main" xmlns=""/>
     </p:ext>
   </p:extLst>
 </p:sldLayout>
@@ -996,7 +991,7 @@
           <a:p>
             <a:fld id="{7D69EE63-8D0D-48D5-9948-44378F7A4514}" type="datetimeFigureOut">
               <a:rPr lang="en-US" smtClean="0"/>
-              <a:t>1/30/2017</a:t>
+              <a:t>2/5/17</a:t>
             </a:fld>
             <a:endParaRPr lang="en-US"/>
           </a:p>
@@ -1273,7 +1268,7 @@
           <a:p>
             <a:fld id="{7D69EE63-8D0D-48D5-9948-44378F7A4514}" type="datetimeFigureOut">
               <a:rPr lang="en-US" smtClean="0"/>
-              <a:t>1/30/2017</a:t>
+              <a:t>2/5/17</a:t>
             </a:fld>
             <a:endParaRPr lang="en-US"/>
           </a:p>
@@ -1415,7 +1410,7 @@
   </p:clrMapOvr>
   <p:extLst>
     <p:ext uri="{DCECCB84-F9BA-43D5-87BE-67443E8EF086}">
-      <p15:sldGuideLst xmlns:p15="http://schemas.microsoft.com/office/powerpoint/2012/main"/>
+      <p15:sldGuideLst xmlns:p15="http://schemas.microsoft.com/office/powerpoint/2012/main" xmlns=""/>
     </p:ext>
   </p:extLst>
 </p:sldLayout>
@@ -1672,7 +1667,7 @@
           <a:p>
             <a:fld id="{7D69EE63-8D0D-48D5-9948-44378F7A4514}" type="datetimeFigureOut">
               <a:rPr lang="en-US" smtClean="0"/>
-              <a:t>1/30/2017</a:t>
+              <a:t>2/5/17</a:t>
             </a:fld>
             <a:endParaRPr lang="en-US"/>
           </a:p>
@@ -2149,7 +2144,7 @@
           <a:p>
             <a:fld id="{7D69EE63-8D0D-48D5-9948-44378F7A4514}" type="datetimeFigureOut">
               <a:rPr lang="en-US" smtClean="0"/>
-              <a:t>1/30/2017</a:t>
+              <a:t>2/5/17</a:t>
             </a:fld>
             <a:endParaRPr lang="en-US"/>
           </a:p>
@@ -2267,7 +2262,7 @@
           <a:p>
             <a:fld id="{7D69EE63-8D0D-48D5-9948-44378F7A4514}" type="datetimeFigureOut">
               <a:rPr lang="en-US" smtClean="0"/>
-              <a:t>1/30/2017</a:t>
+              <a:t>2/5/17</a:t>
             </a:fld>
             <a:endParaRPr lang="en-US"/>
           </a:p>
@@ -2362,7 +2357,7 @@
           <a:p>
             <a:fld id="{7D69EE63-8D0D-48D5-9948-44378F7A4514}" type="datetimeFigureOut">
               <a:rPr lang="en-US" smtClean="0"/>
-              <a:t>1/30/2017</a:t>
+              <a:t>2/5/17</a:t>
             </a:fld>
             <a:endParaRPr lang="en-US"/>
           </a:p>
@@ -2422,7 +2417,7 @@
   </p:clrMapOvr>
   <p:extLst>
     <p:ext uri="{DCECCB84-F9BA-43D5-87BE-67443E8EF086}">
-      <p15:sldGuideLst xmlns:p15="http://schemas.microsoft.com/office/powerpoint/2012/main"/>
+      <p15:sldGuideLst xmlns:p15="http://schemas.microsoft.com/office/powerpoint/2012/main" xmlns=""/>
     </p:ext>
   </p:extLst>
 </p:sldLayout>
@@ -2713,7 +2708,7 @@
           <a:p>
             <a:fld id="{7D69EE63-8D0D-48D5-9948-44378F7A4514}" type="datetimeFigureOut">
               <a:rPr lang="en-US" smtClean="0"/>
-              <a:t>1/30/2017</a:t>
+              <a:t>2/5/17</a:t>
             </a:fld>
             <a:endParaRPr lang="en-US"/>
           </a:p>
@@ -2837,7 +2832,7 @@
   </p:clrMapOvr>
   <p:extLst>
     <p:ext uri="{DCECCB84-F9BA-43D5-87BE-67443E8EF086}">
-      <p15:sldGuideLst xmlns:p15="http://schemas.microsoft.com/office/powerpoint/2012/main"/>
+      <p15:sldGuideLst xmlns:p15="http://schemas.microsoft.com/office/powerpoint/2012/main" xmlns=""/>
     </p:ext>
   </p:extLst>
 </p:sldLayout>
@@ -3106,7 +3101,7 @@
           <a:p>
             <a:fld id="{7D69EE63-8D0D-48D5-9948-44378F7A4514}" type="datetimeFigureOut">
               <a:rPr lang="en-US" smtClean="0"/>
-              <a:t>1/30/2017</a:t>
+              <a:t>2/5/17</a:t>
             </a:fld>
             <a:endParaRPr lang="en-US"/>
           </a:p>
@@ -3384,7 +3379,7 @@
           <a:p>
             <a:fld id="{7D69EE63-8D0D-48D5-9948-44378F7A4514}" type="datetimeFigureOut">
               <a:rPr lang="en-US" smtClean="0"/>
-              <a:t>1/30/2017</a:t>
+              <a:t>2/5/17</a:t>
             </a:fld>
             <a:endParaRPr lang="en-US"/>
           </a:p>
@@ -3832,7 +3827,7 @@
   </p:txStyles>
   <p:extLst mod="1">
     <p:ext uri="{27BBF7A9-308A-43DC-89C8-2F10F3537804}">
-      <p15:sldGuideLst xmlns:p15="http://schemas.microsoft.com/office/powerpoint/2012/main">
+      <p15:sldGuideLst xmlns:p15="http://schemas.microsoft.com/office/powerpoint/2012/main" xmlns="">
         <p15:guide id="1" orient="horz" pos="1368">
           <p15:clr>
             <a:srgbClr val="F26B43"/>
@@ -4109,7 +4104,7 @@
   <p:timing>
     <p:tnLst>
       <p:par>
-        <p:cTn id="1" dur="indefinite" restart="never" nodeType="tmRoot"/>
+        <p:cTn xmlns:p14="http://schemas.microsoft.com/office/powerpoint/2010/main" id="1" dur="indefinite" restart="never" nodeType="tmRoot"/>
       </p:par>
     </p:tnLst>
   </p:timing>
@@ -4133,2308 +4128,6 @@
           <a:chExt cx="0" cy="0"/>
         </a:xfrm>
       </p:grpSpPr>
-      <p:pic>
-        <p:nvPicPr>
-          <p:cNvPr id="2" name="Picture 1"/>
-          <p:cNvPicPr>
-            <a:picLocks noChangeAspect="1"/>
-          </p:cNvPicPr>
-          <p:nvPr/>
-        </p:nvPicPr>
-        <p:blipFill>
-          <a:blip r:embed="rId2"/>
-          <a:stretch>
-            <a:fillRect/>
-          </a:stretch>
-        </p:blipFill>
-        <p:spPr>
-          <a:xfrm>
-            <a:off x="3238500" y="1183362"/>
-            <a:ext cx="8953500" cy="5674638"/>
-          </a:xfrm>
-          <a:prstGeom prst="rect">
-            <a:avLst/>
-          </a:prstGeom>
-        </p:spPr>
-      </p:pic>
-      <p:sp>
-        <p:nvSpPr>
-          <p:cNvPr id="4" name="Title 1"/>
-          <p:cNvSpPr txBox="1">
-            <a:spLocks/>
-          </p:cNvSpPr>
-          <p:nvPr/>
-        </p:nvSpPr>
-        <p:spPr>
-          <a:xfrm>
-            <a:off x="1460500" y="127000"/>
-            <a:ext cx="9601200" cy="977900"/>
-          </a:xfrm>
-          <a:prstGeom prst="rect">
-            <a:avLst/>
-          </a:prstGeom>
-        </p:spPr>
-        <p:txBody>
-          <a:bodyPr>
-            <a:normAutofit/>
-          </a:bodyPr>
-          <a:lstStyle>
-            <a:lvl1pPr algn="l" defTabSz="914400" rtl="0" eaLnBrk="1" latinLnBrk="0" hangingPunct="1">
-              <a:lnSpc>
-                <a:spcPct val="89000"/>
-              </a:lnSpc>
-              <a:spcBef>
-                <a:spcPct val="0"/>
-              </a:spcBef>
-              <a:buNone/>
-              <a:defRPr sz="4400" kern="1200" baseline="0">
-                <a:solidFill>
-                  <a:schemeClr val="tx2"/>
-                </a:solidFill>
-                <a:latin typeface="+mj-lt"/>
-                <a:ea typeface="+mj-ea"/>
-                <a:cs typeface="+mj-cs"/>
-              </a:defRPr>
-            </a:lvl1pPr>
-          </a:lstStyle>
-          <a:p>
-            <a:r>
-              <a:rPr lang="en-US" dirty="0" smtClean="0"/>
-              <a:t>Idea 4 – Travelling Penguin</a:t>
-            </a:r>
-            <a:endParaRPr lang="en-US" dirty="0"/>
-          </a:p>
-        </p:txBody>
-      </p:sp>
-      <p:sp>
-        <p:nvSpPr>
-          <p:cNvPr id="6" name="Content Placeholder 2"/>
-          <p:cNvSpPr>
-            <a:spLocks noGrp="1"/>
-          </p:cNvSpPr>
-          <p:nvPr>
-            <p:ph idx="1"/>
-          </p:nvPr>
-        </p:nvSpPr>
-        <p:spPr>
-          <a:xfrm>
-            <a:off x="850900" y="1295400"/>
-            <a:ext cx="2095500" cy="5562600"/>
-          </a:xfrm>
-        </p:spPr>
-        <p:txBody>
-          <a:bodyPr/>
-          <a:lstStyle/>
-          <a:p>
-            <a:r>
-              <a:rPr lang="en-US" dirty="0" smtClean="0"/>
-              <a:t>Penguin jumps across stones</a:t>
-            </a:r>
-          </a:p>
-          <a:p>
-            <a:r>
-              <a:rPr lang="en-US" dirty="0" smtClean="0"/>
-              <a:t>Melting </a:t>
-            </a:r>
-            <a:r>
-              <a:rPr lang="en-US" dirty="0"/>
-              <a:t>icebergs</a:t>
-            </a:r>
-          </a:p>
-          <a:p>
-            <a:r>
-              <a:rPr lang="en-US" dirty="0"/>
-              <a:t>Power ups to add extra ice/snow to the melting </a:t>
-            </a:r>
-            <a:r>
-              <a:rPr lang="en-US" dirty="0" smtClean="0"/>
-              <a:t>iceberg</a:t>
-            </a:r>
-          </a:p>
-          <a:p>
-            <a:r>
-              <a:rPr lang="en-US" dirty="0" smtClean="0"/>
-              <a:t>Player wins if the penguin is successfully moved to the end stone in time</a:t>
-            </a:r>
-            <a:endParaRPr lang="en-US" dirty="0"/>
-          </a:p>
-        </p:txBody>
-      </p:sp>
-    </p:spTree>
-    <p:extLst>
-      <p:ext uri="{BB962C8B-B14F-4D97-AF65-F5344CB8AC3E}">
-        <p14:creationId xmlns:p14="http://schemas.microsoft.com/office/powerpoint/2010/main" val="110394277"/>
-      </p:ext>
-    </p:extLst>
-  </p:cSld>
-  <p:clrMapOvr>
-    <a:masterClrMapping/>
-  </p:clrMapOvr>
-  <p:timing>
-    <p:tnLst>
-      <p:par>
-        <p:cTn id="1" dur="indefinite" restart="never" nodeType="tmRoot"/>
-      </p:par>
-    </p:tnLst>
-  </p:timing>
-</p:sld>
-</file>
-
-<file path=ppt/slides/slide11.xml><?xml version="1.0" encoding="utf-8"?>
-<p:sld xmlns:a="http://schemas.openxmlformats.org/drawingml/2006/main" xmlns:r="http://schemas.openxmlformats.org/officeDocument/2006/relationships" xmlns:p="http://schemas.openxmlformats.org/presentationml/2006/main">
-  <p:cSld>
-    <p:spTree>
-      <p:nvGrpSpPr>
-        <p:cNvPr id="1" name=""/>
-        <p:cNvGrpSpPr/>
-        <p:nvPr/>
-      </p:nvGrpSpPr>
-      <p:grpSpPr>
-        <a:xfrm>
-          <a:off x="0" y="0"/>
-          <a:ext cx="0" cy="0"/>
-          <a:chOff x="0" y="0"/>
-          <a:chExt cx="0" cy="0"/>
-        </a:xfrm>
-      </p:grpSpPr>
-      <p:sp>
-        <p:nvSpPr>
-          <p:cNvPr id="5" name="Title 1"/>
-          <p:cNvSpPr txBox="1">
-            <a:spLocks/>
-          </p:cNvSpPr>
-          <p:nvPr/>
-        </p:nvSpPr>
-        <p:spPr>
-          <a:xfrm>
-            <a:off x="1460500" y="127000"/>
-            <a:ext cx="9601200" cy="977900"/>
-          </a:xfrm>
-          <a:prstGeom prst="rect">
-            <a:avLst/>
-          </a:prstGeom>
-        </p:spPr>
-        <p:txBody>
-          <a:bodyPr>
-            <a:normAutofit/>
-          </a:bodyPr>
-          <a:lstStyle>
-            <a:lvl1pPr algn="l" defTabSz="914400" rtl="0" eaLnBrk="1" latinLnBrk="0" hangingPunct="1">
-              <a:lnSpc>
-                <a:spcPct val="89000"/>
-              </a:lnSpc>
-              <a:spcBef>
-                <a:spcPct val="0"/>
-              </a:spcBef>
-              <a:buNone/>
-              <a:defRPr sz="4400" kern="1200" baseline="0">
-                <a:solidFill>
-                  <a:schemeClr val="tx2"/>
-                </a:solidFill>
-                <a:latin typeface="+mj-lt"/>
-                <a:ea typeface="+mj-ea"/>
-                <a:cs typeface="+mj-cs"/>
-              </a:defRPr>
-            </a:lvl1pPr>
-          </a:lstStyle>
-          <a:p>
-            <a:r>
-              <a:rPr lang="en-US" dirty="0" smtClean="0"/>
-              <a:t>Idea 5 – Tic Tac Toe</a:t>
-            </a:r>
-            <a:endParaRPr lang="en-US" dirty="0"/>
-          </a:p>
-        </p:txBody>
-      </p:sp>
-      <p:sp>
-        <p:nvSpPr>
-          <p:cNvPr id="6" name="Content Placeholder 2"/>
-          <p:cNvSpPr txBox="1">
-            <a:spLocks/>
-          </p:cNvSpPr>
-          <p:nvPr/>
-        </p:nvSpPr>
-        <p:spPr>
-          <a:xfrm>
-            <a:off x="939800" y="1104900"/>
-            <a:ext cx="3505200" cy="5549900"/>
-          </a:xfrm>
-          <a:prstGeom prst="rect">
-            <a:avLst/>
-          </a:prstGeom>
-        </p:spPr>
-        <p:txBody>
-          <a:bodyPr/>
-          <a:lstStyle>
-            <a:lvl1pPr marL="384048" indent="-384048" algn="l" defTabSz="914400" rtl="0" eaLnBrk="1" latinLnBrk="0" hangingPunct="1">
-              <a:lnSpc>
-                <a:spcPct val="94000"/>
-              </a:lnSpc>
-              <a:spcBef>
-                <a:spcPts val="1000"/>
-              </a:spcBef>
-              <a:spcAft>
-                <a:spcPts val="200"/>
-              </a:spcAft>
-              <a:buFont typeface="Franklin Gothic Book" panose="020B0503020102020204" pitchFamily="34" charset="0"/>
-              <a:buChar char="■"/>
-              <a:defRPr sz="2000" kern="1200" baseline="0">
-                <a:solidFill>
-                  <a:schemeClr val="tx2"/>
-                </a:solidFill>
-                <a:latin typeface="+mn-lt"/>
-                <a:ea typeface="+mn-ea"/>
-                <a:cs typeface="+mn-cs"/>
-              </a:defRPr>
-            </a:lvl1pPr>
-            <a:lvl2pPr marL="914400" indent="-384048" algn="l" defTabSz="914400" rtl="0" eaLnBrk="1" latinLnBrk="0" hangingPunct="1">
-              <a:lnSpc>
-                <a:spcPct val="94000"/>
-              </a:lnSpc>
-              <a:spcBef>
-                <a:spcPts val="500"/>
-              </a:spcBef>
-              <a:spcAft>
-                <a:spcPts val="200"/>
-              </a:spcAft>
-              <a:buFont typeface="Franklin Gothic Book" panose="020B0503020102020204" pitchFamily="34" charset="0"/>
-              <a:buChar char="–"/>
-              <a:defRPr sz="2000" i="1" kern="1200" baseline="0">
-                <a:solidFill>
-                  <a:schemeClr val="tx2"/>
-                </a:solidFill>
-                <a:latin typeface="+mn-lt"/>
-                <a:ea typeface="+mn-ea"/>
-                <a:cs typeface="+mn-cs"/>
-              </a:defRPr>
-            </a:lvl2pPr>
-            <a:lvl3pPr marL="1371600" indent="-384048" algn="l" defTabSz="914400" rtl="0" eaLnBrk="1" latinLnBrk="0" hangingPunct="1">
-              <a:lnSpc>
-                <a:spcPct val="94000"/>
-              </a:lnSpc>
-              <a:spcBef>
-                <a:spcPts val="500"/>
-              </a:spcBef>
-              <a:spcAft>
-                <a:spcPts val="200"/>
-              </a:spcAft>
-              <a:buFont typeface="Franklin Gothic Book" panose="020B0503020102020204" pitchFamily="34" charset="0"/>
-              <a:buChar char="■"/>
-              <a:defRPr sz="1800" kern="1200" baseline="0">
-                <a:solidFill>
-                  <a:schemeClr val="tx2"/>
-                </a:solidFill>
-                <a:latin typeface="+mn-lt"/>
-                <a:ea typeface="+mn-ea"/>
-                <a:cs typeface="+mn-cs"/>
-              </a:defRPr>
-            </a:lvl3pPr>
-            <a:lvl4pPr marL="1828800" indent="-384048" algn="l" defTabSz="914400" rtl="0" eaLnBrk="1" latinLnBrk="0" hangingPunct="1">
-              <a:lnSpc>
-                <a:spcPct val="94000"/>
-              </a:lnSpc>
-              <a:spcBef>
-                <a:spcPts val="500"/>
-              </a:spcBef>
-              <a:spcAft>
-                <a:spcPts val="200"/>
-              </a:spcAft>
-              <a:buFont typeface="Franklin Gothic Book" panose="020B0503020102020204" pitchFamily="34" charset="0"/>
-              <a:buChar char="–"/>
-              <a:defRPr sz="1800" i="1" kern="1200" baseline="0">
-                <a:solidFill>
-                  <a:schemeClr val="tx2"/>
-                </a:solidFill>
-                <a:latin typeface="+mn-lt"/>
-                <a:ea typeface="+mn-ea"/>
-                <a:cs typeface="+mn-cs"/>
-              </a:defRPr>
-            </a:lvl4pPr>
-            <a:lvl5pPr marL="2286000" indent="-384048" algn="l" defTabSz="914400" rtl="0" eaLnBrk="1" latinLnBrk="0" hangingPunct="1">
-              <a:lnSpc>
-                <a:spcPct val="94000"/>
-              </a:lnSpc>
-              <a:spcBef>
-                <a:spcPts val="500"/>
-              </a:spcBef>
-              <a:spcAft>
-                <a:spcPts val="200"/>
-              </a:spcAft>
-              <a:buFont typeface="Franklin Gothic Book" panose="020B0503020102020204" pitchFamily="34" charset="0"/>
-              <a:buChar char="■"/>
-              <a:defRPr sz="1600" kern="1200" baseline="0">
-                <a:solidFill>
-                  <a:schemeClr val="tx2"/>
-                </a:solidFill>
-                <a:latin typeface="+mn-lt"/>
-                <a:ea typeface="+mn-ea"/>
-                <a:cs typeface="+mn-cs"/>
-              </a:defRPr>
-            </a:lvl5pPr>
-            <a:lvl6pPr marL="2743200" indent="-384048" algn="l" defTabSz="914400" rtl="0" eaLnBrk="1" latinLnBrk="0" hangingPunct="1">
-              <a:lnSpc>
-                <a:spcPct val="94000"/>
-              </a:lnSpc>
-              <a:spcBef>
-                <a:spcPts val="500"/>
-              </a:spcBef>
-              <a:spcAft>
-                <a:spcPts val="200"/>
-              </a:spcAft>
-              <a:buFont typeface="Franklin Gothic Book" panose="020B0503020102020204" pitchFamily="34" charset="0"/>
-              <a:buChar char="–"/>
-              <a:defRPr sz="1600" i="1" kern="1200" baseline="0">
-                <a:solidFill>
-                  <a:schemeClr val="tx2"/>
-                </a:solidFill>
-                <a:latin typeface="+mn-lt"/>
-                <a:ea typeface="+mn-ea"/>
-                <a:cs typeface="+mn-cs"/>
-              </a:defRPr>
-            </a:lvl6pPr>
-            <a:lvl7pPr marL="3200400" indent="-384048" algn="l" defTabSz="914400" rtl="0" eaLnBrk="1" latinLnBrk="0" hangingPunct="1">
-              <a:lnSpc>
-                <a:spcPct val="94000"/>
-              </a:lnSpc>
-              <a:spcBef>
-                <a:spcPts val="500"/>
-              </a:spcBef>
-              <a:spcAft>
-                <a:spcPts val="200"/>
-              </a:spcAft>
-              <a:buFont typeface="Franklin Gothic Book" panose="020B0503020102020204" pitchFamily="34" charset="0"/>
-              <a:buChar char="■"/>
-              <a:defRPr sz="1400" kern="1200" baseline="0">
-                <a:solidFill>
-                  <a:schemeClr val="tx2"/>
-                </a:solidFill>
-                <a:latin typeface="+mn-lt"/>
-                <a:ea typeface="+mn-ea"/>
-                <a:cs typeface="+mn-cs"/>
-              </a:defRPr>
-            </a:lvl7pPr>
-            <a:lvl8pPr marL="3657600" indent="-384048" algn="l" defTabSz="914400" rtl="0" eaLnBrk="1" latinLnBrk="0" hangingPunct="1">
-              <a:lnSpc>
-                <a:spcPct val="94000"/>
-              </a:lnSpc>
-              <a:spcBef>
-                <a:spcPts val="500"/>
-              </a:spcBef>
-              <a:spcAft>
-                <a:spcPts val="200"/>
-              </a:spcAft>
-              <a:buFont typeface="Franklin Gothic Book" panose="020B0503020102020204" pitchFamily="34" charset="0"/>
-              <a:buChar char="–"/>
-              <a:defRPr sz="1400" i="1" kern="1200" baseline="0">
-                <a:solidFill>
-                  <a:schemeClr val="tx2"/>
-                </a:solidFill>
-                <a:latin typeface="+mn-lt"/>
-                <a:ea typeface="+mn-ea"/>
-                <a:cs typeface="+mn-cs"/>
-              </a:defRPr>
-            </a:lvl8pPr>
-            <a:lvl9pPr marL="4114800" indent="-384048" algn="l" defTabSz="914400" rtl="0" eaLnBrk="1" latinLnBrk="0" hangingPunct="1">
-              <a:lnSpc>
-                <a:spcPct val="94000"/>
-              </a:lnSpc>
-              <a:spcBef>
-                <a:spcPts val="500"/>
-              </a:spcBef>
-              <a:spcAft>
-                <a:spcPts val="200"/>
-              </a:spcAft>
-              <a:buFont typeface="Franklin Gothic Book" panose="020B0503020102020204" pitchFamily="34" charset="0"/>
-              <a:buChar char="■"/>
-              <a:defRPr sz="1400" kern="1200" baseline="0">
-                <a:solidFill>
-                  <a:schemeClr val="tx2"/>
-                </a:solidFill>
-                <a:latin typeface="+mn-lt"/>
-                <a:ea typeface="+mn-ea"/>
-                <a:cs typeface="+mn-cs"/>
-              </a:defRPr>
-            </a:lvl9pPr>
-          </a:lstStyle>
-          <a:p>
-            <a:r>
-              <a:rPr lang="en-US" dirty="0" smtClean="0"/>
-              <a:t>Tic tac toe based game</a:t>
-            </a:r>
-          </a:p>
-          <a:p>
-            <a:r>
-              <a:rPr lang="en-US" dirty="0" smtClean="0"/>
-              <a:t>Player needs to complete a line of equations – horizontal, vertical or diagonal</a:t>
-            </a:r>
-          </a:p>
-          <a:p>
-            <a:r>
-              <a:rPr lang="en-US" dirty="0" smtClean="0"/>
-              <a:t>All equations are shown and a task is given at the beginning of every level</a:t>
-            </a:r>
-          </a:p>
-          <a:p>
-            <a:r>
-              <a:rPr lang="en-US" dirty="0" smtClean="0"/>
-              <a:t>There is only one line of equations which is correct</a:t>
-            </a:r>
-          </a:p>
-          <a:p>
-            <a:r>
-              <a:rPr lang="en-US" dirty="0" smtClean="0"/>
-              <a:t>Power bar increases for correct answers and helps obtain a power up which solves an equation automatically to aid in faster solving</a:t>
-            </a:r>
-          </a:p>
-        </p:txBody>
-      </p:sp>
-      <p:pic>
-        <p:nvPicPr>
-          <p:cNvPr id="9" name="Picture 8"/>
-          <p:cNvPicPr>
-            <a:picLocks noChangeAspect="1"/>
-          </p:cNvPicPr>
-          <p:nvPr/>
-        </p:nvPicPr>
-        <p:blipFill>
-          <a:blip r:embed="rId2"/>
-          <a:stretch>
-            <a:fillRect/>
-          </a:stretch>
-        </p:blipFill>
-        <p:spPr>
-          <a:xfrm>
-            <a:off x="4692195" y="960030"/>
-            <a:ext cx="6516009" cy="5839640"/>
-          </a:xfrm>
-          <a:prstGeom prst="rect">
-            <a:avLst/>
-          </a:prstGeom>
-        </p:spPr>
-      </p:pic>
-    </p:spTree>
-    <p:extLst>
-      <p:ext uri="{BB962C8B-B14F-4D97-AF65-F5344CB8AC3E}">
-        <p14:creationId xmlns:p14="http://schemas.microsoft.com/office/powerpoint/2010/main" val="3378794823"/>
-      </p:ext>
-    </p:extLst>
-  </p:cSld>
-  <p:clrMapOvr>
-    <a:masterClrMapping/>
-  </p:clrMapOvr>
-  <p:timing>
-    <p:tnLst>
-      <p:par>
-        <p:cTn id="1" dur="indefinite" restart="never" nodeType="tmRoot"/>
-      </p:par>
-    </p:tnLst>
-  </p:timing>
-</p:sld>
-</file>
-
-<file path=ppt/slides/slide12.xml><?xml version="1.0" encoding="utf-8"?>
-<p:sld xmlns:a="http://schemas.openxmlformats.org/drawingml/2006/main" xmlns:r="http://schemas.openxmlformats.org/officeDocument/2006/relationships" xmlns:p="http://schemas.openxmlformats.org/presentationml/2006/main">
-  <p:cSld>
-    <p:spTree>
-      <p:nvGrpSpPr>
-        <p:cNvPr id="1" name=""/>
-        <p:cNvGrpSpPr/>
-        <p:nvPr/>
-      </p:nvGrpSpPr>
-      <p:grpSpPr>
-        <a:xfrm>
-          <a:off x="0" y="0"/>
-          <a:ext cx="0" cy="0"/>
-          <a:chOff x="0" y="0"/>
-          <a:chExt cx="0" cy="0"/>
-        </a:xfrm>
-      </p:grpSpPr>
-      <p:sp>
-        <p:nvSpPr>
-          <p:cNvPr id="2" name="Title 1"/>
-          <p:cNvSpPr>
-            <a:spLocks noGrp="1"/>
-          </p:cNvSpPr>
-          <p:nvPr>
-            <p:ph type="title"/>
-          </p:nvPr>
-        </p:nvSpPr>
-        <p:spPr/>
-        <p:txBody>
-          <a:bodyPr/>
-          <a:lstStyle/>
-          <a:p>
-            <a:r>
-              <a:rPr lang="en-US" dirty="0"/>
-              <a:t>Game Features</a:t>
-            </a:r>
-          </a:p>
-        </p:txBody>
-      </p:sp>
-      <p:sp>
-        <p:nvSpPr>
-          <p:cNvPr id="3" name="Content Placeholder 2"/>
-          <p:cNvSpPr>
-            <a:spLocks noGrp="1"/>
-          </p:cNvSpPr>
-          <p:nvPr>
-            <p:ph idx="1"/>
-          </p:nvPr>
-        </p:nvSpPr>
-        <p:spPr>
-          <a:xfrm>
-            <a:off x="1166883" y="1428750"/>
-            <a:ext cx="9601200" cy="3581400"/>
-          </a:xfrm>
-        </p:spPr>
-        <p:txBody>
-          <a:bodyPr>
-            <a:noAutofit/>
-          </a:bodyPr>
-          <a:lstStyle/>
-          <a:p>
-            <a:pPr marL="0" indent="0">
-              <a:buNone/>
-            </a:pPr>
-            <a:r>
-              <a:rPr lang="en-US" sz="1600" dirty="0" smtClean="0"/>
-              <a:t>    Level </a:t>
-            </a:r>
-            <a:r>
-              <a:rPr lang="en-US" sz="1600" dirty="0"/>
-              <a:t>Control</a:t>
-            </a:r>
-          </a:p>
-          <a:p>
-            <a:pPr marL="530352" lvl="1" indent="0">
-              <a:buNone/>
-            </a:pPr>
-            <a:r>
-              <a:rPr lang="en-US" sz="1600" dirty="0"/>
-              <a:t>speed</a:t>
-            </a:r>
-          </a:p>
-          <a:p>
-            <a:pPr marL="530352" lvl="1" indent="0">
-              <a:buNone/>
-            </a:pPr>
-            <a:r>
-              <a:rPr lang="en-US" sz="1600" dirty="0"/>
-              <a:t>number of expressions visible at a time</a:t>
-            </a:r>
-          </a:p>
-          <a:p>
-            <a:pPr marL="530352" lvl="1" indent="0">
-              <a:buNone/>
-            </a:pPr>
-            <a:r>
-              <a:rPr lang="en-US" sz="1600" dirty="0"/>
-              <a:t>difficulty of expressions </a:t>
-            </a:r>
-          </a:p>
-          <a:p>
-            <a:pPr marL="201168" lvl="1" indent="0">
-              <a:buNone/>
-            </a:pPr>
-            <a:endParaRPr lang="en-US" sz="1600" dirty="0"/>
-          </a:p>
-          <a:p>
-            <a:pPr marL="201168" lvl="1" indent="0">
-              <a:buNone/>
-            </a:pPr>
-            <a:r>
-              <a:rPr lang="en-US" sz="1600" dirty="0"/>
-              <a:t>Power Ups</a:t>
-            </a:r>
-          </a:p>
-          <a:p>
-            <a:pPr marL="530352" lvl="1" indent="0">
-              <a:buNone/>
-            </a:pPr>
-            <a:r>
-              <a:rPr lang="en-US" sz="1600" dirty="0"/>
-              <a:t>Freezing the game</a:t>
-            </a:r>
-          </a:p>
-          <a:p>
-            <a:pPr marL="530352" lvl="1" indent="0">
-              <a:buNone/>
-            </a:pPr>
-            <a:r>
-              <a:rPr lang="en-US" sz="1600" dirty="0"/>
-              <a:t>Increasing speed</a:t>
-            </a:r>
-          </a:p>
-          <a:p>
-            <a:pPr marL="201168" lvl="1" indent="0">
-              <a:buNone/>
-            </a:pPr>
-            <a:endParaRPr lang="en-US" sz="1600" dirty="0"/>
-          </a:p>
-          <a:p>
-            <a:pPr marL="201168" lvl="1" indent="0">
-              <a:buNone/>
-            </a:pPr>
-            <a:r>
-              <a:rPr lang="en-US" sz="1600" dirty="0"/>
-              <a:t>Bonus levels</a:t>
-            </a:r>
-          </a:p>
-          <a:p>
-            <a:pPr marL="530352" lvl="1" indent="0">
-              <a:buNone/>
-            </a:pPr>
-            <a:r>
-              <a:rPr lang="en-US" sz="1600" dirty="0"/>
-              <a:t>Special power up which allows user to create and solve own expressions to increase their score</a:t>
-            </a:r>
-          </a:p>
-          <a:p>
-            <a:pPr marL="201168" lvl="1" indent="0">
-              <a:buNone/>
-            </a:pPr>
-            <a:endParaRPr lang="en-US" sz="1600" dirty="0"/>
-          </a:p>
-          <a:p>
-            <a:pPr marL="201168" lvl="1" indent="0">
-              <a:buNone/>
-            </a:pPr>
-            <a:r>
-              <a:rPr lang="en-US" sz="1600" dirty="0"/>
-              <a:t>Miscellaneous</a:t>
-            </a:r>
-          </a:p>
-          <a:p>
-            <a:pPr marL="530352" lvl="1" indent="0">
-              <a:buNone/>
-            </a:pPr>
-            <a:r>
-              <a:rPr lang="en-US" sz="1600" dirty="0"/>
-              <a:t>Substitution action in equations</a:t>
-            </a:r>
-          </a:p>
-          <a:p>
-            <a:pPr marL="530352" lvl="1" indent="0">
-              <a:buNone/>
-            </a:pPr>
-            <a:r>
-              <a:rPr lang="en-US" sz="1600" dirty="0"/>
-              <a:t>High scores</a:t>
-            </a:r>
-          </a:p>
-          <a:p>
-            <a:pPr marL="530352" lvl="1" indent="0">
-              <a:buNone/>
-            </a:pPr>
-            <a:r>
-              <a:rPr lang="en-US" sz="1600" dirty="0"/>
-              <a:t>Higher algebra</a:t>
-            </a:r>
-          </a:p>
-          <a:p>
-            <a:pPr marL="0" indent="0">
-              <a:buNone/>
-            </a:pPr>
-            <a:endParaRPr lang="en-US" sz="1600" dirty="0"/>
-          </a:p>
-        </p:txBody>
-      </p:sp>
-    </p:spTree>
-    <p:extLst>
-      <p:ext uri="{BB962C8B-B14F-4D97-AF65-F5344CB8AC3E}">
-        <p14:creationId xmlns:p14="http://schemas.microsoft.com/office/powerpoint/2010/main" val="407125914"/>
-      </p:ext>
-    </p:extLst>
-  </p:cSld>
-  <p:clrMapOvr>
-    <a:masterClrMapping/>
-  </p:clrMapOvr>
-  <p:timing>
-    <p:tnLst>
-      <p:par>
-        <p:cTn id="1" dur="indefinite" restart="never" nodeType="tmRoot">
-          <p:childTnLst>
-            <p:seq concurrent="1" nextAc="seek">
-              <p:cTn id="2" dur="indefinite" nodeType="mainSeq">
-                <p:childTnLst>
-                  <p:par>
-                    <p:cTn id="3" fill="hold">
-                      <p:stCondLst>
-                        <p:cond delay="indefinite"/>
-                      </p:stCondLst>
-                      <p:childTnLst>
-                        <p:par>
-                          <p:cTn id="4" fill="hold">
-                            <p:stCondLst>
-                              <p:cond delay="0"/>
-                            </p:stCondLst>
-                            <p:childTnLst>
-                              <p:par>
-                                <p:cTn id="5" presetID="42" presetClass="entr" presetSubtype="0" fill="hold" nodeType="clickEffect">
-                                  <p:stCondLst>
-                                    <p:cond delay="0"/>
-                                  </p:stCondLst>
-                                  <p:childTnLst>
-                                    <p:set>
-                                      <p:cBhvr>
-                                        <p:cTn id="6" dur="1" fill="hold">
-                                          <p:stCondLst>
-                                            <p:cond delay="0"/>
-                                          </p:stCondLst>
-                                        </p:cTn>
-                                        <p:tgtEl>
-                                          <p:spTgt spid="3">
-                                            <p:txEl>
-                                              <p:pRg st="0" end="0"/>
-                                            </p:txEl>
-                                          </p:spTgt>
-                                        </p:tgtEl>
-                                        <p:attrNameLst>
-                                          <p:attrName>style.visibility</p:attrName>
-                                        </p:attrNameLst>
-                                      </p:cBhvr>
-                                      <p:to>
-                                        <p:strVal val="visible"/>
-                                      </p:to>
-                                    </p:set>
-                                    <p:animEffect transition="in" filter="fade">
-                                      <p:cBhvr>
-                                        <p:cTn id="7" dur="1000"/>
-                                        <p:tgtEl>
-                                          <p:spTgt spid="3">
-                                            <p:txEl>
-                                              <p:pRg st="0" end="0"/>
-                                            </p:txEl>
-                                          </p:spTgt>
-                                        </p:tgtEl>
-                                      </p:cBhvr>
-                                    </p:animEffect>
-                                    <p:anim calcmode="lin" valueType="num">
-                                      <p:cBhvr>
-                                        <p:cTn id="8" dur="1000" fill="hold"/>
-                                        <p:tgtEl>
-                                          <p:spTgt spid="3">
-                                            <p:txEl>
-                                              <p:pRg st="0" end="0"/>
-                                            </p:txEl>
-                                          </p:spTgt>
-                                        </p:tgtEl>
-                                        <p:attrNameLst>
-                                          <p:attrName>ppt_x</p:attrName>
-                                        </p:attrNameLst>
-                                      </p:cBhvr>
-                                      <p:tavLst>
-                                        <p:tav tm="0">
-                                          <p:val>
-                                            <p:strVal val="#ppt_x"/>
-                                          </p:val>
-                                        </p:tav>
-                                        <p:tav tm="100000">
-                                          <p:val>
-                                            <p:strVal val="#ppt_x"/>
-                                          </p:val>
-                                        </p:tav>
-                                      </p:tavLst>
-                                    </p:anim>
-                                    <p:anim calcmode="lin" valueType="num">
-                                      <p:cBhvr>
-                                        <p:cTn id="9" dur="1000" fill="hold"/>
-                                        <p:tgtEl>
-                                          <p:spTgt spid="3">
-                                            <p:txEl>
-                                              <p:pRg st="0" end="0"/>
-                                            </p:txEl>
-                                          </p:spTgt>
-                                        </p:tgtEl>
-                                        <p:attrNameLst>
-                                          <p:attrName>ppt_y</p:attrName>
-                                        </p:attrNameLst>
-                                      </p:cBhvr>
-                                      <p:tavLst>
-                                        <p:tav tm="0">
-                                          <p:val>
-                                            <p:strVal val="#ppt_y+.1"/>
-                                          </p:val>
-                                        </p:tav>
-                                        <p:tav tm="100000">
-                                          <p:val>
-                                            <p:strVal val="#ppt_y"/>
-                                          </p:val>
-                                        </p:tav>
-                                      </p:tavLst>
-                                    </p:anim>
-                                  </p:childTnLst>
-                                </p:cTn>
-                              </p:par>
-                              <p:par>
-                                <p:cTn id="10" presetID="42" presetClass="entr" presetSubtype="0" fill="hold" nodeType="withEffect">
-                                  <p:stCondLst>
-                                    <p:cond delay="0"/>
-                                  </p:stCondLst>
-                                  <p:childTnLst>
-                                    <p:set>
-                                      <p:cBhvr>
-                                        <p:cTn id="11" dur="1" fill="hold">
-                                          <p:stCondLst>
-                                            <p:cond delay="0"/>
-                                          </p:stCondLst>
-                                        </p:cTn>
-                                        <p:tgtEl>
-                                          <p:spTgt spid="3">
-                                            <p:txEl>
-                                              <p:pRg st="1" end="1"/>
-                                            </p:txEl>
-                                          </p:spTgt>
-                                        </p:tgtEl>
-                                        <p:attrNameLst>
-                                          <p:attrName>style.visibility</p:attrName>
-                                        </p:attrNameLst>
-                                      </p:cBhvr>
-                                      <p:to>
-                                        <p:strVal val="visible"/>
-                                      </p:to>
-                                    </p:set>
-                                    <p:animEffect transition="in" filter="fade">
-                                      <p:cBhvr>
-                                        <p:cTn id="12" dur="1000"/>
-                                        <p:tgtEl>
-                                          <p:spTgt spid="3">
-                                            <p:txEl>
-                                              <p:pRg st="1" end="1"/>
-                                            </p:txEl>
-                                          </p:spTgt>
-                                        </p:tgtEl>
-                                      </p:cBhvr>
-                                    </p:animEffect>
-                                    <p:anim calcmode="lin" valueType="num">
-                                      <p:cBhvr>
-                                        <p:cTn id="13" dur="1000" fill="hold"/>
-                                        <p:tgtEl>
-                                          <p:spTgt spid="3">
-                                            <p:txEl>
-                                              <p:pRg st="1" end="1"/>
-                                            </p:txEl>
-                                          </p:spTgt>
-                                        </p:tgtEl>
-                                        <p:attrNameLst>
-                                          <p:attrName>ppt_x</p:attrName>
-                                        </p:attrNameLst>
-                                      </p:cBhvr>
-                                      <p:tavLst>
-                                        <p:tav tm="0">
-                                          <p:val>
-                                            <p:strVal val="#ppt_x"/>
-                                          </p:val>
-                                        </p:tav>
-                                        <p:tav tm="100000">
-                                          <p:val>
-                                            <p:strVal val="#ppt_x"/>
-                                          </p:val>
-                                        </p:tav>
-                                      </p:tavLst>
-                                    </p:anim>
-                                    <p:anim calcmode="lin" valueType="num">
-                                      <p:cBhvr>
-                                        <p:cTn id="14" dur="1000" fill="hold"/>
-                                        <p:tgtEl>
-                                          <p:spTgt spid="3">
-                                            <p:txEl>
-                                              <p:pRg st="1" end="1"/>
-                                            </p:txEl>
-                                          </p:spTgt>
-                                        </p:tgtEl>
-                                        <p:attrNameLst>
-                                          <p:attrName>ppt_y</p:attrName>
-                                        </p:attrNameLst>
-                                      </p:cBhvr>
-                                      <p:tavLst>
-                                        <p:tav tm="0">
-                                          <p:val>
-                                            <p:strVal val="#ppt_y+.1"/>
-                                          </p:val>
-                                        </p:tav>
-                                        <p:tav tm="100000">
-                                          <p:val>
-                                            <p:strVal val="#ppt_y"/>
-                                          </p:val>
-                                        </p:tav>
-                                      </p:tavLst>
-                                    </p:anim>
-                                  </p:childTnLst>
-                                </p:cTn>
-                              </p:par>
-                              <p:par>
-                                <p:cTn id="15" presetID="42" presetClass="entr" presetSubtype="0" fill="hold" nodeType="withEffect">
-                                  <p:stCondLst>
-                                    <p:cond delay="0"/>
-                                  </p:stCondLst>
-                                  <p:childTnLst>
-                                    <p:set>
-                                      <p:cBhvr>
-                                        <p:cTn id="16" dur="1" fill="hold">
-                                          <p:stCondLst>
-                                            <p:cond delay="0"/>
-                                          </p:stCondLst>
-                                        </p:cTn>
-                                        <p:tgtEl>
-                                          <p:spTgt spid="3">
-                                            <p:txEl>
-                                              <p:pRg st="2" end="2"/>
-                                            </p:txEl>
-                                          </p:spTgt>
-                                        </p:tgtEl>
-                                        <p:attrNameLst>
-                                          <p:attrName>style.visibility</p:attrName>
-                                        </p:attrNameLst>
-                                      </p:cBhvr>
-                                      <p:to>
-                                        <p:strVal val="visible"/>
-                                      </p:to>
-                                    </p:set>
-                                    <p:animEffect transition="in" filter="fade">
-                                      <p:cBhvr>
-                                        <p:cTn id="17" dur="1000"/>
-                                        <p:tgtEl>
-                                          <p:spTgt spid="3">
-                                            <p:txEl>
-                                              <p:pRg st="2" end="2"/>
-                                            </p:txEl>
-                                          </p:spTgt>
-                                        </p:tgtEl>
-                                      </p:cBhvr>
-                                    </p:animEffect>
-                                    <p:anim calcmode="lin" valueType="num">
-                                      <p:cBhvr>
-                                        <p:cTn id="18" dur="1000" fill="hold"/>
-                                        <p:tgtEl>
-                                          <p:spTgt spid="3">
-                                            <p:txEl>
-                                              <p:pRg st="2" end="2"/>
-                                            </p:txEl>
-                                          </p:spTgt>
-                                        </p:tgtEl>
-                                        <p:attrNameLst>
-                                          <p:attrName>ppt_x</p:attrName>
-                                        </p:attrNameLst>
-                                      </p:cBhvr>
-                                      <p:tavLst>
-                                        <p:tav tm="0">
-                                          <p:val>
-                                            <p:strVal val="#ppt_x"/>
-                                          </p:val>
-                                        </p:tav>
-                                        <p:tav tm="100000">
-                                          <p:val>
-                                            <p:strVal val="#ppt_x"/>
-                                          </p:val>
-                                        </p:tav>
-                                      </p:tavLst>
-                                    </p:anim>
-                                    <p:anim calcmode="lin" valueType="num">
-                                      <p:cBhvr>
-                                        <p:cTn id="19" dur="1000" fill="hold"/>
-                                        <p:tgtEl>
-                                          <p:spTgt spid="3">
-                                            <p:txEl>
-                                              <p:pRg st="2" end="2"/>
-                                            </p:txEl>
-                                          </p:spTgt>
-                                        </p:tgtEl>
-                                        <p:attrNameLst>
-                                          <p:attrName>ppt_y</p:attrName>
-                                        </p:attrNameLst>
-                                      </p:cBhvr>
-                                      <p:tavLst>
-                                        <p:tav tm="0">
-                                          <p:val>
-                                            <p:strVal val="#ppt_y+.1"/>
-                                          </p:val>
-                                        </p:tav>
-                                        <p:tav tm="100000">
-                                          <p:val>
-                                            <p:strVal val="#ppt_y"/>
-                                          </p:val>
-                                        </p:tav>
-                                      </p:tavLst>
-                                    </p:anim>
-                                  </p:childTnLst>
-                                </p:cTn>
-                              </p:par>
-                              <p:par>
-                                <p:cTn id="20" presetID="42" presetClass="entr" presetSubtype="0" fill="hold" nodeType="withEffect">
-                                  <p:stCondLst>
-                                    <p:cond delay="0"/>
-                                  </p:stCondLst>
-                                  <p:childTnLst>
-                                    <p:set>
-                                      <p:cBhvr>
-                                        <p:cTn id="21" dur="1" fill="hold">
-                                          <p:stCondLst>
-                                            <p:cond delay="0"/>
-                                          </p:stCondLst>
-                                        </p:cTn>
-                                        <p:tgtEl>
-                                          <p:spTgt spid="3">
-                                            <p:txEl>
-                                              <p:pRg st="3" end="3"/>
-                                            </p:txEl>
-                                          </p:spTgt>
-                                        </p:tgtEl>
-                                        <p:attrNameLst>
-                                          <p:attrName>style.visibility</p:attrName>
-                                        </p:attrNameLst>
-                                      </p:cBhvr>
-                                      <p:to>
-                                        <p:strVal val="visible"/>
-                                      </p:to>
-                                    </p:set>
-                                    <p:animEffect transition="in" filter="fade">
-                                      <p:cBhvr>
-                                        <p:cTn id="22" dur="1000"/>
-                                        <p:tgtEl>
-                                          <p:spTgt spid="3">
-                                            <p:txEl>
-                                              <p:pRg st="3" end="3"/>
-                                            </p:txEl>
-                                          </p:spTgt>
-                                        </p:tgtEl>
-                                      </p:cBhvr>
-                                    </p:animEffect>
-                                    <p:anim calcmode="lin" valueType="num">
-                                      <p:cBhvr>
-                                        <p:cTn id="23" dur="1000" fill="hold"/>
-                                        <p:tgtEl>
-                                          <p:spTgt spid="3">
-                                            <p:txEl>
-                                              <p:pRg st="3" end="3"/>
-                                            </p:txEl>
-                                          </p:spTgt>
-                                        </p:tgtEl>
-                                        <p:attrNameLst>
-                                          <p:attrName>ppt_x</p:attrName>
-                                        </p:attrNameLst>
-                                      </p:cBhvr>
-                                      <p:tavLst>
-                                        <p:tav tm="0">
-                                          <p:val>
-                                            <p:strVal val="#ppt_x"/>
-                                          </p:val>
-                                        </p:tav>
-                                        <p:tav tm="100000">
-                                          <p:val>
-                                            <p:strVal val="#ppt_x"/>
-                                          </p:val>
-                                        </p:tav>
-                                      </p:tavLst>
-                                    </p:anim>
-                                    <p:anim calcmode="lin" valueType="num">
-                                      <p:cBhvr>
-                                        <p:cTn id="24" dur="1000" fill="hold"/>
-                                        <p:tgtEl>
-                                          <p:spTgt spid="3">
-                                            <p:txEl>
-                                              <p:pRg st="3" end="3"/>
-                                            </p:txEl>
-                                          </p:spTgt>
-                                        </p:tgtEl>
-                                        <p:attrNameLst>
-                                          <p:attrName>ppt_y</p:attrName>
-                                        </p:attrNameLst>
-                                      </p:cBhvr>
-                                      <p:tavLst>
-                                        <p:tav tm="0">
-                                          <p:val>
-                                            <p:strVal val="#ppt_y+.1"/>
-                                          </p:val>
-                                        </p:tav>
-                                        <p:tav tm="100000">
-                                          <p:val>
-                                            <p:strVal val="#ppt_y"/>
-                                          </p:val>
-                                        </p:tav>
-                                      </p:tavLst>
-                                    </p:anim>
-                                  </p:childTnLst>
-                                </p:cTn>
-                              </p:par>
-                            </p:childTnLst>
-                          </p:cTn>
-                        </p:par>
-                      </p:childTnLst>
-                    </p:cTn>
-                  </p:par>
-                  <p:par>
-                    <p:cTn id="25" fill="hold">
-                      <p:stCondLst>
-                        <p:cond delay="indefinite"/>
-                      </p:stCondLst>
-                      <p:childTnLst>
-                        <p:par>
-                          <p:cTn id="26" fill="hold">
-                            <p:stCondLst>
-                              <p:cond delay="0"/>
-                            </p:stCondLst>
-                            <p:childTnLst>
-                              <p:par>
-                                <p:cTn id="27" presetID="42" presetClass="entr" presetSubtype="0" fill="hold" nodeType="clickEffect">
-                                  <p:stCondLst>
-                                    <p:cond delay="0"/>
-                                  </p:stCondLst>
-                                  <p:childTnLst>
-                                    <p:set>
-                                      <p:cBhvr>
-                                        <p:cTn id="28" dur="1" fill="hold">
-                                          <p:stCondLst>
-                                            <p:cond delay="0"/>
-                                          </p:stCondLst>
-                                        </p:cTn>
-                                        <p:tgtEl>
-                                          <p:spTgt spid="3">
-                                            <p:txEl>
-                                              <p:pRg st="5" end="5"/>
-                                            </p:txEl>
-                                          </p:spTgt>
-                                        </p:tgtEl>
-                                        <p:attrNameLst>
-                                          <p:attrName>style.visibility</p:attrName>
-                                        </p:attrNameLst>
-                                      </p:cBhvr>
-                                      <p:to>
-                                        <p:strVal val="visible"/>
-                                      </p:to>
-                                    </p:set>
-                                    <p:animEffect transition="in" filter="fade">
-                                      <p:cBhvr>
-                                        <p:cTn id="29" dur="1000"/>
-                                        <p:tgtEl>
-                                          <p:spTgt spid="3">
-                                            <p:txEl>
-                                              <p:pRg st="5" end="5"/>
-                                            </p:txEl>
-                                          </p:spTgt>
-                                        </p:tgtEl>
-                                      </p:cBhvr>
-                                    </p:animEffect>
-                                    <p:anim calcmode="lin" valueType="num">
-                                      <p:cBhvr>
-                                        <p:cTn id="30" dur="1000" fill="hold"/>
-                                        <p:tgtEl>
-                                          <p:spTgt spid="3">
-                                            <p:txEl>
-                                              <p:pRg st="5" end="5"/>
-                                            </p:txEl>
-                                          </p:spTgt>
-                                        </p:tgtEl>
-                                        <p:attrNameLst>
-                                          <p:attrName>ppt_x</p:attrName>
-                                        </p:attrNameLst>
-                                      </p:cBhvr>
-                                      <p:tavLst>
-                                        <p:tav tm="0">
-                                          <p:val>
-                                            <p:strVal val="#ppt_x"/>
-                                          </p:val>
-                                        </p:tav>
-                                        <p:tav tm="100000">
-                                          <p:val>
-                                            <p:strVal val="#ppt_x"/>
-                                          </p:val>
-                                        </p:tav>
-                                      </p:tavLst>
-                                    </p:anim>
-                                    <p:anim calcmode="lin" valueType="num">
-                                      <p:cBhvr>
-                                        <p:cTn id="31" dur="1000" fill="hold"/>
-                                        <p:tgtEl>
-                                          <p:spTgt spid="3">
-                                            <p:txEl>
-                                              <p:pRg st="5" end="5"/>
-                                            </p:txEl>
-                                          </p:spTgt>
-                                        </p:tgtEl>
-                                        <p:attrNameLst>
-                                          <p:attrName>ppt_y</p:attrName>
-                                        </p:attrNameLst>
-                                      </p:cBhvr>
-                                      <p:tavLst>
-                                        <p:tav tm="0">
-                                          <p:val>
-                                            <p:strVal val="#ppt_y+.1"/>
-                                          </p:val>
-                                        </p:tav>
-                                        <p:tav tm="100000">
-                                          <p:val>
-                                            <p:strVal val="#ppt_y"/>
-                                          </p:val>
-                                        </p:tav>
-                                      </p:tavLst>
-                                    </p:anim>
-                                  </p:childTnLst>
-                                </p:cTn>
-                              </p:par>
-                              <p:par>
-                                <p:cTn id="32" presetID="42" presetClass="entr" presetSubtype="0" fill="hold" nodeType="withEffect">
-                                  <p:stCondLst>
-                                    <p:cond delay="0"/>
-                                  </p:stCondLst>
-                                  <p:childTnLst>
-                                    <p:set>
-                                      <p:cBhvr>
-                                        <p:cTn id="33" dur="1" fill="hold">
-                                          <p:stCondLst>
-                                            <p:cond delay="0"/>
-                                          </p:stCondLst>
-                                        </p:cTn>
-                                        <p:tgtEl>
-                                          <p:spTgt spid="3">
-                                            <p:txEl>
-                                              <p:pRg st="6" end="6"/>
-                                            </p:txEl>
-                                          </p:spTgt>
-                                        </p:tgtEl>
-                                        <p:attrNameLst>
-                                          <p:attrName>style.visibility</p:attrName>
-                                        </p:attrNameLst>
-                                      </p:cBhvr>
-                                      <p:to>
-                                        <p:strVal val="visible"/>
-                                      </p:to>
-                                    </p:set>
-                                    <p:animEffect transition="in" filter="fade">
-                                      <p:cBhvr>
-                                        <p:cTn id="34" dur="1000"/>
-                                        <p:tgtEl>
-                                          <p:spTgt spid="3">
-                                            <p:txEl>
-                                              <p:pRg st="6" end="6"/>
-                                            </p:txEl>
-                                          </p:spTgt>
-                                        </p:tgtEl>
-                                      </p:cBhvr>
-                                    </p:animEffect>
-                                    <p:anim calcmode="lin" valueType="num">
-                                      <p:cBhvr>
-                                        <p:cTn id="35" dur="1000" fill="hold"/>
-                                        <p:tgtEl>
-                                          <p:spTgt spid="3">
-                                            <p:txEl>
-                                              <p:pRg st="6" end="6"/>
-                                            </p:txEl>
-                                          </p:spTgt>
-                                        </p:tgtEl>
-                                        <p:attrNameLst>
-                                          <p:attrName>ppt_x</p:attrName>
-                                        </p:attrNameLst>
-                                      </p:cBhvr>
-                                      <p:tavLst>
-                                        <p:tav tm="0">
-                                          <p:val>
-                                            <p:strVal val="#ppt_x"/>
-                                          </p:val>
-                                        </p:tav>
-                                        <p:tav tm="100000">
-                                          <p:val>
-                                            <p:strVal val="#ppt_x"/>
-                                          </p:val>
-                                        </p:tav>
-                                      </p:tavLst>
-                                    </p:anim>
-                                    <p:anim calcmode="lin" valueType="num">
-                                      <p:cBhvr>
-                                        <p:cTn id="36" dur="1000" fill="hold"/>
-                                        <p:tgtEl>
-                                          <p:spTgt spid="3">
-                                            <p:txEl>
-                                              <p:pRg st="6" end="6"/>
-                                            </p:txEl>
-                                          </p:spTgt>
-                                        </p:tgtEl>
-                                        <p:attrNameLst>
-                                          <p:attrName>ppt_y</p:attrName>
-                                        </p:attrNameLst>
-                                      </p:cBhvr>
-                                      <p:tavLst>
-                                        <p:tav tm="0">
-                                          <p:val>
-                                            <p:strVal val="#ppt_y+.1"/>
-                                          </p:val>
-                                        </p:tav>
-                                        <p:tav tm="100000">
-                                          <p:val>
-                                            <p:strVal val="#ppt_y"/>
-                                          </p:val>
-                                        </p:tav>
-                                      </p:tavLst>
-                                    </p:anim>
-                                  </p:childTnLst>
-                                </p:cTn>
-                              </p:par>
-                              <p:par>
-                                <p:cTn id="37" presetID="42" presetClass="entr" presetSubtype="0" fill="hold" nodeType="withEffect">
-                                  <p:stCondLst>
-                                    <p:cond delay="0"/>
-                                  </p:stCondLst>
-                                  <p:childTnLst>
-                                    <p:set>
-                                      <p:cBhvr>
-                                        <p:cTn id="38" dur="1" fill="hold">
-                                          <p:stCondLst>
-                                            <p:cond delay="0"/>
-                                          </p:stCondLst>
-                                        </p:cTn>
-                                        <p:tgtEl>
-                                          <p:spTgt spid="3">
-                                            <p:txEl>
-                                              <p:pRg st="7" end="7"/>
-                                            </p:txEl>
-                                          </p:spTgt>
-                                        </p:tgtEl>
-                                        <p:attrNameLst>
-                                          <p:attrName>style.visibility</p:attrName>
-                                        </p:attrNameLst>
-                                      </p:cBhvr>
-                                      <p:to>
-                                        <p:strVal val="visible"/>
-                                      </p:to>
-                                    </p:set>
-                                    <p:animEffect transition="in" filter="fade">
-                                      <p:cBhvr>
-                                        <p:cTn id="39" dur="1000"/>
-                                        <p:tgtEl>
-                                          <p:spTgt spid="3">
-                                            <p:txEl>
-                                              <p:pRg st="7" end="7"/>
-                                            </p:txEl>
-                                          </p:spTgt>
-                                        </p:tgtEl>
-                                      </p:cBhvr>
-                                    </p:animEffect>
-                                    <p:anim calcmode="lin" valueType="num">
-                                      <p:cBhvr>
-                                        <p:cTn id="40" dur="1000" fill="hold"/>
-                                        <p:tgtEl>
-                                          <p:spTgt spid="3">
-                                            <p:txEl>
-                                              <p:pRg st="7" end="7"/>
-                                            </p:txEl>
-                                          </p:spTgt>
-                                        </p:tgtEl>
-                                        <p:attrNameLst>
-                                          <p:attrName>ppt_x</p:attrName>
-                                        </p:attrNameLst>
-                                      </p:cBhvr>
-                                      <p:tavLst>
-                                        <p:tav tm="0">
-                                          <p:val>
-                                            <p:strVal val="#ppt_x"/>
-                                          </p:val>
-                                        </p:tav>
-                                        <p:tav tm="100000">
-                                          <p:val>
-                                            <p:strVal val="#ppt_x"/>
-                                          </p:val>
-                                        </p:tav>
-                                      </p:tavLst>
-                                    </p:anim>
-                                    <p:anim calcmode="lin" valueType="num">
-                                      <p:cBhvr>
-                                        <p:cTn id="41" dur="1000" fill="hold"/>
-                                        <p:tgtEl>
-                                          <p:spTgt spid="3">
-                                            <p:txEl>
-                                              <p:pRg st="7" end="7"/>
-                                            </p:txEl>
-                                          </p:spTgt>
-                                        </p:tgtEl>
-                                        <p:attrNameLst>
-                                          <p:attrName>ppt_y</p:attrName>
-                                        </p:attrNameLst>
-                                      </p:cBhvr>
-                                      <p:tavLst>
-                                        <p:tav tm="0">
-                                          <p:val>
-                                            <p:strVal val="#ppt_y+.1"/>
-                                          </p:val>
-                                        </p:tav>
-                                        <p:tav tm="100000">
-                                          <p:val>
-                                            <p:strVal val="#ppt_y"/>
-                                          </p:val>
-                                        </p:tav>
-                                      </p:tavLst>
-                                    </p:anim>
-                                  </p:childTnLst>
-                                </p:cTn>
-                              </p:par>
-                            </p:childTnLst>
-                          </p:cTn>
-                        </p:par>
-                      </p:childTnLst>
-                    </p:cTn>
-                  </p:par>
-                  <p:par>
-                    <p:cTn id="42" fill="hold">
-                      <p:stCondLst>
-                        <p:cond delay="indefinite"/>
-                      </p:stCondLst>
-                      <p:childTnLst>
-                        <p:par>
-                          <p:cTn id="43" fill="hold">
-                            <p:stCondLst>
-                              <p:cond delay="0"/>
-                            </p:stCondLst>
-                            <p:childTnLst>
-                              <p:par>
-                                <p:cTn id="44" presetID="42" presetClass="entr" presetSubtype="0" fill="hold" nodeType="clickEffect">
-                                  <p:stCondLst>
-                                    <p:cond delay="0"/>
-                                  </p:stCondLst>
-                                  <p:childTnLst>
-                                    <p:set>
-                                      <p:cBhvr>
-                                        <p:cTn id="45" dur="1" fill="hold">
-                                          <p:stCondLst>
-                                            <p:cond delay="0"/>
-                                          </p:stCondLst>
-                                        </p:cTn>
-                                        <p:tgtEl>
-                                          <p:spTgt spid="3">
-                                            <p:txEl>
-                                              <p:pRg st="9" end="9"/>
-                                            </p:txEl>
-                                          </p:spTgt>
-                                        </p:tgtEl>
-                                        <p:attrNameLst>
-                                          <p:attrName>style.visibility</p:attrName>
-                                        </p:attrNameLst>
-                                      </p:cBhvr>
-                                      <p:to>
-                                        <p:strVal val="visible"/>
-                                      </p:to>
-                                    </p:set>
-                                    <p:animEffect transition="in" filter="fade">
-                                      <p:cBhvr>
-                                        <p:cTn id="46" dur="1000"/>
-                                        <p:tgtEl>
-                                          <p:spTgt spid="3">
-                                            <p:txEl>
-                                              <p:pRg st="9" end="9"/>
-                                            </p:txEl>
-                                          </p:spTgt>
-                                        </p:tgtEl>
-                                      </p:cBhvr>
-                                    </p:animEffect>
-                                    <p:anim calcmode="lin" valueType="num">
-                                      <p:cBhvr>
-                                        <p:cTn id="47" dur="1000" fill="hold"/>
-                                        <p:tgtEl>
-                                          <p:spTgt spid="3">
-                                            <p:txEl>
-                                              <p:pRg st="9" end="9"/>
-                                            </p:txEl>
-                                          </p:spTgt>
-                                        </p:tgtEl>
-                                        <p:attrNameLst>
-                                          <p:attrName>ppt_x</p:attrName>
-                                        </p:attrNameLst>
-                                      </p:cBhvr>
-                                      <p:tavLst>
-                                        <p:tav tm="0">
-                                          <p:val>
-                                            <p:strVal val="#ppt_x"/>
-                                          </p:val>
-                                        </p:tav>
-                                        <p:tav tm="100000">
-                                          <p:val>
-                                            <p:strVal val="#ppt_x"/>
-                                          </p:val>
-                                        </p:tav>
-                                      </p:tavLst>
-                                    </p:anim>
-                                    <p:anim calcmode="lin" valueType="num">
-                                      <p:cBhvr>
-                                        <p:cTn id="48" dur="1000" fill="hold"/>
-                                        <p:tgtEl>
-                                          <p:spTgt spid="3">
-                                            <p:txEl>
-                                              <p:pRg st="9" end="9"/>
-                                            </p:txEl>
-                                          </p:spTgt>
-                                        </p:tgtEl>
-                                        <p:attrNameLst>
-                                          <p:attrName>ppt_y</p:attrName>
-                                        </p:attrNameLst>
-                                      </p:cBhvr>
-                                      <p:tavLst>
-                                        <p:tav tm="0">
-                                          <p:val>
-                                            <p:strVal val="#ppt_y+.1"/>
-                                          </p:val>
-                                        </p:tav>
-                                        <p:tav tm="100000">
-                                          <p:val>
-                                            <p:strVal val="#ppt_y"/>
-                                          </p:val>
-                                        </p:tav>
-                                      </p:tavLst>
-                                    </p:anim>
-                                  </p:childTnLst>
-                                </p:cTn>
-                              </p:par>
-                              <p:par>
-                                <p:cTn id="49" presetID="42" presetClass="entr" presetSubtype="0" fill="hold" nodeType="withEffect">
-                                  <p:stCondLst>
-                                    <p:cond delay="0"/>
-                                  </p:stCondLst>
-                                  <p:childTnLst>
-                                    <p:set>
-                                      <p:cBhvr>
-                                        <p:cTn id="50" dur="1" fill="hold">
-                                          <p:stCondLst>
-                                            <p:cond delay="0"/>
-                                          </p:stCondLst>
-                                        </p:cTn>
-                                        <p:tgtEl>
-                                          <p:spTgt spid="3">
-                                            <p:txEl>
-                                              <p:pRg st="10" end="10"/>
-                                            </p:txEl>
-                                          </p:spTgt>
-                                        </p:tgtEl>
-                                        <p:attrNameLst>
-                                          <p:attrName>style.visibility</p:attrName>
-                                        </p:attrNameLst>
-                                      </p:cBhvr>
-                                      <p:to>
-                                        <p:strVal val="visible"/>
-                                      </p:to>
-                                    </p:set>
-                                    <p:animEffect transition="in" filter="fade">
-                                      <p:cBhvr>
-                                        <p:cTn id="51" dur="1000"/>
-                                        <p:tgtEl>
-                                          <p:spTgt spid="3">
-                                            <p:txEl>
-                                              <p:pRg st="10" end="10"/>
-                                            </p:txEl>
-                                          </p:spTgt>
-                                        </p:tgtEl>
-                                      </p:cBhvr>
-                                    </p:animEffect>
-                                    <p:anim calcmode="lin" valueType="num">
-                                      <p:cBhvr>
-                                        <p:cTn id="52" dur="1000" fill="hold"/>
-                                        <p:tgtEl>
-                                          <p:spTgt spid="3">
-                                            <p:txEl>
-                                              <p:pRg st="10" end="10"/>
-                                            </p:txEl>
-                                          </p:spTgt>
-                                        </p:tgtEl>
-                                        <p:attrNameLst>
-                                          <p:attrName>ppt_x</p:attrName>
-                                        </p:attrNameLst>
-                                      </p:cBhvr>
-                                      <p:tavLst>
-                                        <p:tav tm="0">
-                                          <p:val>
-                                            <p:strVal val="#ppt_x"/>
-                                          </p:val>
-                                        </p:tav>
-                                        <p:tav tm="100000">
-                                          <p:val>
-                                            <p:strVal val="#ppt_x"/>
-                                          </p:val>
-                                        </p:tav>
-                                      </p:tavLst>
-                                    </p:anim>
-                                    <p:anim calcmode="lin" valueType="num">
-                                      <p:cBhvr>
-                                        <p:cTn id="53" dur="1000" fill="hold"/>
-                                        <p:tgtEl>
-                                          <p:spTgt spid="3">
-                                            <p:txEl>
-                                              <p:pRg st="10" end="10"/>
-                                            </p:txEl>
-                                          </p:spTgt>
-                                        </p:tgtEl>
-                                        <p:attrNameLst>
-                                          <p:attrName>ppt_y</p:attrName>
-                                        </p:attrNameLst>
-                                      </p:cBhvr>
-                                      <p:tavLst>
-                                        <p:tav tm="0">
-                                          <p:val>
-                                            <p:strVal val="#ppt_y+.1"/>
-                                          </p:val>
-                                        </p:tav>
-                                        <p:tav tm="100000">
-                                          <p:val>
-                                            <p:strVal val="#ppt_y"/>
-                                          </p:val>
-                                        </p:tav>
-                                      </p:tavLst>
-                                    </p:anim>
-                                  </p:childTnLst>
-                                </p:cTn>
-                              </p:par>
-                            </p:childTnLst>
-                          </p:cTn>
-                        </p:par>
-                      </p:childTnLst>
-                    </p:cTn>
-                  </p:par>
-                  <p:par>
-                    <p:cTn id="54" fill="hold">
-                      <p:stCondLst>
-                        <p:cond delay="indefinite"/>
-                      </p:stCondLst>
-                      <p:childTnLst>
-                        <p:par>
-                          <p:cTn id="55" fill="hold">
-                            <p:stCondLst>
-                              <p:cond delay="0"/>
-                            </p:stCondLst>
-                            <p:childTnLst>
-                              <p:par>
-                                <p:cTn id="56" presetID="42" presetClass="entr" presetSubtype="0" fill="hold" nodeType="clickEffect">
-                                  <p:stCondLst>
-                                    <p:cond delay="0"/>
-                                  </p:stCondLst>
-                                  <p:childTnLst>
-                                    <p:set>
-                                      <p:cBhvr>
-                                        <p:cTn id="57" dur="1" fill="hold">
-                                          <p:stCondLst>
-                                            <p:cond delay="0"/>
-                                          </p:stCondLst>
-                                        </p:cTn>
-                                        <p:tgtEl>
-                                          <p:spTgt spid="3">
-                                            <p:txEl>
-                                              <p:pRg st="12" end="12"/>
-                                            </p:txEl>
-                                          </p:spTgt>
-                                        </p:tgtEl>
-                                        <p:attrNameLst>
-                                          <p:attrName>style.visibility</p:attrName>
-                                        </p:attrNameLst>
-                                      </p:cBhvr>
-                                      <p:to>
-                                        <p:strVal val="visible"/>
-                                      </p:to>
-                                    </p:set>
-                                    <p:animEffect transition="in" filter="fade">
-                                      <p:cBhvr>
-                                        <p:cTn id="58" dur="1000"/>
-                                        <p:tgtEl>
-                                          <p:spTgt spid="3">
-                                            <p:txEl>
-                                              <p:pRg st="12" end="12"/>
-                                            </p:txEl>
-                                          </p:spTgt>
-                                        </p:tgtEl>
-                                      </p:cBhvr>
-                                    </p:animEffect>
-                                    <p:anim calcmode="lin" valueType="num">
-                                      <p:cBhvr>
-                                        <p:cTn id="59" dur="1000" fill="hold"/>
-                                        <p:tgtEl>
-                                          <p:spTgt spid="3">
-                                            <p:txEl>
-                                              <p:pRg st="12" end="12"/>
-                                            </p:txEl>
-                                          </p:spTgt>
-                                        </p:tgtEl>
-                                        <p:attrNameLst>
-                                          <p:attrName>ppt_x</p:attrName>
-                                        </p:attrNameLst>
-                                      </p:cBhvr>
-                                      <p:tavLst>
-                                        <p:tav tm="0">
-                                          <p:val>
-                                            <p:strVal val="#ppt_x"/>
-                                          </p:val>
-                                        </p:tav>
-                                        <p:tav tm="100000">
-                                          <p:val>
-                                            <p:strVal val="#ppt_x"/>
-                                          </p:val>
-                                        </p:tav>
-                                      </p:tavLst>
-                                    </p:anim>
-                                    <p:anim calcmode="lin" valueType="num">
-                                      <p:cBhvr>
-                                        <p:cTn id="60" dur="1000" fill="hold"/>
-                                        <p:tgtEl>
-                                          <p:spTgt spid="3">
-                                            <p:txEl>
-                                              <p:pRg st="12" end="12"/>
-                                            </p:txEl>
-                                          </p:spTgt>
-                                        </p:tgtEl>
-                                        <p:attrNameLst>
-                                          <p:attrName>ppt_y</p:attrName>
-                                        </p:attrNameLst>
-                                      </p:cBhvr>
-                                      <p:tavLst>
-                                        <p:tav tm="0">
-                                          <p:val>
-                                            <p:strVal val="#ppt_y+.1"/>
-                                          </p:val>
-                                        </p:tav>
-                                        <p:tav tm="100000">
-                                          <p:val>
-                                            <p:strVal val="#ppt_y"/>
-                                          </p:val>
-                                        </p:tav>
-                                      </p:tavLst>
-                                    </p:anim>
-                                  </p:childTnLst>
-                                </p:cTn>
-                              </p:par>
-                              <p:par>
-                                <p:cTn id="61" presetID="42" presetClass="entr" presetSubtype="0" fill="hold" nodeType="withEffect">
-                                  <p:stCondLst>
-                                    <p:cond delay="0"/>
-                                  </p:stCondLst>
-                                  <p:childTnLst>
-                                    <p:set>
-                                      <p:cBhvr>
-                                        <p:cTn id="62" dur="1" fill="hold">
-                                          <p:stCondLst>
-                                            <p:cond delay="0"/>
-                                          </p:stCondLst>
-                                        </p:cTn>
-                                        <p:tgtEl>
-                                          <p:spTgt spid="3">
-                                            <p:txEl>
-                                              <p:pRg st="13" end="13"/>
-                                            </p:txEl>
-                                          </p:spTgt>
-                                        </p:tgtEl>
-                                        <p:attrNameLst>
-                                          <p:attrName>style.visibility</p:attrName>
-                                        </p:attrNameLst>
-                                      </p:cBhvr>
-                                      <p:to>
-                                        <p:strVal val="visible"/>
-                                      </p:to>
-                                    </p:set>
-                                    <p:animEffect transition="in" filter="fade">
-                                      <p:cBhvr>
-                                        <p:cTn id="63" dur="1000"/>
-                                        <p:tgtEl>
-                                          <p:spTgt spid="3">
-                                            <p:txEl>
-                                              <p:pRg st="13" end="13"/>
-                                            </p:txEl>
-                                          </p:spTgt>
-                                        </p:tgtEl>
-                                      </p:cBhvr>
-                                    </p:animEffect>
-                                    <p:anim calcmode="lin" valueType="num">
-                                      <p:cBhvr>
-                                        <p:cTn id="64" dur="1000" fill="hold"/>
-                                        <p:tgtEl>
-                                          <p:spTgt spid="3">
-                                            <p:txEl>
-                                              <p:pRg st="13" end="13"/>
-                                            </p:txEl>
-                                          </p:spTgt>
-                                        </p:tgtEl>
-                                        <p:attrNameLst>
-                                          <p:attrName>ppt_x</p:attrName>
-                                        </p:attrNameLst>
-                                      </p:cBhvr>
-                                      <p:tavLst>
-                                        <p:tav tm="0">
-                                          <p:val>
-                                            <p:strVal val="#ppt_x"/>
-                                          </p:val>
-                                        </p:tav>
-                                        <p:tav tm="100000">
-                                          <p:val>
-                                            <p:strVal val="#ppt_x"/>
-                                          </p:val>
-                                        </p:tav>
-                                      </p:tavLst>
-                                    </p:anim>
-                                    <p:anim calcmode="lin" valueType="num">
-                                      <p:cBhvr>
-                                        <p:cTn id="65" dur="1000" fill="hold"/>
-                                        <p:tgtEl>
-                                          <p:spTgt spid="3">
-                                            <p:txEl>
-                                              <p:pRg st="13" end="13"/>
-                                            </p:txEl>
-                                          </p:spTgt>
-                                        </p:tgtEl>
-                                        <p:attrNameLst>
-                                          <p:attrName>ppt_y</p:attrName>
-                                        </p:attrNameLst>
-                                      </p:cBhvr>
-                                      <p:tavLst>
-                                        <p:tav tm="0">
-                                          <p:val>
-                                            <p:strVal val="#ppt_y+.1"/>
-                                          </p:val>
-                                        </p:tav>
-                                        <p:tav tm="100000">
-                                          <p:val>
-                                            <p:strVal val="#ppt_y"/>
-                                          </p:val>
-                                        </p:tav>
-                                      </p:tavLst>
-                                    </p:anim>
-                                  </p:childTnLst>
-                                </p:cTn>
-                              </p:par>
-                              <p:par>
-                                <p:cTn id="66" presetID="42" presetClass="entr" presetSubtype="0" fill="hold" nodeType="withEffect">
-                                  <p:stCondLst>
-                                    <p:cond delay="0"/>
-                                  </p:stCondLst>
-                                  <p:childTnLst>
-                                    <p:set>
-                                      <p:cBhvr>
-                                        <p:cTn id="67" dur="1" fill="hold">
-                                          <p:stCondLst>
-                                            <p:cond delay="0"/>
-                                          </p:stCondLst>
-                                        </p:cTn>
-                                        <p:tgtEl>
-                                          <p:spTgt spid="3">
-                                            <p:txEl>
-                                              <p:pRg st="14" end="14"/>
-                                            </p:txEl>
-                                          </p:spTgt>
-                                        </p:tgtEl>
-                                        <p:attrNameLst>
-                                          <p:attrName>style.visibility</p:attrName>
-                                        </p:attrNameLst>
-                                      </p:cBhvr>
-                                      <p:to>
-                                        <p:strVal val="visible"/>
-                                      </p:to>
-                                    </p:set>
-                                    <p:animEffect transition="in" filter="fade">
-                                      <p:cBhvr>
-                                        <p:cTn id="68" dur="1000"/>
-                                        <p:tgtEl>
-                                          <p:spTgt spid="3">
-                                            <p:txEl>
-                                              <p:pRg st="14" end="14"/>
-                                            </p:txEl>
-                                          </p:spTgt>
-                                        </p:tgtEl>
-                                      </p:cBhvr>
-                                    </p:animEffect>
-                                    <p:anim calcmode="lin" valueType="num">
-                                      <p:cBhvr>
-                                        <p:cTn id="69" dur="1000" fill="hold"/>
-                                        <p:tgtEl>
-                                          <p:spTgt spid="3">
-                                            <p:txEl>
-                                              <p:pRg st="14" end="14"/>
-                                            </p:txEl>
-                                          </p:spTgt>
-                                        </p:tgtEl>
-                                        <p:attrNameLst>
-                                          <p:attrName>ppt_x</p:attrName>
-                                        </p:attrNameLst>
-                                      </p:cBhvr>
-                                      <p:tavLst>
-                                        <p:tav tm="0">
-                                          <p:val>
-                                            <p:strVal val="#ppt_x"/>
-                                          </p:val>
-                                        </p:tav>
-                                        <p:tav tm="100000">
-                                          <p:val>
-                                            <p:strVal val="#ppt_x"/>
-                                          </p:val>
-                                        </p:tav>
-                                      </p:tavLst>
-                                    </p:anim>
-                                    <p:anim calcmode="lin" valueType="num">
-                                      <p:cBhvr>
-                                        <p:cTn id="70" dur="1000" fill="hold"/>
-                                        <p:tgtEl>
-                                          <p:spTgt spid="3">
-                                            <p:txEl>
-                                              <p:pRg st="14" end="14"/>
-                                            </p:txEl>
-                                          </p:spTgt>
-                                        </p:tgtEl>
-                                        <p:attrNameLst>
-                                          <p:attrName>ppt_y</p:attrName>
-                                        </p:attrNameLst>
-                                      </p:cBhvr>
-                                      <p:tavLst>
-                                        <p:tav tm="0">
-                                          <p:val>
-                                            <p:strVal val="#ppt_y+.1"/>
-                                          </p:val>
-                                        </p:tav>
-                                        <p:tav tm="100000">
-                                          <p:val>
-                                            <p:strVal val="#ppt_y"/>
-                                          </p:val>
-                                        </p:tav>
-                                      </p:tavLst>
-                                    </p:anim>
-                                  </p:childTnLst>
-                                </p:cTn>
-                              </p:par>
-                              <p:par>
-                                <p:cTn id="71" presetID="42" presetClass="entr" presetSubtype="0" fill="hold" nodeType="withEffect">
-                                  <p:stCondLst>
-                                    <p:cond delay="0"/>
-                                  </p:stCondLst>
-                                  <p:childTnLst>
-                                    <p:set>
-                                      <p:cBhvr>
-                                        <p:cTn id="72" dur="1" fill="hold">
-                                          <p:stCondLst>
-                                            <p:cond delay="0"/>
-                                          </p:stCondLst>
-                                        </p:cTn>
-                                        <p:tgtEl>
-                                          <p:spTgt spid="3">
-                                            <p:txEl>
-                                              <p:pRg st="15" end="15"/>
-                                            </p:txEl>
-                                          </p:spTgt>
-                                        </p:tgtEl>
-                                        <p:attrNameLst>
-                                          <p:attrName>style.visibility</p:attrName>
-                                        </p:attrNameLst>
-                                      </p:cBhvr>
-                                      <p:to>
-                                        <p:strVal val="visible"/>
-                                      </p:to>
-                                    </p:set>
-                                    <p:animEffect transition="in" filter="fade">
-                                      <p:cBhvr>
-                                        <p:cTn id="73" dur="1000"/>
-                                        <p:tgtEl>
-                                          <p:spTgt spid="3">
-                                            <p:txEl>
-                                              <p:pRg st="15" end="15"/>
-                                            </p:txEl>
-                                          </p:spTgt>
-                                        </p:tgtEl>
-                                      </p:cBhvr>
-                                    </p:animEffect>
-                                    <p:anim calcmode="lin" valueType="num">
-                                      <p:cBhvr>
-                                        <p:cTn id="74" dur="1000" fill="hold"/>
-                                        <p:tgtEl>
-                                          <p:spTgt spid="3">
-                                            <p:txEl>
-                                              <p:pRg st="15" end="15"/>
-                                            </p:txEl>
-                                          </p:spTgt>
-                                        </p:tgtEl>
-                                        <p:attrNameLst>
-                                          <p:attrName>ppt_x</p:attrName>
-                                        </p:attrNameLst>
-                                      </p:cBhvr>
-                                      <p:tavLst>
-                                        <p:tav tm="0">
-                                          <p:val>
-                                            <p:strVal val="#ppt_x"/>
-                                          </p:val>
-                                        </p:tav>
-                                        <p:tav tm="100000">
-                                          <p:val>
-                                            <p:strVal val="#ppt_x"/>
-                                          </p:val>
-                                        </p:tav>
-                                      </p:tavLst>
-                                    </p:anim>
-                                    <p:anim calcmode="lin" valueType="num">
-                                      <p:cBhvr>
-                                        <p:cTn id="75" dur="1000" fill="hold"/>
-                                        <p:tgtEl>
-                                          <p:spTgt spid="3">
-                                            <p:txEl>
-                                              <p:pRg st="15" end="15"/>
-                                            </p:txEl>
-                                          </p:spTgt>
-                                        </p:tgtEl>
-                                        <p:attrNameLst>
-                                          <p:attrName>ppt_y</p:attrName>
-                                        </p:attrNameLst>
-                                      </p:cBhvr>
-                                      <p:tavLst>
-                                        <p:tav tm="0">
-                                          <p:val>
-                                            <p:strVal val="#ppt_y+.1"/>
-                                          </p:val>
-                                        </p:tav>
-                                        <p:tav tm="100000">
-                                          <p:val>
-                                            <p:strVal val="#ppt_y"/>
-                                          </p:val>
-                                        </p:tav>
-                                      </p:tavLst>
-                                    </p:anim>
-                                  </p:childTnLst>
-                                </p:cTn>
-                              </p:par>
-                            </p:childTnLst>
-                          </p:cTn>
-                        </p:par>
-                      </p:childTnLst>
-                    </p:cTn>
-                  </p:par>
-                </p:childTnLst>
-              </p:cTn>
-              <p:prevCondLst>
-                <p:cond evt="onPrev" delay="0">
-                  <p:tgtEl>
-                    <p:sldTgt/>
-                  </p:tgtEl>
-                </p:cond>
-              </p:prevCondLst>
-              <p:nextCondLst>
-                <p:cond evt="onNext" delay="0">
-                  <p:tgtEl>
-                    <p:sldTgt/>
-                  </p:tgtEl>
-                </p:cond>
-              </p:nextCondLst>
-            </p:seq>
-          </p:childTnLst>
-        </p:cTn>
-      </p:par>
-    </p:tnLst>
-  </p:timing>
-</p:sld>
-</file>
-
-<file path=ppt/slides/slide13.xml><?xml version="1.0" encoding="utf-8"?>
-<p:sld xmlns:a="http://schemas.openxmlformats.org/drawingml/2006/main" xmlns:r="http://schemas.openxmlformats.org/officeDocument/2006/relationships" xmlns:p="http://schemas.openxmlformats.org/presentationml/2006/main">
-  <p:cSld>
-    <p:spTree>
-      <p:nvGrpSpPr>
-        <p:cNvPr id="1" name=""/>
-        <p:cNvGrpSpPr/>
-        <p:nvPr/>
-      </p:nvGrpSpPr>
-      <p:grpSpPr>
-        <a:xfrm>
-          <a:off x="0" y="0"/>
-          <a:ext cx="0" cy="0"/>
-          <a:chOff x="0" y="0"/>
-          <a:chExt cx="0" cy="0"/>
-        </a:xfrm>
-      </p:grpSpPr>
-      <p:sp>
-        <p:nvSpPr>
-          <p:cNvPr id="2" name="Title 1"/>
-          <p:cNvSpPr>
-            <a:spLocks noGrp="1"/>
-          </p:cNvSpPr>
-          <p:nvPr>
-            <p:ph type="title"/>
-          </p:nvPr>
-        </p:nvSpPr>
-        <p:spPr/>
-        <p:txBody>
-          <a:bodyPr/>
-          <a:lstStyle/>
-          <a:p>
-            <a:r>
-              <a:rPr lang="en-US" dirty="0"/>
-              <a:t>Next </a:t>
-            </a:r>
-            <a:r>
-              <a:rPr lang="en-US" dirty="0" smtClean="0"/>
-              <a:t>Steps</a:t>
-            </a:r>
-            <a:endParaRPr lang="en-US" dirty="0"/>
-          </a:p>
-        </p:txBody>
-      </p:sp>
-      <p:sp>
-        <p:nvSpPr>
-          <p:cNvPr id="3" name="Content Placeholder 2"/>
-          <p:cNvSpPr>
-            <a:spLocks noGrp="1"/>
-          </p:cNvSpPr>
-          <p:nvPr>
-            <p:ph idx="1"/>
-          </p:nvPr>
-        </p:nvSpPr>
-        <p:spPr/>
-        <p:txBody>
-          <a:bodyPr/>
-          <a:lstStyle/>
-          <a:p>
-            <a:r>
-              <a:rPr lang="en-US" dirty="0"/>
-              <a:t>Meet </a:t>
-            </a:r>
-            <a:r>
-              <a:rPr lang="en-US" dirty="0" smtClean="0"/>
-              <a:t>clients </a:t>
-            </a:r>
-            <a:r>
-              <a:rPr lang="en-US" dirty="0"/>
-              <a:t>with proposed </a:t>
-            </a:r>
-            <a:r>
-              <a:rPr lang="en-US" dirty="0" smtClean="0"/>
-              <a:t>ideas</a:t>
-            </a:r>
-          </a:p>
-          <a:p>
-            <a:r>
-              <a:rPr lang="en-US" dirty="0" smtClean="0"/>
-              <a:t>Finalize the idea to be implemented</a:t>
-            </a:r>
-          </a:p>
-          <a:p>
-            <a:r>
-              <a:rPr lang="en-US" dirty="0" smtClean="0"/>
-              <a:t>Start work on the finalized idea</a:t>
-            </a:r>
-          </a:p>
-        </p:txBody>
-      </p:sp>
-    </p:spTree>
-    <p:extLst>
-      <p:ext uri="{BB962C8B-B14F-4D97-AF65-F5344CB8AC3E}">
-        <p14:creationId xmlns:p14="http://schemas.microsoft.com/office/powerpoint/2010/main" val="2915173357"/>
-      </p:ext>
-    </p:extLst>
-  </p:cSld>
-  <p:clrMapOvr>
-    <a:masterClrMapping/>
-  </p:clrMapOvr>
-  <p:timing>
-    <p:tnLst>
-      <p:par>
-        <p:cTn id="1" dur="indefinite" restart="never" nodeType="tmRoot"/>
-      </p:par>
-    </p:tnLst>
-  </p:timing>
-</p:sld>
-</file>
-
-<file path=ppt/slides/slide14.xml><?xml version="1.0" encoding="utf-8"?>
-<p:sld xmlns:a="http://schemas.openxmlformats.org/drawingml/2006/main" xmlns:r="http://schemas.openxmlformats.org/officeDocument/2006/relationships" xmlns:p="http://schemas.openxmlformats.org/presentationml/2006/main">
-  <p:cSld>
-    <p:spTree>
-      <p:nvGrpSpPr>
-        <p:cNvPr id="1" name=""/>
-        <p:cNvGrpSpPr/>
-        <p:nvPr/>
-      </p:nvGrpSpPr>
-      <p:grpSpPr>
-        <a:xfrm>
-          <a:off x="0" y="0"/>
-          <a:ext cx="0" cy="0"/>
-          <a:chOff x="0" y="0"/>
-          <a:chExt cx="0" cy="0"/>
-        </a:xfrm>
-      </p:grpSpPr>
-      <p:sp>
-        <p:nvSpPr>
-          <p:cNvPr id="2" name="Title 1"/>
-          <p:cNvSpPr>
-            <a:spLocks noGrp="1"/>
-          </p:cNvSpPr>
-          <p:nvPr>
-            <p:ph type="title"/>
-          </p:nvPr>
-        </p:nvSpPr>
-        <p:spPr>
-          <a:xfrm>
-            <a:off x="1016758" y="139890"/>
-            <a:ext cx="9601200" cy="1485900"/>
-          </a:xfrm>
-        </p:spPr>
-        <p:txBody>
-          <a:bodyPr/>
-          <a:lstStyle/>
-          <a:p>
-            <a:r>
-              <a:rPr lang="en-US" dirty="0"/>
-              <a:t>Brainstorming </a:t>
-            </a:r>
-            <a:r>
-              <a:rPr lang="en-US" dirty="0" smtClean="0"/>
-              <a:t>session</a:t>
-            </a:r>
-            <a:endParaRPr lang="en-US" dirty="0"/>
-          </a:p>
-        </p:txBody>
-      </p:sp>
-      <p:pic>
-        <p:nvPicPr>
-          <p:cNvPr id="4" name="Picture 3"/>
-          <p:cNvPicPr>
-            <a:picLocks noChangeAspect="1"/>
-          </p:cNvPicPr>
-          <p:nvPr/>
-        </p:nvPicPr>
-        <p:blipFill>
-          <a:blip r:embed="rId2"/>
-          <a:stretch>
-            <a:fillRect/>
-          </a:stretch>
-        </p:blipFill>
-        <p:spPr>
-          <a:xfrm>
-            <a:off x="2224573" y="882840"/>
-            <a:ext cx="7779236" cy="5834427"/>
-          </a:xfrm>
-          <a:prstGeom prst="rect">
-            <a:avLst/>
-          </a:prstGeom>
-        </p:spPr>
-      </p:pic>
-    </p:spTree>
-    <p:extLst>
-      <p:ext uri="{BB962C8B-B14F-4D97-AF65-F5344CB8AC3E}">
-        <p14:creationId xmlns:p14="http://schemas.microsoft.com/office/powerpoint/2010/main" val="92360309"/>
-      </p:ext>
-    </p:extLst>
-  </p:cSld>
-  <p:clrMapOvr>
-    <a:masterClrMapping/>
-  </p:clrMapOvr>
-  <p:timing>
-    <p:tnLst>
-      <p:par>
-        <p:cTn id="1" dur="indefinite" restart="never" nodeType="tmRoot"/>
-      </p:par>
-    </p:tnLst>
-  </p:timing>
-</p:sld>
-</file>
-
-<file path=ppt/slides/slide15.xml><?xml version="1.0" encoding="utf-8"?>
-<p:sld xmlns:a="http://schemas.openxmlformats.org/drawingml/2006/main" xmlns:r="http://schemas.openxmlformats.org/officeDocument/2006/relationships" xmlns:p="http://schemas.openxmlformats.org/presentationml/2006/main">
-  <p:cSld>
-    <p:spTree>
-      <p:nvGrpSpPr>
-        <p:cNvPr id="1" name=""/>
-        <p:cNvGrpSpPr/>
-        <p:nvPr/>
-      </p:nvGrpSpPr>
-      <p:grpSpPr>
-        <a:xfrm>
-          <a:off x="0" y="0"/>
-          <a:ext cx="0" cy="0"/>
-          <a:chOff x="0" y="0"/>
-          <a:chExt cx="0" cy="0"/>
-        </a:xfrm>
-      </p:grpSpPr>
       <p:sp>
         <p:nvSpPr>
           <p:cNvPr id="3" name="Content Placeholder 2"/>
@@ -6487,7 +4180,7 @@
   <p:timing>
     <p:tnLst>
       <p:par>
-        <p:cTn id="1" dur="indefinite" restart="never" nodeType="tmRoot"/>
+        <p:cTn xmlns:p14="http://schemas.microsoft.com/office/powerpoint/2010/main" id="1" dur="indefinite" restart="never" nodeType="tmRoot"/>
       </p:par>
     </p:tnLst>
   </p:timing>
@@ -6549,33 +4242,48 @@
           <a:lstStyle/>
           <a:p>
             <a:r>
+              <a:rPr lang="en-US" dirty="0" smtClean="0"/>
+              <a:t>Meeting with Client</a:t>
+            </a:r>
+          </a:p>
+          <a:p>
+            <a:r>
               <a:rPr lang="en-US" dirty="0"/>
-              <a:t>Understanding Requirements</a:t>
-            </a:r>
-          </a:p>
-          <a:p>
+              <a:t>Create </a:t>
+            </a:r>
+            <a:r>
+              <a:rPr lang="en-US" dirty="0" err="1"/>
+              <a:t>Git</a:t>
+            </a:r>
             <a:r>
               <a:rPr lang="en-US" dirty="0"/>
-              <a:t>Hands-On for GM APIs</a:t>
-            </a:r>
-          </a:p>
-          <a:p>
-            <a:r>
-              <a:rPr lang="en-US" dirty="0"/>
-              <a:t>Technologies Used</a:t>
-            </a:r>
-          </a:p>
-          <a:p>
-            <a:r>
-              <a:rPr lang="en-US" dirty="0"/>
-              <a:t>Game Ideas</a:t>
-            </a:r>
-          </a:p>
-          <a:p>
-            <a:r>
-              <a:rPr lang="en-US" dirty="0"/>
-              <a:t>Game Features</a:t>
-            </a:r>
+              <a:t> Issues to Ask for GM API </a:t>
+            </a:r>
+            <a:r>
+              <a:rPr lang="en-US" dirty="0" smtClean="0"/>
+              <a:t>Clarifications</a:t>
+            </a:r>
+            <a:endParaRPr lang="en-US" dirty="0" smtClean="0"/>
+          </a:p>
+          <a:p>
+            <a:r>
+              <a:rPr lang="en-US" dirty="0" smtClean="0"/>
+              <a:t>Redesign the Game According to Customer’s Feedback</a:t>
+            </a:r>
+            <a:endParaRPr lang="en-US" dirty="0" smtClean="0"/>
+          </a:p>
+          <a:p>
+            <a:r>
+              <a:rPr lang="en-US" dirty="0" smtClean="0"/>
+              <a:t>Clarify Details of Our Game</a:t>
+            </a:r>
+          </a:p>
+          <a:p>
+            <a:r>
+              <a:rPr lang="en-US" dirty="0" smtClean="0"/>
+              <a:t>Implement on the Dino Game</a:t>
+            </a:r>
+            <a:endParaRPr lang="en-US" dirty="0"/>
           </a:p>
           <a:p>
             <a:r>
@@ -6598,7 +4306,7 @@
   <p:timing>
     <p:tnLst>
       <p:par>
-        <p:cTn id="1" dur="indefinite" restart="never" nodeType="tmRoot"/>
+        <p:cTn xmlns:p14="http://schemas.microsoft.com/office/powerpoint/2010/main" id="1" dur="indefinite" restart="never" nodeType="tmRoot"/>
       </p:par>
     </p:tnLst>
   </p:timing>
@@ -6639,7 +4347,7 @@
           <a:p>
             <a:r>
               <a:rPr lang="en-US" dirty="0" smtClean="0"/>
-              <a:t>Understanding Requirements</a:t>
+              <a:t>Meeting with Client</a:t>
             </a:r>
             <a:endParaRPr lang="en-US" dirty="0"/>
           </a:p>
@@ -6658,11 +4366,13 @@
         <p:spPr>
           <a:xfrm>
             <a:off x="1371600" y="1808329"/>
-            <a:ext cx="9601200" cy="3581400"/>
+            <a:ext cx="9507919" cy="4188738"/>
           </a:xfrm>
         </p:spPr>
         <p:txBody>
-          <a:bodyPr/>
+          <a:bodyPr>
+            <a:normAutofit lnSpcReduction="10000"/>
+          </a:bodyPr>
           <a:lstStyle/>
           <a:p>
             <a:pPr marL="0" indent="0">
@@ -6670,15 +4380,16 @@
             </a:pPr>
             <a:r>
               <a:rPr lang="en-US" dirty="0" smtClean="0"/>
-              <a:t>1. Goal of the project is to </a:t>
-            </a:r>
-            <a:r>
-              <a:rPr lang="en-US" dirty="0"/>
-              <a:t>make the process of learning algebraic math fun </a:t>
-            </a:r>
+              <a:t>What we done:</a:t>
+            </a:r>
+          </a:p>
+          <a:p>
+            <a:pPr marL="0" indent="0">
+              <a:buNone/>
+            </a:pPr>
             <a:r>
               <a:rPr lang="en-US" dirty="0" smtClean="0"/>
-              <a:t>through interactive game, thereby serving a better learning curve for 5th Graders.</a:t>
+              <a:t>Show five game ideas with our client and a short demo</a:t>
             </a:r>
           </a:p>
           <a:p>
@@ -6687,33 +4398,82 @@
             </a:pPr>
             <a:r>
               <a:rPr lang="en-US" dirty="0" smtClean="0"/>
-              <a:t>2</a:t>
-            </a:r>
-            <a:r>
-              <a:rPr lang="en-US" dirty="0"/>
-              <a:t>. Provide a cool and suave game which can be used as demo for corporate clients </a:t>
-            </a:r>
+              <a:t>Ask for more GM API codes to implement features we want</a:t>
+            </a:r>
+            <a:endParaRPr lang="en-US" dirty="0" smtClean="0"/>
+          </a:p>
+          <a:p>
+            <a:pPr marL="0" indent="0">
+              <a:buNone/>
+            </a:pPr>
+            <a:endParaRPr lang="en-US" dirty="0" smtClean="0"/>
+          </a:p>
+          <a:p>
+            <a:pPr marL="0" indent="0">
+              <a:buNone/>
+            </a:pPr>
             <a:r>
               <a:rPr lang="en-US" dirty="0" smtClean="0"/>
-              <a:t>to make </a:t>
-            </a:r>
-            <a:r>
-              <a:rPr lang="en-US" dirty="0"/>
-              <a:t>them visualize the use of GM APIs</a:t>
-            </a:r>
-          </a:p>
-          <a:p>
-            <a:pPr marL="0" indent="0">
-              <a:buNone/>
+              <a:t>Client Opinion</a:t>
+            </a:r>
+          </a:p>
+          <a:p>
+            <a:pPr marL="457200" indent="-457200">
+              <a:buAutoNum type="arabicPeriod"/>
             </a:pPr>
             <a:r>
               <a:rPr lang="en-US" dirty="0" smtClean="0"/>
-              <a:t>3</a:t>
-            </a:r>
-            <a:r>
-              <a:rPr lang="en-US" dirty="0"/>
-              <a:t>. Identify issues with existing GM APIs and their usage.</a:t>
-            </a:r>
+              <a:t>Prefer Dino Egg and Tic </a:t>
+            </a:r>
+            <a:r>
+              <a:rPr lang="en-US" dirty="0" err="1" smtClean="0"/>
+              <a:t>Tac</a:t>
+            </a:r>
+            <a:r>
+              <a:rPr lang="en-US" dirty="0" smtClean="0"/>
+              <a:t> Toe Game</a:t>
+            </a:r>
+          </a:p>
+          <a:p>
+            <a:pPr marL="457200" indent="-457200">
+              <a:buFont typeface="Franklin Gothic Book" panose="020B0503020102020204" pitchFamily="34" charset="0"/>
+              <a:buAutoNum type="arabicPeriod"/>
+            </a:pPr>
+            <a:r>
+              <a:rPr lang="en-US" dirty="0" smtClean="0"/>
+              <a:t>Try to make sure Math is the heart, not annoying part</a:t>
+            </a:r>
+          </a:p>
+          <a:p>
+            <a:pPr marL="457200" indent="-457200">
+              <a:buFont typeface="Franklin Gothic Book" panose="020B0503020102020204" pitchFamily="34" charset="0"/>
+              <a:buAutoNum type="arabicPeriod"/>
+            </a:pPr>
+            <a:r>
+              <a:rPr lang="en-US" dirty="0" smtClean="0"/>
+              <a:t>Make it easy and appealing to children</a:t>
+            </a:r>
+          </a:p>
+          <a:p>
+            <a:pPr marL="457200" indent="-457200">
+              <a:buFont typeface="Franklin Gothic Book" panose="020B0503020102020204" pitchFamily="34" charset="0"/>
+              <a:buAutoNum type="arabicPeriod"/>
+            </a:pPr>
+            <a:r>
+              <a:rPr lang="en-US" dirty="0" smtClean="0"/>
+              <a:t>Sketch details on the Game</a:t>
+            </a:r>
+          </a:p>
+          <a:p>
+            <a:pPr marL="457200" indent="-457200">
+              <a:buFont typeface="Franklin Gothic Book" panose="020B0503020102020204" pitchFamily="34" charset="0"/>
+              <a:buAutoNum type="arabicPeriod"/>
+            </a:pPr>
+            <a:r>
+              <a:rPr lang="en-US" dirty="0" smtClean="0"/>
+              <a:t>Make prototype with easy level and advanced level</a:t>
+            </a:r>
+            <a:endParaRPr lang="en-US" dirty="0" smtClean="0"/>
           </a:p>
         </p:txBody>
       </p:sp>
@@ -6730,7 +4490,7 @@
   <p:timing>
     <p:tnLst>
       <p:par>
-        <p:cTn id="1" dur="indefinite" restart="never" nodeType="tmRoot"/>
+        <p:cTn xmlns:p14="http://schemas.microsoft.com/office/powerpoint/2010/main" id="1" dur="indefinite" restart="never" nodeType="tmRoot"/>
       </p:par>
     </p:tnLst>
   </p:timing>
@@ -6770,47 +4530,41 @@
           <a:lstStyle/>
           <a:p>
             <a:r>
-              <a:rPr lang="en-US" dirty="0"/>
-              <a:t>Technologies Used</a:t>
-            </a:r>
-          </a:p>
-        </p:txBody>
-      </p:sp>
-      <p:sp>
-        <p:nvSpPr>
-          <p:cNvPr id="3" name="Content Placeholder 2"/>
-          <p:cNvSpPr>
-            <a:spLocks noGrp="1"/>
-          </p:cNvSpPr>
-          <p:nvPr>
-            <p:ph idx="1"/>
-          </p:nvPr>
-        </p:nvSpPr>
-        <p:spPr/>
-        <p:txBody>
-          <a:bodyPr/>
-          <a:lstStyle/>
-          <a:p>
-            <a:r>
-              <a:rPr lang="en-US" dirty="0" err="1"/>
-              <a:t>Javascript</a:t>
+              <a:rPr lang="en-US" dirty="0" err="1" smtClean="0"/>
+              <a:t>Git</a:t>
+            </a:r>
+            <a:r>
+              <a:rPr lang="en-US" dirty="0" smtClean="0"/>
+              <a:t> Issues</a:t>
             </a:r>
             <a:endParaRPr lang="en-US" dirty="0"/>
           </a:p>
-          <a:p>
-            <a:r>
-              <a:rPr lang="en-US" dirty="0"/>
-              <a:t>HTML</a:t>
-            </a:r>
-          </a:p>
-          <a:p>
-            <a:r>
-              <a:rPr lang="en-US" dirty="0"/>
-              <a:t>CSS</a:t>
-            </a:r>
-          </a:p>
-        </p:txBody>
-      </p:sp>
+        </p:txBody>
+      </p:sp>
+      <p:pic>
+        <p:nvPicPr>
+          <p:cNvPr id="5" name="Picture 4"/>
+          <p:cNvPicPr>
+            <a:picLocks noChangeAspect="1"/>
+          </p:cNvPicPr>
+          <p:nvPr/>
+        </p:nvPicPr>
+        <p:blipFill>
+          <a:blip r:embed="rId2"/>
+          <a:stretch>
+            <a:fillRect/>
+          </a:stretch>
+        </p:blipFill>
+        <p:spPr>
+          <a:xfrm>
+            <a:off x="1518681" y="1627992"/>
+            <a:ext cx="9334652" cy="4800406"/>
+          </a:xfrm>
+          <a:prstGeom prst="rect">
+            <a:avLst/>
+          </a:prstGeom>
+        </p:spPr>
+      </p:pic>
     </p:spTree>
     <p:extLst>
       <p:ext uri="{BB962C8B-B14F-4D97-AF65-F5344CB8AC3E}">
@@ -6824,7 +4578,7 @@
   <p:timing>
     <p:tnLst>
       <p:par>
-        <p:cTn id="1" dur="indefinite" restart="never" nodeType="tmRoot"/>
+        <p:cTn xmlns:p14="http://schemas.microsoft.com/office/powerpoint/2010/main" id="1" dur="indefinite" restart="never" nodeType="tmRoot"/>
       </p:par>
     </p:tnLst>
   </p:timing>
@@ -6864,17 +4618,10 @@
           <a:lstStyle/>
           <a:p>
             <a:r>
-              <a:rPr lang="en-US" dirty="0"/>
-              <a:t>Hands on </a:t>
-            </a:r>
-            <a:r>
               <a:rPr lang="en-US" dirty="0" smtClean="0"/>
-              <a:t>demo for </a:t>
-            </a:r>
-            <a:r>
-              <a:rPr lang="en-US" dirty="0"/>
-              <a:t>GM APIs</a:t>
-            </a:r>
+              <a:t>Clarify Details and Redesign Our Game</a:t>
+            </a:r>
+            <a:endParaRPr lang="en-US" dirty="0"/>
           </a:p>
         </p:txBody>
       </p:sp>
@@ -6888,20 +4635,55 @@
             <p:ph idx="1"/>
           </p:nvPr>
         </p:nvSpPr>
-        <p:spPr/>
+        <p:spPr>
+          <a:xfrm>
+            <a:off x="1371600" y="1898635"/>
+            <a:ext cx="9272261" cy="3968765"/>
+          </a:xfrm>
+        </p:spPr>
         <p:txBody>
           <a:bodyPr/>
           <a:lstStyle/>
           <a:p>
-            <a:r>
-              <a:rPr lang="en-US" dirty="0"/>
-              <a:t>Demo</a:t>
-            </a:r>
-          </a:p>
-          <a:p>
+            <a:pPr marL="0" indent="0">
+              <a:buNone/>
+            </a:pPr>
             <a:endParaRPr lang="en-US" dirty="0"/>
           </a:p>
           <a:p>
+            <a:endParaRPr lang="en-US" dirty="0"/>
+          </a:p>
+          <a:p>
+            <a:endParaRPr lang="en-US" dirty="0"/>
+          </a:p>
+        </p:txBody>
+      </p:sp>
+      <p:sp>
+        <p:nvSpPr>
+          <p:cNvPr id="4" name="TextBox 3"/>
+          <p:cNvSpPr txBox="1"/>
+          <p:nvPr/>
+        </p:nvSpPr>
+        <p:spPr>
+          <a:xfrm>
+            <a:off x="3979992" y="2723558"/>
+            <a:ext cx="5472490" cy="369332"/>
+          </a:xfrm>
+          <a:prstGeom prst="rect">
+            <a:avLst/>
+          </a:prstGeom>
+          <a:noFill/>
+        </p:spPr>
+        <p:txBody>
+          <a:bodyPr wrap="square" rtlCol="0">
+            <a:spAutoFit/>
+          </a:bodyPr>
+          <a:lstStyle/>
+          <a:p>
+            <a:r>
+              <a:rPr lang="en-US" dirty="0" smtClean="0"/>
+              <a:t>Sketch here easy level</a:t>
+            </a:r>
             <a:endParaRPr lang="en-US" dirty="0"/>
           </a:p>
         </p:txBody>
@@ -6919,7 +4701,7 @@
   <p:timing>
     <p:tnLst>
       <p:par>
-        <p:cTn id="1" dur="indefinite" restart="never" nodeType="tmRoot"/>
+        <p:cTn xmlns:p14="http://schemas.microsoft.com/office/powerpoint/2010/main" id="1" dur="indefinite" restart="never" nodeType="tmRoot"/>
       </p:par>
     </p:tnLst>
   </p:timing>
@@ -6953,102 +4735,66 @@
             <p:ph type="title"/>
           </p:nvPr>
         </p:nvSpPr>
+        <p:spPr/>
+        <p:txBody>
+          <a:bodyPr/>
+          <a:lstStyle/>
+          <a:p>
+            <a:r>
+              <a:rPr lang="en-US" dirty="0"/>
+              <a:t>Clarify Details and Redesign Our Game</a:t>
+            </a:r>
+            <a:endParaRPr lang="en-US" dirty="0"/>
+          </a:p>
+        </p:txBody>
+      </p:sp>
+      <p:sp>
+        <p:nvSpPr>
+          <p:cNvPr id="3" name="Content Placeholder 2"/>
+          <p:cNvSpPr>
+            <a:spLocks noGrp="1"/>
+          </p:cNvSpPr>
+          <p:nvPr>
+            <p:ph idx="1"/>
+          </p:nvPr>
+        </p:nvSpPr>
         <p:spPr>
           <a:xfrm>
-            <a:off x="1371600" y="685800"/>
-            <a:ext cx="9601200" cy="685800"/>
+            <a:off x="1166883" y="1428750"/>
+            <a:ext cx="9601200" cy="3581400"/>
           </a:xfrm>
         </p:spPr>
         <p:txBody>
           <a:bodyPr>
-            <a:normAutofit fontScale="90000"/>
+            <a:noAutofit/>
           </a:bodyPr>
           <a:lstStyle/>
           <a:p>
-            <a:r>
-              <a:rPr lang="en-US" b="1" dirty="0"/>
-              <a:t>Game </a:t>
-            </a:r>
-            <a:r>
-              <a:rPr lang="en-US" b="1" dirty="0" smtClean="0"/>
-              <a:t>Ideas</a:t>
-            </a:r>
-            <a:endParaRPr lang="en-US" dirty="0"/>
-          </a:p>
-        </p:txBody>
-      </p:sp>
-      <p:sp>
-        <p:nvSpPr>
-          <p:cNvPr id="3" name="Content Placeholder 2"/>
-          <p:cNvSpPr>
-            <a:spLocks noGrp="1"/>
-          </p:cNvSpPr>
-          <p:nvPr>
-            <p:ph idx="1"/>
-          </p:nvPr>
-        </p:nvSpPr>
-        <p:spPr/>
-        <p:txBody>
-          <a:bodyPr/>
-          <a:lstStyle/>
-          <a:p>
-            <a:pPr marL="0" indent="0" algn="just">
+            <a:pPr marL="0" indent="0">
               <a:buNone/>
             </a:pPr>
             <a:r>
-              <a:rPr lang="en-US" dirty="0"/>
-              <a:t>Save Dino </a:t>
-            </a:r>
-            <a:r>
-              <a:rPr lang="en-US" dirty="0" smtClean="0"/>
-              <a:t>Eggs</a:t>
-            </a:r>
-          </a:p>
-          <a:p>
-            <a:pPr marL="0" indent="0" algn="just">
+              <a:rPr lang="en-US" sz="1600" dirty="0" smtClean="0"/>
+              <a:t>   </a:t>
+            </a:r>
+            <a:endParaRPr lang="en-US" sz="1600" dirty="0"/>
+          </a:p>
+          <a:p>
+            <a:pPr marL="0" indent="0">
               <a:buNone/>
             </a:pPr>
             <a:r>
-              <a:rPr lang="en-US" dirty="0" err="1"/>
-              <a:t>MathVille</a:t>
-            </a:r>
-            <a:endParaRPr lang="en-US" dirty="0"/>
-          </a:p>
-          <a:p>
-            <a:pPr marL="0" indent="0" algn="just">
-              <a:buNone/>
-            </a:pPr>
-            <a:r>
-              <a:rPr lang="en-US" dirty="0" smtClean="0"/>
-              <a:t>Maze</a:t>
-            </a:r>
-            <a:endParaRPr lang="en-US" dirty="0" smtClean="0"/>
-          </a:p>
-          <a:p>
-            <a:pPr marL="0" indent="0" algn="just">
-              <a:buNone/>
-            </a:pPr>
-            <a:r>
-              <a:rPr lang="en-US" dirty="0" smtClean="0"/>
-              <a:t>Travelling Penguin</a:t>
-            </a:r>
-          </a:p>
-          <a:p>
-            <a:pPr marL="0" indent="0" algn="just">
-              <a:buNone/>
-            </a:pPr>
-            <a:r>
-              <a:rPr lang="en-US" dirty="0" smtClean="0"/>
-              <a:t>Tic Tac Toe</a:t>
-            </a:r>
-            <a:endParaRPr lang="en-US" dirty="0"/>
+              <a:rPr lang="en-US" sz="1600" dirty="0" smtClean="0"/>
+              <a:t>Sketch Advanced Level</a:t>
+            </a:r>
+            <a:endParaRPr lang="en-US" sz="1600" dirty="0"/>
           </a:p>
         </p:txBody>
       </p:sp>
     </p:spTree>
     <p:extLst>
       <p:ext uri="{BB962C8B-B14F-4D97-AF65-F5344CB8AC3E}">
-        <p14:creationId xmlns:p14="http://schemas.microsoft.com/office/powerpoint/2010/main" val="2367002753"/>
+        <p14:creationId xmlns:p14="http://schemas.microsoft.com/office/powerpoint/2010/main" val="407125914"/>
       </p:ext>
     </p:extLst>
   </p:cSld>
@@ -7058,7 +4804,7 @@
   <p:timing>
     <p:tnLst>
       <p:par>
-        <p:cTn id="1" dur="indefinite" restart="never" nodeType="tmRoot">
+        <p:cTn xmlns:p14="http://schemas.microsoft.com/office/powerpoint/2010/main" id="1" dur="indefinite" restart="never" nodeType="tmRoot">
           <p:childTnLst>
             <p:seq concurrent="1" nextAc="seek">
               <p:cTn id="2" dur="indefinite" nodeType="mainSeq">
@@ -7206,7 +4952,7 @@
                                         <p:tgtEl>
                                           <p:spTgt spid="3">
                                             <p:txEl>
-                                              <p:pRg st="2" end="2"/>
+                                              <p:pRg st="1" end="1"/>
                                             </p:txEl>
                                           </p:spTgt>
                                         </p:tgtEl>
@@ -7224,7 +4970,7 @@
                                         <p:tgtEl>
                                           <p:spTgt spid="3">
                                             <p:txEl>
-                                              <p:pRg st="2" end="2"/>
+                                              <p:pRg st="1" end="1"/>
                                             </p:txEl>
                                           </p:spTgt>
                                         </p:tgtEl>
@@ -7236,7 +4982,7 @@
                                         <p:tgtEl>
                                           <p:spTgt spid="3">
                                             <p:txEl>
-                                              <p:pRg st="2" end="2"/>
+                                              <p:pRg st="1" end="1"/>
                                             </p:txEl>
                                           </p:spTgt>
                                         </p:tgtEl>
@@ -7263,352 +5009,7 @@
                                         <p:tgtEl>
                                           <p:spTgt spid="3">
                                             <p:txEl>
-                                              <p:pRg st="2" end="2"/>
-                                            </p:txEl>
-                                          </p:spTgt>
-                                        </p:tgtEl>
-                                        <p:attrNameLst>
-                                          <p:attrName>ppt_y</p:attrName>
-                                        </p:attrNameLst>
-                                      </p:cBhvr>
-                                      <p:tavLst>
-                                        <p:tav tm="0">
-                                          <p:val>
-                                            <p:strVal val="#ppt_y+.1"/>
-                                          </p:val>
-                                        </p:tav>
-                                        <p:tav tm="100000">
-                                          <p:val>
-                                            <p:strVal val="#ppt_y"/>
-                                          </p:val>
-                                        </p:tav>
-                                      </p:tavLst>
-                                    </p:anim>
-                                  </p:childTnLst>
-                                </p:cTn>
-                              </p:par>
-                            </p:childTnLst>
-                          </p:cTn>
-                        </p:par>
-                      </p:childTnLst>
-                    </p:cTn>
-                  </p:par>
-                  <p:par>
-                    <p:cTn id="17" fill="hold">
-                      <p:stCondLst>
-                        <p:cond delay="indefinite"/>
-                      </p:stCondLst>
-                      <p:childTnLst>
-                        <p:par>
-                          <p:cTn id="18" fill="hold">
-                            <p:stCondLst>
-                              <p:cond delay="0"/>
-                            </p:stCondLst>
-                            <p:childTnLst>
-                              <p:par>
-                                <p:cTn id="19" presetID="42" presetClass="entr" presetSubtype="0" fill="hold" nodeType="clickEffect">
-                                  <p:stCondLst>
-                                    <p:cond delay="0"/>
-                                  </p:stCondLst>
-                                  <p:childTnLst>
-                                    <p:set>
-                                      <p:cBhvr>
-                                        <p:cTn id="20" dur="1" fill="hold">
-                                          <p:stCondLst>
-                                            <p:cond delay="0"/>
-                                          </p:stCondLst>
-                                        </p:cTn>
-                                        <p:tgtEl>
-                                          <p:spTgt spid="3">
-                                            <p:txEl>
                                               <p:pRg st="1" end="1"/>
-                                            </p:txEl>
-                                          </p:spTgt>
-                                        </p:tgtEl>
-                                        <p:attrNameLst>
-                                          <p:attrName>style.visibility</p:attrName>
-                                        </p:attrNameLst>
-                                      </p:cBhvr>
-                                      <p:to>
-                                        <p:strVal val="visible"/>
-                                      </p:to>
-                                    </p:set>
-                                    <p:animEffect transition="in" filter="fade">
-                                      <p:cBhvr>
-                                        <p:cTn id="21" dur="1000"/>
-                                        <p:tgtEl>
-                                          <p:spTgt spid="3">
-                                            <p:txEl>
-                                              <p:pRg st="1" end="1"/>
-                                            </p:txEl>
-                                          </p:spTgt>
-                                        </p:tgtEl>
-                                      </p:cBhvr>
-                                    </p:animEffect>
-                                    <p:anim calcmode="lin" valueType="num">
-                                      <p:cBhvr>
-                                        <p:cTn id="22" dur="1000" fill="hold"/>
-                                        <p:tgtEl>
-                                          <p:spTgt spid="3">
-                                            <p:txEl>
-                                              <p:pRg st="1" end="1"/>
-                                            </p:txEl>
-                                          </p:spTgt>
-                                        </p:tgtEl>
-                                        <p:attrNameLst>
-                                          <p:attrName>ppt_x</p:attrName>
-                                        </p:attrNameLst>
-                                      </p:cBhvr>
-                                      <p:tavLst>
-                                        <p:tav tm="0">
-                                          <p:val>
-                                            <p:strVal val="#ppt_x"/>
-                                          </p:val>
-                                        </p:tav>
-                                        <p:tav tm="100000">
-                                          <p:val>
-                                            <p:strVal val="#ppt_x"/>
-                                          </p:val>
-                                        </p:tav>
-                                      </p:tavLst>
-                                    </p:anim>
-                                    <p:anim calcmode="lin" valueType="num">
-                                      <p:cBhvr>
-                                        <p:cTn id="23" dur="1000" fill="hold"/>
-                                        <p:tgtEl>
-                                          <p:spTgt spid="3">
-                                            <p:txEl>
-                                              <p:pRg st="1" end="1"/>
-                                            </p:txEl>
-                                          </p:spTgt>
-                                        </p:tgtEl>
-                                        <p:attrNameLst>
-                                          <p:attrName>ppt_y</p:attrName>
-                                        </p:attrNameLst>
-                                      </p:cBhvr>
-                                      <p:tavLst>
-                                        <p:tav tm="0">
-                                          <p:val>
-                                            <p:strVal val="#ppt_y+.1"/>
-                                          </p:val>
-                                        </p:tav>
-                                        <p:tav tm="100000">
-                                          <p:val>
-                                            <p:strVal val="#ppt_y"/>
-                                          </p:val>
-                                        </p:tav>
-                                      </p:tavLst>
-                                    </p:anim>
-                                  </p:childTnLst>
-                                </p:cTn>
-                              </p:par>
-                            </p:childTnLst>
-                          </p:cTn>
-                        </p:par>
-                      </p:childTnLst>
-                    </p:cTn>
-                  </p:par>
-                  <p:par>
-                    <p:cTn id="24" fill="hold">
-                      <p:stCondLst>
-                        <p:cond delay="indefinite"/>
-                      </p:stCondLst>
-                      <p:childTnLst>
-                        <p:par>
-                          <p:cTn id="25" fill="hold">
-                            <p:stCondLst>
-                              <p:cond delay="0"/>
-                            </p:stCondLst>
-                            <p:childTnLst>
-                              <p:par>
-                                <p:cTn id="26" presetID="42" presetClass="entr" presetSubtype="0" fill="hold" nodeType="clickEffect">
-                                  <p:stCondLst>
-                                    <p:cond delay="0"/>
-                                  </p:stCondLst>
-                                  <p:childTnLst>
-                                    <p:set>
-                                      <p:cBhvr>
-                                        <p:cTn id="27" dur="1" fill="hold">
-                                          <p:stCondLst>
-                                            <p:cond delay="0"/>
-                                          </p:stCondLst>
-                                        </p:cTn>
-                                        <p:tgtEl>
-                                          <p:spTgt spid="3">
-                                            <p:txEl>
-                                              <p:pRg st="3" end="3"/>
-                                            </p:txEl>
-                                          </p:spTgt>
-                                        </p:tgtEl>
-                                        <p:attrNameLst>
-                                          <p:attrName>style.visibility</p:attrName>
-                                        </p:attrNameLst>
-                                      </p:cBhvr>
-                                      <p:to>
-                                        <p:strVal val="visible"/>
-                                      </p:to>
-                                    </p:set>
-                                    <p:animEffect transition="in" filter="fade">
-                                      <p:cBhvr>
-                                        <p:cTn id="28" dur="1000"/>
-                                        <p:tgtEl>
-                                          <p:spTgt spid="3">
-                                            <p:txEl>
-                                              <p:pRg st="3" end="3"/>
-                                            </p:txEl>
-                                          </p:spTgt>
-                                        </p:tgtEl>
-                                      </p:cBhvr>
-                                    </p:animEffect>
-                                    <p:anim calcmode="lin" valueType="num">
-                                      <p:cBhvr>
-                                        <p:cTn id="29" dur="1000" fill="hold"/>
-                                        <p:tgtEl>
-                                          <p:spTgt spid="3">
-                                            <p:txEl>
-                                              <p:pRg st="3" end="3"/>
-                                            </p:txEl>
-                                          </p:spTgt>
-                                        </p:tgtEl>
-                                        <p:attrNameLst>
-                                          <p:attrName>ppt_x</p:attrName>
-                                        </p:attrNameLst>
-                                      </p:cBhvr>
-                                      <p:tavLst>
-                                        <p:tav tm="0">
-                                          <p:val>
-                                            <p:strVal val="#ppt_x"/>
-                                          </p:val>
-                                        </p:tav>
-                                        <p:tav tm="100000">
-                                          <p:val>
-                                            <p:strVal val="#ppt_x"/>
-                                          </p:val>
-                                        </p:tav>
-                                      </p:tavLst>
-                                    </p:anim>
-                                    <p:anim calcmode="lin" valueType="num">
-                                      <p:cBhvr>
-                                        <p:cTn id="30" dur="1000" fill="hold"/>
-                                        <p:tgtEl>
-                                          <p:spTgt spid="3">
-                                            <p:txEl>
-                                              <p:pRg st="3" end="3"/>
-                                            </p:txEl>
-                                          </p:spTgt>
-                                        </p:tgtEl>
-                                        <p:attrNameLst>
-                                          <p:attrName>ppt_y</p:attrName>
-                                        </p:attrNameLst>
-                                      </p:cBhvr>
-                                      <p:tavLst>
-                                        <p:tav tm="0">
-                                          <p:val>
-                                            <p:strVal val="#ppt_y+.1"/>
-                                          </p:val>
-                                        </p:tav>
-                                        <p:tav tm="100000">
-                                          <p:val>
-                                            <p:strVal val="#ppt_y"/>
-                                          </p:val>
-                                        </p:tav>
-                                      </p:tavLst>
-                                    </p:anim>
-                                  </p:childTnLst>
-                                </p:cTn>
-                              </p:par>
-                            </p:childTnLst>
-                          </p:cTn>
-                        </p:par>
-                      </p:childTnLst>
-                    </p:cTn>
-                  </p:par>
-                  <p:par>
-                    <p:cTn id="31" fill="hold">
-                      <p:stCondLst>
-                        <p:cond delay="indefinite"/>
-                      </p:stCondLst>
-                      <p:childTnLst>
-                        <p:par>
-                          <p:cTn id="32" fill="hold">
-                            <p:stCondLst>
-                              <p:cond delay="0"/>
-                            </p:stCondLst>
-                            <p:childTnLst>
-                              <p:par>
-                                <p:cTn id="33" presetID="42" presetClass="entr" presetSubtype="0" fill="hold" nodeType="clickEffect">
-                                  <p:stCondLst>
-                                    <p:cond delay="0"/>
-                                  </p:stCondLst>
-                                  <p:childTnLst>
-                                    <p:set>
-                                      <p:cBhvr>
-                                        <p:cTn id="34" dur="1" fill="hold">
-                                          <p:stCondLst>
-                                            <p:cond delay="0"/>
-                                          </p:stCondLst>
-                                        </p:cTn>
-                                        <p:tgtEl>
-                                          <p:spTgt spid="3">
-                                            <p:txEl>
-                                              <p:pRg st="4" end="4"/>
-                                            </p:txEl>
-                                          </p:spTgt>
-                                        </p:tgtEl>
-                                        <p:attrNameLst>
-                                          <p:attrName>style.visibility</p:attrName>
-                                        </p:attrNameLst>
-                                      </p:cBhvr>
-                                      <p:to>
-                                        <p:strVal val="visible"/>
-                                      </p:to>
-                                    </p:set>
-                                    <p:animEffect transition="in" filter="fade">
-                                      <p:cBhvr>
-                                        <p:cTn id="35" dur="1000"/>
-                                        <p:tgtEl>
-                                          <p:spTgt spid="3">
-                                            <p:txEl>
-                                              <p:pRg st="4" end="4"/>
-                                            </p:txEl>
-                                          </p:spTgt>
-                                        </p:tgtEl>
-                                      </p:cBhvr>
-                                    </p:animEffect>
-                                    <p:anim calcmode="lin" valueType="num">
-                                      <p:cBhvr>
-                                        <p:cTn id="36" dur="1000" fill="hold"/>
-                                        <p:tgtEl>
-                                          <p:spTgt spid="3">
-                                            <p:txEl>
-                                              <p:pRg st="4" end="4"/>
-                                            </p:txEl>
-                                          </p:spTgt>
-                                        </p:tgtEl>
-                                        <p:attrNameLst>
-                                          <p:attrName>ppt_x</p:attrName>
-                                        </p:attrNameLst>
-                                      </p:cBhvr>
-                                      <p:tavLst>
-                                        <p:tav tm="0">
-                                          <p:val>
-                                            <p:strVal val="#ppt_x"/>
-                                          </p:val>
-                                        </p:tav>
-                                        <p:tav tm="100000">
-                                          <p:val>
-                                            <p:strVal val="#ppt_x"/>
-                                          </p:val>
-                                        </p:tav>
-                                      </p:tavLst>
-                                    </p:anim>
-                                    <p:anim calcmode="lin" valueType="num">
-                                      <p:cBhvr>
-                                        <p:cTn id="37" dur="1000" fill="hold"/>
-                                        <p:tgtEl>
-                                          <p:spTgt spid="3">
-                                            <p:txEl>
-                                              <p:pRg st="4" end="4"/>
                                             </p:txEl>
                                           </p:spTgt>
                                         </p:tgtEl>
@@ -7682,312 +5083,64 @@
       </p:grpSpPr>
       <p:sp>
         <p:nvSpPr>
-          <p:cNvPr id="3" name="Content Placeholder 2"/>
-          <p:cNvSpPr txBox="1">
-            <a:spLocks/>
-          </p:cNvSpPr>
-          <p:nvPr/>
+          <p:cNvPr id="2" name="Title 1"/>
+          <p:cNvSpPr>
+            <a:spLocks noGrp="1"/>
+          </p:cNvSpPr>
+          <p:nvPr>
+            <p:ph type="title"/>
+          </p:nvPr>
         </p:nvSpPr>
         <p:spPr>
           <a:xfrm>
-            <a:off x="850900" y="1409698"/>
-            <a:ext cx="2159000" cy="5270502"/>
-          </a:xfrm>
-          <a:prstGeom prst="rect">
-            <a:avLst/>
-          </a:prstGeom>
-        </p:spPr>
-        <p:txBody>
-          <a:bodyPr vert="horz" lIns="91440" tIns="45720" rIns="91440" bIns="45720" rtlCol="0">
-            <a:normAutofit lnSpcReduction="10000"/>
-          </a:bodyPr>
-          <a:lstStyle>
-            <a:lvl1pPr marL="384048" indent="-384048" algn="l" defTabSz="914400" rtl="0" eaLnBrk="1" latinLnBrk="0" hangingPunct="1">
-              <a:lnSpc>
-                <a:spcPct val="94000"/>
-              </a:lnSpc>
-              <a:spcBef>
-                <a:spcPts val="1000"/>
-              </a:spcBef>
-              <a:spcAft>
-                <a:spcPts val="200"/>
-              </a:spcAft>
-              <a:buFont typeface="Franklin Gothic Book" panose="020B0503020102020204" pitchFamily="34" charset="0"/>
-              <a:buChar char="■"/>
-              <a:defRPr sz="2000" kern="1200" baseline="0">
-                <a:solidFill>
-                  <a:schemeClr val="tx2"/>
-                </a:solidFill>
-                <a:latin typeface="+mn-lt"/>
-                <a:ea typeface="+mn-ea"/>
-                <a:cs typeface="+mn-cs"/>
-              </a:defRPr>
-            </a:lvl1pPr>
-            <a:lvl2pPr marL="914400" indent="-384048" algn="l" defTabSz="914400" rtl="0" eaLnBrk="1" latinLnBrk="0" hangingPunct="1">
-              <a:lnSpc>
-                <a:spcPct val="94000"/>
-              </a:lnSpc>
-              <a:spcBef>
-                <a:spcPts val="500"/>
-              </a:spcBef>
-              <a:spcAft>
-                <a:spcPts val="200"/>
-              </a:spcAft>
-              <a:buFont typeface="Franklin Gothic Book" panose="020B0503020102020204" pitchFamily="34" charset="0"/>
-              <a:buChar char="–"/>
-              <a:defRPr sz="2000" i="1" kern="1200" baseline="0">
-                <a:solidFill>
-                  <a:schemeClr val="tx2"/>
-                </a:solidFill>
-                <a:latin typeface="+mn-lt"/>
-                <a:ea typeface="+mn-ea"/>
-                <a:cs typeface="+mn-cs"/>
-              </a:defRPr>
-            </a:lvl2pPr>
-            <a:lvl3pPr marL="1371600" indent="-384048" algn="l" defTabSz="914400" rtl="0" eaLnBrk="1" latinLnBrk="0" hangingPunct="1">
-              <a:lnSpc>
-                <a:spcPct val="94000"/>
-              </a:lnSpc>
-              <a:spcBef>
-                <a:spcPts val="500"/>
-              </a:spcBef>
-              <a:spcAft>
-                <a:spcPts val="200"/>
-              </a:spcAft>
-              <a:buFont typeface="Franklin Gothic Book" panose="020B0503020102020204" pitchFamily="34" charset="0"/>
-              <a:buChar char="■"/>
-              <a:defRPr sz="1800" kern="1200" baseline="0">
-                <a:solidFill>
-                  <a:schemeClr val="tx2"/>
-                </a:solidFill>
-                <a:latin typeface="+mn-lt"/>
-                <a:ea typeface="+mn-ea"/>
-                <a:cs typeface="+mn-cs"/>
-              </a:defRPr>
-            </a:lvl3pPr>
-            <a:lvl4pPr marL="1828800" indent="-384048" algn="l" defTabSz="914400" rtl="0" eaLnBrk="1" latinLnBrk="0" hangingPunct="1">
-              <a:lnSpc>
-                <a:spcPct val="94000"/>
-              </a:lnSpc>
-              <a:spcBef>
-                <a:spcPts val="500"/>
-              </a:spcBef>
-              <a:spcAft>
-                <a:spcPts val="200"/>
-              </a:spcAft>
-              <a:buFont typeface="Franklin Gothic Book" panose="020B0503020102020204" pitchFamily="34" charset="0"/>
-              <a:buChar char="–"/>
-              <a:defRPr sz="1800" i="1" kern="1200" baseline="0">
-                <a:solidFill>
-                  <a:schemeClr val="tx2"/>
-                </a:solidFill>
-                <a:latin typeface="+mn-lt"/>
-                <a:ea typeface="+mn-ea"/>
-                <a:cs typeface="+mn-cs"/>
-              </a:defRPr>
-            </a:lvl4pPr>
-            <a:lvl5pPr marL="2286000" indent="-384048" algn="l" defTabSz="914400" rtl="0" eaLnBrk="1" latinLnBrk="0" hangingPunct="1">
-              <a:lnSpc>
-                <a:spcPct val="94000"/>
-              </a:lnSpc>
-              <a:spcBef>
-                <a:spcPts val="500"/>
-              </a:spcBef>
-              <a:spcAft>
-                <a:spcPts val="200"/>
-              </a:spcAft>
-              <a:buFont typeface="Franklin Gothic Book" panose="020B0503020102020204" pitchFamily="34" charset="0"/>
-              <a:buChar char="■"/>
-              <a:defRPr sz="1600" kern="1200" baseline="0">
-                <a:solidFill>
-                  <a:schemeClr val="tx2"/>
-                </a:solidFill>
-                <a:latin typeface="+mn-lt"/>
-                <a:ea typeface="+mn-ea"/>
-                <a:cs typeface="+mn-cs"/>
-              </a:defRPr>
-            </a:lvl5pPr>
-            <a:lvl6pPr marL="2743200" indent="-384048" algn="l" defTabSz="914400" rtl="0" eaLnBrk="1" latinLnBrk="0" hangingPunct="1">
-              <a:lnSpc>
-                <a:spcPct val="94000"/>
-              </a:lnSpc>
-              <a:spcBef>
-                <a:spcPts val="500"/>
-              </a:spcBef>
-              <a:spcAft>
-                <a:spcPts val="200"/>
-              </a:spcAft>
-              <a:buFont typeface="Franklin Gothic Book" panose="020B0503020102020204" pitchFamily="34" charset="0"/>
-              <a:buChar char="–"/>
-              <a:defRPr sz="1600" i="1" kern="1200" baseline="0">
-                <a:solidFill>
-                  <a:schemeClr val="tx2"/>
-                </a:solidFill>
-                <a:latin typeface="+mn-lt"/>
-                <a:ea typeface="+mn-ea"/>
-                <a:cs typeface="+mn-cs"/>
-              </a:defRPr>
-            </a:lvl6pPr>
-            <a:lvl7pPr marL="3200400" indent="-384048" algn="l" defTabSz="914400" rtl="0" eaLnBrk="1" latinLnBrk="0" hangingPunct="1">
-              <a:lnSpc>
-                <a:spcPct val="94000"/>
-              </a:lnSpc>
-              <a:spcBef>
-                <a:spcPts val="500"/>
-              </a:spcBef>
-              <a:spcAft>
-                <a:spcPts val="200"/>
-              </a:spcAft>
-              <a:buFont typeface="Franklin Gothic Book" panose="020B0503020102020204" pitchFamily="34" charset="0"/>
-              <a:buChar char="■"/>
-              <a:defRPr sz="1400" kern="1200" baseline="0">
-                <a:solidFill>
-                  <a:schemeClr val="tx2"/>
-                </a:solidFill>
-                <a:latin typeface="+mn-lt"/>
-                <a:ea typeface="+mn-ea"/>
-                <a:cs typeface="+mn-cs"/>
-              </a:defRPr>
-            </a:lvl7pPr>
-            <a:lvl8pPr marL="3657600" indent="-384048" algn="l" defTabSz="914400" rtl="0" eaLnBrk="1" latinLnBrk="0" hangingPunct="1">
-              <a:lnSpc>
-                <a:spcPct val="94000"/>
-              </a:lnSpc>
-              <a:spcBef>
-                <a:spcPts val="500"/>
-              </a:spcBef>
-              <a:spcAft>
-                <a:spcPts val="200"/>
-              </a:spcAft>
-              <a:buFont typeface="Franklin Gothic Book" panose="020B0503020102020204" pitchFamily="34" charset="0"/>
-              <a:buChar char="–"/>
-              <a:defRPr sz="1400" i="1" kern="1200" baseline="0">
-                <a:solidFill>
-                  <a:schemeClr val="tx2"/>
-                </a:solidFill>
-                <a:latin typeface="+mn-lt"/>
-                <a:ea typeface="+mn-ea"/>
-                <a:cs typeface="+mn-cs"/>
-              </a:defRPr>
-            </a:lvl8pPr>
-            <a:lvl9pPr marL="4114800" indent="-384048" algn="l" defTabSz="914400" rtl="0" eaLnBrk="1" latinLnBrk="0" hangingPunct="1">
-              <a:lnSpc>
-                <a:spcPct val="94000"/>
-              </a:lnSpc>
-              <a:spcBef>
-                <a:spcPts val="500"/>
-              </a:spcBef>
-              <a:spcAft>
-                <a:spcPts val="200"/>
-              </a:spcAft>
-              <a:buFont typeface="Franklin Gothic Book" panose="020B0503020102020204" pitchFamily="34" charset="0"/>
-              <a:buChar char="■"/>
-              <a:defRPr sz="1400" kern="1200" baseline="0">
-                <a:solidFill>
-                  <a:schemeClr val="tx2"/>
-                </a:solidFill>
-                <a:latin typeface="+mn-lt"/>
-                <a:ea typeface="+mn-ea"/>
-                <a:cs typeface="+mn-cs"/>
-              </a:defRPr>
-            </a:lvl9pPr>
-          </a:lstStyle>
-          <a:p>
-            <a:pPr algn="just"/>
-            <a:r>
-              <a:rPr lang="en-US" sz="1800" dirty="0" smtClean="0"/>
-              <a:t>Expressions in form of volcanic rocks fall over dinosaur eggs.</a:t>
-            </a:r>
-          </a:p>
-          <a:p>
-            <a:pPr algn="just"/>
-            <a:endParaRPr lang="en-US" sz="1800" dirty="0"/>
-          </a:p>
-          <a:p>
-            <a:pPr algn="just"/>
-            <a:r>
-              <a:rPr lang="en-US" sz="1800" dirty="0" smtClean="0"/>
-              <a:t>Parent dinosaur gets one step closer towards the egg after solving each equation.</a:t>
-            </a:r>
-          </a:p>
-          <a:p>
-            <a:pPr algn="just"/>
-            <a:endParaRPr lang="en-US" sz="1800" dirty="0"/>
-          </a:p>
-          <a:p>
-            <a:pPr algn="just"/>
-            <a:r>
-              <a:rPr lang="en-US" sz="1800" dirty="0" smtClean="0"/>
-              <a:t>Player wins and proceeds to the next level upon helping the dinosaur reach its eggs.</a:t>
-            </a:r>
-          </a:p>
-          <a:p>
-            <a:pPr algn="just"/>
-            <a:endParaRPr lang="en-US" sz="1800" dirty="0"/>
-          </a:p>
-        </p:txBody>
-      </p:sp>
-      <p:sp>
-        <p:nvSpPr>
-          <p:cNvPr id="5" name="Title 1"/>
-          <p:cNvSpPr>
-            <a:spLocks noGrp="1"/>
-          </p:cNvSpPr>
-          <p:nvPr>
-            <p:ph type="title"/>
-          </p:nvPr>
-        </p:nvSpPr>
-        <p:spPr>
-          <a:xfrm>
-            <a:off x="1460500" y="127000"/>
-            <a:ext cx="9601200" cy="977900"/>
+            <a:off x="1371600" y="685800"/>
+            <a:ext cx="9601200" cy="685800"/>
           </a:xfrm>
         </p:spPr>
         <p:txBody>
           <a:bodyPr>
-            <a:normAutofit/>
+            <a:normAutofit fontScale="90000"/>
           </a:bodyPr>
           <a:lstStyle/>
           <a:p>
             <a:r>
+              <a:rPr lang="en-US" b="1" dirty="0" smtClean="0"/>
+              <a:t>Implement Dino Egg Game</a:t>
+            </a:r>
+            <a:endParaRPr lang="en-US" dirty="0"/>
+          </a:p>
+        </p:txBody>
+      </p:sp>
+      <p:sp>
+        <p:nvSpPr>
+          <p:cNvPr id="3" name="Content Placeholder 2"/>
+          <p:cNvSpPr>
+            <a:spLocks noGrp="1"/>
+          </p:cNvSpPr>
+          <p:nvPr>
+            <p:ph idx="1"/>
+          </p:nvPr>
+        </p:nvSpPr>
+        <p:spPr/>
+        <p:txBody>
+          <a:bodyPr/>
+          <a:lstStyle/>
+          <a:p>
+            <a:pPr marL="0" indent="0" algn="just">
+              <a:buNone/>
+            </a:pPr>
+            <a:r>
               <a:rPr lang="en-US" dirty="0" smtClean="0"/>
-              <a:t>Idea </a:t>
-            </a:r>
-            <a:r>
-              <a:rPr lang="en-US" dirty="0"/>
-              <a:t>1 – Save Dino Eggs</a:t>
-            </a:r>
-          </a:p>
-        </p:txBody>
-      </p:sp>
-      <p:pic>
-        <p:nvPicPr>
-          <p:cNvPr id="6" name="Picture 5"/>
-          <p:cNvPicPr>
-            <a:picLocks noChangeAspect="1"/>
-          </p:cNvPicPr>
-          <p:nvPr/>
-        </p:nvPicPr>
-        <p:blipFill>
-          <a:blip r:embed="rId2"/>
-          <a:stretch>
-            <a:fillRect/>
-          </a:stretch>
-        </p:blipFill>
-        <p:spPr>
-          <a:xfrm>
-            <a:off x="3233006" y="1317625"/>
-            <a:ext cx="8772525" cy="5362575"/>
-          </a:xfrm>
-          <a:prstGeom prst="rect">
-            <a:avLst/>
-          </a:prstGeom>
-        </p:spPr>
-      </p:pic>
+              <a:t>demo</a:t>
+            </a:r>
+            <a:endParaRPr lang="en-US" dirty="0"/>
+          </a:p>
+        </p:txBody>
+      </p:sp>
     </p:spTree>
     <p:extLst>
       <p:ext uri="{BB962C8B-B14F-4D97-AF65-F5344CB8AC3E}">
-        <p14:creationId xmlns:p14="http://schemas.microsoft.com/office/powerpoint/2010/main" val="2718979923"/>
+        <p14:creationId xmlns:p14="http://schemas.microsoft.com/office/powerpoint/2010/main" val="2367002753"/>
       </p:ext>
     </p:extLst>
   </p:cSld>
@@ -7997,7 +5150,7 @@
   <p:timing>
     <p:tnLst>
       <p:par>
-        <p:cTn id="1" dur="indefinite" restart="never" nodeType="tmRoot">
+        <p:cTn xmlns:p14="http://schemas.microsoft.com/office/powerpoint/2010/main" id="1" dur="indefinite" restart="never" nodeType="tmRoot">
           <p:childTnLst>
             <p:seq concurrent="1" nextAc="seek">
               <p:cTn id="2" dur="indefinite" nodeType="mainSeq">
@@ -8117,236 +5270,6 @@
                       </p:childTnLst>
                     </p:cTn>
                   </p:par>
-                  <p:par>
-                    <p:cTn id="10" fill="hold">
-                      <p:stCondLst>
-                        <p:cond delay="indefinite"/>
-                      </p:stCondLst>
-                      <p:childTnLst>
-                        <p:par>
-                          <p:cTn id="11" fill="hold">
-                            <p:stCondLst>
-                              <p:cond delay="0"/>
-                            </p:stCondLst>
-                            <p:childTnLst>
-                              <p:par>
-                                <p:cTn id="12" presetID="42" presetClass="entr" presetSubtype="0" fill="hold" nodeType="clickEffect">
-                                  <p:stCondLst>
-                                    <p:cond delay="0"/>
-                                  </p:stCondLst>
-                                  <p:childTnLst>
-                                    <p:set>
-                                      <p:cBhvr>
-                                        <p:cTn id="13" dur="1" fill="hold">
-                                          <p:stCondLst>
-                                            <p:cond delay="0"/>
-                                          </p:stCondLst>
-                                        </p:cTn>
-                                        <p:tgtEl>
-                                          <p:spTgt spid="3">
-                                            <p:txEl>
-                                              <p:pRg st="2" end="2"/>
-                                            </p:txEl>
-                                          </p:spTgt>
-                                        </p:tgtEl>
-                                        <p:attrNameLst>
-                                          <p:attrName>style.visibility</p:attrName>
-                                        </p:attrNameLst>
-                                      </p:cBhvr>
-                                      <p:to>
-                                        <p:strVal val="visible"/>
-                                      </p:to>
-                                    </p:set>
-                                    <p:animEffect transition="in" filter="fade">
-                                      <p:cBhvr>
-                                        <p:cTn id="14" dur="1000"/>
-                                        <p:tgtEl>
-                                          <p:spTgt spid="3">
-                                            <p:txEl>
-                                              <p:pRg st="2" end="2"/>
-                                            </p:txEl>
-                                          </p:spTgt>
-                                        </p:tgtEl>
-                                      </p:cBhvr>
-                                    </p:animEffect>
-                                    <p:anim calcmode="lin" valueType="num">
-                                      <p:cBhvr>
-                                        <p:cTn id="15" dur="1000" fill="hold"/>
-                                        <p:tgtEl>
-                                          <p:spTgt spid="3">
-                                            <p:txEl>
-                                              <p:pRg st="2" end="2"/>
-                                            </p:txEl>
-                                          </p:spTgt>
-                                        </p:tgtEl>
-                                        <p:attrNameLst>
-                                          <p:attrName>ppt_x</p:attrName>
-                                        </p:attrNameLst>
-                                      </p:cBhvr>
-                                      <p:tavLst>
-                                        <p:tav tm="0">
-                                          <p:val>
-                                            <p:strVal val="#ppt_x"/>
-                                          </p:val>
-                                        </p:tav>
-                                        <p:tav tm="100000">
-                                          <p:val>
-                                            <p:strVal val="#ppt_x"/>
-                                          </p:val>
-                                        </p:tav>
-                                      </p:tavLst>
-                                    </p:anim>
-                                    <p:anim calcmode="lin" valueType="num">
-                                      <p:cBhvr>
-                                        <p:cTn id="16" dur="1000" fill="hold"/>
-                                        <p:tgtEl>
-                                          <p:spTgt spid="3">
-                                            <p:txEl>
-                                              <p:pRg st="2" end="2"/>
-                                            </p:txEl>
-                                          </p:spTgt>
-                                        </p:tgtEl>
-                                        <p:attrNameLst>
-                                          <p:attrName>ppt_y</p:attrName>
-                                        </p:attrNameLst>
-                                      </p:cBhvr>
-                                      <p:tavLst>
-                                        <p:tav tm="0">
-                                          <p:val>
-                                            <p:strVal val="#ppt_y+.1"/>
-                                          </p:val>
-                                        </p:tav>
-                                        <p:tav tm="100000">
-                                          <p:val>
-                                            <p:strVal val="#ppt_y"/>
-                                          </p:val>
-                                        </p:tav>
-                                      </p:tavLst>
-                                    </p:anim>
-                                  </p:childTnLst>
-                                </p:cTn>
-                              </p:par>
-                            </p:childTnLst>
-                          </p:cTn>
-                        </p:par>
-                      </p:childTnLst>
-                    </p:cTn>
-                  </p:par>
-                  <p:par>
-                    <p:cTn id="17" fill="hold">
-                      <p:stCondLst>
-                        <p:cond delay="indefinite"/>
-                      </p:stCondLst>
-                      <p:childTnLst>
-                        <p:par>
-                          <p:cTn id="18" fill="hold">
-                            <p:stCondLst>
-                              <p:cond delay="0"/>
-                            </p:stCondLst>
-                            <p:childTnLst>
-                              <p:par>
-                                <p:cTn id="19" presetID="42" presetClass="entr" presetSubtype="0" fill="hold" nodeType="clickEffect">
-                                  <p:stCondLst>
-                                    <p:cond delay="0"/>
-                                  </p:stCondLst>
-                                  <p:childTnLst>
-                                    <p:set>
-                                      <p:cBhvr>
-                                        <p:cTn id="20" dur="1" fill="hold">
-                                          <p:stCondLst>
-                                            <p:cond delay="0"/>
-                                          </p:stCondLst>
-                                        </p:cTn>
-                                        <p:tgtEl>
-                                          <p:spTgt spid="3">
-                                            <p:txEl>
-                                              <p:pRg st="4" end="4"/>
-                                            </p:txEl>
-                                          </p:spTgt>
-                                        </p:tgtEl>
-                                        <p:attrNameLst>
-                                          <p:attrName>style.visibility</p:attrName>
-                                        </p:attrNameLst>
-                                      </p:cBhvr>
-                                      <p:to>
-                                        <p:strVal val="visible"/>
-                                      </p:to>
-                                    </p:set>
-                                    <p:animEffect transition="in" filter="fade">
-                                      <p:cBhvr>
-                                        <p:cTn id="21" dur="1000"/>
-                                        <p:tgtEl>
-                                          <p:spTgt spid="3">
-                                            <p:txEl>
-                                              <p:pRg st="4" end="4"/>
-                                            </p:txEl>
-                                          </p:spTgt>
-                                        </p:tgtEl>
-                                      </p:cBhvr>
-                                    </p:animEffect>
-                                    <p:anim calcmode="lin" valueType="num">
-                                      <p:cBhvr>
-                                        <p:cTn id="22" dur="1000" fill="hold"/>
-                                        <p:tgtEl>
-                                          <p:spTgt spid="3">
-                                            <p:txEl>
-                                              <p:pRg st="4" end="4"/>
-                                            </p:txEl>
-                                          </p:spTgt>
-                                        </p:tgtEl>
-                                        <p:attrNameLst>
-                                          <p:attrName>ppt_x</p:attrName>
-                                        </p:attrNameLst>
-                                      </p:cBhvr>
-                                      <p:tavLst>
-                                        <p:tav tm="0">
-                                          <p:val>
-                                            <p:strVal val="#ppt_x"/>
-                                          </p:val>
-                                        </p:tav>
-                                        <p:tav tm="100000">
-                                          <p:val>
-                                            <p:strVal val="#ppt_x"/>
-                                          </p:val>
-                                        </p:tav>
-                                      </p:tavLst>
-                                    </p:anim>
-                                    <p:anim calcmode="lin" valueType="num">
-                                      <p:cBhvr>
-                                        <p:cTn id="23" dur="1000" fill="hold"/>
-                                        <p:tgtEl>
-                                          <p:spTgt spid="3">
-                                            <p:txEl>
-                                              <p:pRg st="4" end="4"/>
-                                            </p:txEl>
-                                          </p:spTgt>
-                                        </p:tgtEl>
-                                        <p:attrNameLst>
-                                          <p:attrName>ppt_y</p:attrName>
-                                        </p:attrNameLst>
-                                      </p:cBhvr>
-                                      <p:tavLst>
-                                        <p:tav tm="0">
-                                          <p:val>
-                                            <p:strVal val="#ppt_y+.1"/>
-                                          </p:val>
-                                        </p:tav>
-                                        <p:tav tm="100000">
-                                          <p:val>
-                                            <p:strVal val="#ppt_y"/>
-                                          </p:val>
-                                        </p:tav>
-                                      </p:tavLst>
-                                    </p:anim>
-                                  </p:childTnLst>
-                                </p:cTn>
-                              </p:par>
-                            </p:childTnLst>
-                          </p:cTn>
-                        </p:par>
-                      </p:childTnLst>
-                    </p:cTn>
-                  </p:par>
                 </p:childTnLst>
               </p:cTn>
               <p:prevCondLst>
@@ -8389,322 +5312,83 @@
           <a:chExt cx="0" cy="0"/>
         </a:xfrm>
       </p:grpSpPr>
-      <p:pic>
-        <p:nvPicPr>
-          <p:cNvPr id="4" name="Picture 3"/>
-          <p:cNvPicPr>
-            <a:picLocks noChangeAspect="1"/>
-          </p:cNvPicPr>
-          <p:nvPr/>
-        </p:nvPicPr>
-        <p:blipFill>
-          <a:blip r:embed="rId2"/>
-          <a:stretch>
-            <a:fillRect/>
-          </a:stretch>
-        </p:blipFill>
-        <p:spPr>
-          <a:xfrm>
-            <a:off x="3276600" y="1092200"/>
-            <a:ext cx="8915400" cy="5765799"/>
-          </a:xfrm>
-          <a:prstGeom prst="rect">
-            <a:avLst/>
-          </a:prstGeom>
-        </p:spPr>
-      </p:pic>
-      <p:sp>
-        <p:nvSpPr>
-          <p:cNvPr id="5" name="Content Placeholder 2"/>
-          <p:cNvSpPr txBox="1">
-            <a:spLocks/>
-          </p:cNvSpPr>
-          <p:nvPr/>
-        </p:nvSpPr>
-        <p:spPr>
-          <a:xfrm>
-            <a:off x="850900" y="1270000"/>
-            <a:ext cx="2324100" cy="4953000"/>
-          </a:xfrm>
-          <a:prstGeom prst="rect">
-            <a:avLst/>
-          </a:prstGeom>
-        </p:spPr>
-        <p:txBody>
-          <a:bodyPr/>
-          <a:lstStyle>
-            <a:lvl1pPr marL="384048" indent="-384048" algn="l" defTabSz="914400" rtl="0" eaLnBrk="1" latinLnBrk="0" hangingPunct="1">
-              <a:lnSpc>
-                <a:spcPct val="94000"/>
-              </a:lnSpc>
-              <a:spcBef>
-                <a:spcPts val="1000"/>
-              </a:spcBef>
-              <a:spcAft>
-                <a:spcPts val="200"/>
-              </a:spcAft>
-              <a:buFont typeface="Franklin Gothic Book" panose="020B0503020102020204" pitchFamily="34" charset="0"/>
-              <a:buChar char="■"/>
-              <a:defRPr sz="2000" kern="1200" baseline="0">
-                <a:solidFill>
-                  <a:schemeClr val="tx2"/>
-                </a:solidFill>
-                <a:latin typeface="+mn-lt"/>
-                <a:ea typeface="+mn-ea"/>
-                <a:cs typeface="+mn-cs"/>
-              </a:defRPr>
-            </a:lvl1pPr>
-            <a:lvl2pPr marL="914400" indent="-384048" algn="l" defTabSz="914400" rtl="0" eaLnBrk="1" latinLnBrk="0" hangingPunct="1">
-              <a:lnSpc>
-                <a:spcPct val="94000"/>
-              </a:lnSpc>
-              <a:spcBef>
-                <a:spcPts val="500"/>
-              </a:spcBef>
-              <a:spcAft>
-                <a:spcPts val="200"/>
-              </a:spcAft>
-              <a:buFont typeface="Franklin Gothic Book" panose="020B0503020102020204" pitchFamily="34" charset="0"/>
-              <a:buChar char="–"/>
-              <a:defRPr sz="2000" i="1" kern="1200" baseline="0">
-                <a:solidFill>
-                  <a:schemeClr val="tx2"/>
-                </a:solidFill>
-                <a:latin typeface="+mn-lt"/>
-                <a:ea typeface="+mn-ea"/>
-                <a:cs typeface="+mn-cs"/>
-              </a:defRPr>
-            </a:lvl2pPr>
-            <a:lvl3pPr marL="1371600" indent="-384048" algn="l" defTabSz="914400" rtl="0" eaLnBrk="1" latinLnBrk="0" hangingPunct="1">
-              <a:lnSpc>
-                <a:spcPct val="94000"/>
-              </a:lnSpc>
-              <a:spcBef>
-                <a:spcPts val="500"/>
-              </a:spcBef>
-              <a:spcAft>
-                <a:spcPts val="200"/>
-              </a:spcAft>
-              <a:buFont typeface="Franklin Gothic Book" panose="020B0503020102020204" pitchFamily="34" charset="0"/>
-              <a:buChar char="■"/>
-              <a:defRPr sz="1800" kern="1200" baseline="0">
-                <a:solidFill>
-                  <a:schemeClr val="tx2"/>
-                </a:solidFill>
-                <a:latin typeface="+mn-lt"/>
-                <a:ea typeface="+mn-ea"/>
-                <a:cs typeface="+mn-cs"/>
-              </a:defRPr>
-            </a:lvl3pPr>
-            <a:lvl4pPr marL="1828800" indent="-384048" algn="l" defTabSz="914400" rtl="0" eaLnBrk="1" latinLnBrk="0" hangingPunct="1">
-              <a:lnSpc>
-                <a:spcPct val="94000"/>
-              </a:lnSpc>
-              <a:spcBef>
-                <a:spcPts val="500"/>
-              </a:spcBef>
-              <a:spcAft>
-                <a:spcPts val="200"/>
-              </a:spcAft>
-              <a:buFont typeface="Franklin Gothic Book" panose="020B0503020102020204" pitchFamily="34" charset="0"/>
-              <a:buChar char="–"/>
-              <a:defRPr sz="1800" i="1" kern="1200" baseline="0">
-                <a:solidFill>
-                  <a:schemeClr val="tx2"/>
-                </a:solidFill>
-                <a:latin typeface="+mn-lt"/>
-                <a:ea typeface="+mn-ea"/>
-                <a:cs typeface="+mn-cs"/>
-              </a:defRPr>
-            </a:lvl4pPr>
-            <a:lvl5pPr marL="2286000" indent="-384048" algn="l" defTabSz="914400" rtl="0" eaLnBrk="1" latinLnBrk="0" hangingPunct="1">
-              <a:lnSpc>
-                <a:spcPct val="94000"/>
-              </a:lnSpc>
-              <a:spcBef>
-                <a:spcPts val="500"/>
-              </a:spcBef>
-              <a:spcAft>
-                <a:spcPts val="200"/>
-              </a:spcAft>
-              <a:buFont typeface="Franklin Gothic Book" panose="020B0503020102020204" pitchFamily="34" charset="0"/>
-              <a:buChar char="■"/>
-              <a:defRPr sz="1600" kern="1200" baseline="0">
-                <a:solidFill>
-                  <a:schemeClr val="tx2"/>
-                </a:solidFill>
-                <a:latin typeface="+mn-lt"/>
-                <a:ea typeface="+mn-ea"/>
-                <a:cs typeface="+mn-cs"/>
-              </a:defRPr>
-            </a:lvl5pPr>
-            <a:lvl6pPr marL="2743200" indent="-384048" algn="l" defTabSz="914400" rtl="0" eaLnBrk="1" latinLnBrk="0" hangingPunct="1">
-              <a:lnSpc>
-                <a:spcPct val="94000"/>
-              </a:lnSpc>
-              <a:spcBef>
-                <a:spcPts val="500"/>
-              </a:spcBef>
-              <a:spcAft>
-                <a:spcPts val="200"/>
-              </a:spcAft>
-              <a:buFont typeface="Franklin Gothic Book" panose="020B0503020102020204" pitchFamily="34" charset="0"/>
-              <a:buChar char="–"/>
-              <a:defRPr sz="1600" i="1" kern="1200" baseline="0">
-                <a:solidFill>
-                  <a:schemeClr val="tx2"/>
-                </a:solidFill>
-                <a:latin typeface="+mn-lt"/>
-                <a:ea typeface="+mn-ea"/>
-                <a:cs typeface="+mn-cs"/>
-              </a:defRPr>
-            </a:lvl6pPr>
-            <a:lvl7pPr marL="3200400" indent="-384048" algn="l" defTabSz="914400" rtl="0" eaLnBrk="1" latinLnBrk="0" hangingPunct="1">
-              <a:lnSpc>
-                <a:spcPct val="94000"/>
-              </a:lnSpc>
-              <a:spcBef>
-                <a:spcPts val="500"/>
-              </a:spcBef>
-              <a:spcAft>
-                <a:spcPts val="200"/>
-              </a:spcAft>
-              <a:buFont typeface="Franklin Gothic Book" panose="020B0503020102020204" pitchFamily="34" charset="0"/>
-              <a:buChar char="■"/>
-              <a:defRPr sz="1400" kern="1200" baseline="0">
-                <a:solidFill>
-                  <a:schemeClr val="tx2"/>
-                </a:solidFill>
-                <a:latin typeface="+mn-lt"/>
-                <a:ea typeface="+mn-ea"/>
-                <a:cs typeface="+mn-cs"/>
-              </a:defRPr>
-            </a:lvl7pPr>
-            <a:lvl8pPr marL="3657600" indent="-384048" algn="l" defTabSz="914400" rtl="0" eaLnBrk="1" latinLnBrk="0" hangingPunct="1">
-              <a:lnSpc>
-                <a:spcPct val="94000"/>
-              </a:lnSpc>
-              <a:spcBef>
-                <a:spcPts val="500"/>
-              </a:spcBef>
-              <a:spcAft>
-                <a:spcPts val="200"/>
-              </a:spcAft>
-              <a:buFont typeface="Franklin Gothic Book" panose="020B0503020102020204" pitchFamily="34" charset="0"/>
-              <a:buChar char="–"/>
-              <a:defRPr sz="1400" i="1" kern="1200" baseline="0">
-                <a:solidFill>
-                  <a:schemeClr val="tx2"/>
-                </a:solidFill>
-                <a:latin typeface="+mn-lt"/>
-                <a:ea typeface="+mn-ea"/>
-                <a:cs typeface="+mn-cs"/>
-              </a:defRPr>
-            </a:lvl8pPr>
-            <a:lvl9pPr marL="4114800" indent="-384048" algn="l" defTabSz="914400" rtl="0" eaLnBrk="1" latinLnBrk="0" hangingPunct="1">
-              <a:lnSpc>
-                <a:spcPct val="94000"/>
-              </a:lnSpc>
-              <a:spcBef>
-                <a:spcPts val="500"/>
-              </a:spcBef>
-              <a:spcAft>
-                <a:spcPts val="200"/>
-              </a:spcAft>
-              <a:buFont typeface="Franklin Gothic Book" panose="020B0503020102020204" pitchFamily="34" charset="0"/>
-              <a:buChar char="■"/>
-              <a:defRPr sz="1400" kern="1200" baseline="0">
-                <a:solidFill>
-                  <a:schemeClr val="tx2"/>
-                </a:solidFill>
-                <a:latin typeface="+mn-lt"/>
-                <a:ea typeface="+mn-ea"/>
-                <a:cs typeface="+mn-cs"/>
-              </a:defRPr>
-            </a:lvl9pPr>
-          </a:lstStyle>
-          <a:p>
-            <a:r>
-              <a:rPr lang="en-US" sz="1800" dirty="0" smtClean="0"/>
-              <a:t>Maze with equations as hurdles.</a:t>
-            </a:r>
-          </a:p>
-          <a:p>
-            <a:r>
-              <a:rPr lang="en-US" sz="1800" dirty="0" smtClean="0"/>
-              <a:t>Longer paths will have easier equations to solve.</a:t>
-            </a:r>
-          </a:p>
-          <a:p>
-            <a:r>
-              <a:rPr lang="en-US" sz="1800" dirty="0" smtClean="0"/>
-              <a:t>Equations to be solved using Graspable Math canvas.</a:t>
-            </a:r>
-          </a:p>
-          <a:p>
-            <a:r>
-              <a:rPr lang="en-US" sz="1800" dirty="0"/>
-              <a:t>Player’s goal is to find their way through the maze to the exit.</a:t>
-            </a:r>
-          </a:p>
-          <a:p>
-            <a:endParaRPr lang="en-US" sz="1800" dirty="0" smtClean="0"/>
-          </a:p>
-        </p:txBody>
-      </p:sp>
-      <p:sp>
-        <p:nvSpPr>
-          <p:cNvPr id="6" name="Title 1"/>
-          <p:cNvSpPr txBox="1">
-            <a:spLocks/>
-          </p:cNvSpPr>
-          <p:nvPr/>
-        </p:nvSpPr>
-        <p:spPr>
-          <a:xfrm>
-            <a:off x="1460500" y="127000"/>
-            <a:ext cx="9601200" cy="977900"/>
-          </a:xfrm>
-          <a:prstGeom prst="rect">
-            <a:avLst/>
-          </a:prstGeom>
-        </p:spPr>
-        <p:txBody>
-          <a:bodyPr>
-            <a:normAutofit/>
-          </a:bodyPr>
-          <a:lstStyle>
-            <a:lvl1pPr algn="l" defTabSz="914400" rtl="0" eaLnBrk="1" latinLnBrk="0" hangingPunct="1">
-              <a:lnSpc>
-                <a:spcPct val="89000"/>
-              </a:lnSpc>
-              <a:spcBef>
-                <a:spcPct val="0"/>
-              </a:spcBef>
-              <a:buNone/>
-              <a:defRPr sz="4400" kern="1200" baseline="0">
-                <a:solidFill>
-                  <a:schemeClr val="tx2"/>
-                </a:solidFill>
-                <a:latin typeface="+mj-lt"/>
-                <a:ea typeface="+mj-ea"/>
-                <a:cs typeface="+mj-cs"/>
-              </a:defRPr>
-            </a:lvl1pPr>
-          </a:lstStyle>
-          <a:p>
+      <p:sp>
+        <p:nvSpPr>
+          <p:cNvPr id="2" name="Title 1"/>
+          <p:cNvSpPr>
+            <a:spLocks noGrp="1"/>
+          </p:cNvSpPr>
+          <p:nvPr>
+            <p:ph type="title"/>
+          </p:nvPr>
+        </p:nvSpPr>
+        <p:spPr/>
+        <p:txBody>
+          <a:bodyPr/>
+          <a:lstStyle/>
+          <a:p>
+            <a:r>
+              <a:rPr lang="en-US" dirty="0"/>
+              <a:t>Next </a:t>
+            </a:r>
             <a:r>
               <a:rPr lang="en-US" dirty="0" smtClean="0"/>
-              <a:t>Idea 2 – Maze</a:t>
+              <a:t>Steps</a:t>
             </a:r>
             <a:endParaRPr lang="en-US" dirty="0"/>
+          </a:p>
+        </p:txBody>
+      </p:sp>
+      <p:sp>
+        <p:nvSpPr>
+          <p:cNvPr id="3" name="Content Placeholder 2"/>
+          <p:cNvSpPr>
+            <a:spLocks noGrp="1"/>
+          </p:cNvSpPr>
+          <p:nvPr>
+            <p:ph idx="1"/>
+          </p:nvPr>
+        </p:nvSpPr>
+        <p:spPr/>
+        <p:txBody>
+          <a:bodyPr/>
+          <a:lstStyle/>
+          <a:p>
+            <a:r>
+              <a:rPr lang="en-US" dirty="0"/>
+              <a:t>Meet </a:t>
+            </a:r>
+            <a:r>
+              <a:rPr lang="en-US" dirty="0" smtClean="0"/>
+              <a:t>clients </a:t>
+            </a:r>
+            <a:r>
+              <a:rPr lang="en-US" dirty="0"/>
+              <a:t>with proposed </a:t>
+            </a:r>
+            <a:r>
+              <a:rPr lang="en-US" dirty="0" smtClean="0"/>
+              <a:t>ideas</a:t>
+            </a:r>
+          </a:p>
+          <a:p>
+            <a:r>
+              <a:rPr lang="en-US" dirty="0" smtClean="0"/>
+              <a:t>Finalize the idea to be implemented</a:t>
+            </a:r>
+          </a:p>
+          <a:p>
+            <a:r>
+              <a:rPr lang="en-US" dirty="0" smtClean="0"/>
+              <a:t>Start work on the finalized idea</a:t>
+            </a:r>
           </a:p>
         </p:txBody>
       </p:sp>
     </p:spTree>
     <p:extLst>
       <p:ext uri="{BB962C8B-B14F-4D97-AF65-F5344CB8AC3E}">
-        <p14:creationId xmlns:p14="http://schemas.microsoft.com/office/powerpoint/2010/main" val="1950625018"/>
+        <p14:creationId xmlns:p14="http://schemas.microsoft.com/office/powerpoint/2010/main" val="2915173357"/>
       </p:ext>
     </p:extLst>
   </p:cSld>
@@ -8714,490 +5398,7 @@
   <p:timing>
     <p:tnLst>
       <p:par>
-        <p:cTn id="1" dur="indefinite" restart="never" nodeType="tmRoot">
-          <p:childTnLst>
-            <p:seq concurrent="1" nextAc="seek">
-              <p:cTn id="2" dur="indefinite" nodeType="mainSeq">
-                <p:childTnLst>
-                  <p:par>
-                    <p:cTn id="3" fill="hold">
-                      <p:stCondLst>
-                        <p:cond delay="indefinite"/>
-                      </p:stCondLst>
-                      <p:childTnLst>
-                        <p:par>
-                          <p:cTn id="4" fill="hold">
-                            <p:stCondLst>
-                              <p:cond delay="0"/>
-                            </p:stCondLst>
-                            <p:childTnLst>
-                              <p:par>
-                                <p:cTn id="5" presetID="42" presetClass="entr" presetSubtype="0" fill="hold" nodeType="clickEffect">
-                                  <p:stCondLst>
-                                    <p:cond delay="0"/>
-                                  </p:stCondLst>
-                                  <p:childTnLst>
-                                    <p:set>
-                                      <p:cBhvr>
-                                        <p:cTn id="6" dur="1" fill="hold">
-                                          <p:stCondLst>
-                                            <p:cond delay="0"/>
-                                          </p:stCondLst>
-                                        </p:cTn>
-                                        <p:tgtEl>
-                                          <p:spTgt spid="5">
-                                            <p:txEl>
-                                              <p:pRg st="0" end="0"/>
-                                            </p:txEl>
-                                          </p:spTgt>
-                                        </p:tgtEl>
-                                        <p:attrNameLst>
-                                          <p:attrName>style.visibility</p:attrName>
-                                        </p:attrNameLst>
-                                      </p:cBhvr>
-                                      <p:to>
-                                        <p:strVal val="visible"/>
-                                      </p:to>
-                                    </p:set>
-                                    <p:animEffect transition="in" filter="fade">
-                                      <p:cBhvr>
-                                        <p:cTn id="7" dur="1000"/>
-                                        <p:tgtEl>
-                                          <p:spTgt spid="5">
-                                            <p:txEl>
-                                              <p:pRg st="0" end="0"/>
-                                            </p:txEl>
-                                          </p:spTgt>
-                                        </p:tgtEl>
-                                      </p:cBhvr>
-                                    </p:animEffect>
-                                    <p:anim calcmode="lin" valueType="num">
-                                      <p:cBhvr>
-                                        <p:cTn id="8" dur="1000" fill="hold"/>
-                                        <p:tgtEl>
-                                          <p:spTgt spid="5">
-                                            <p:txEl>
-                                              <p:pRg st="0" end="0"/>
-                                            </p:txEl>
-                                          </p:spTgt>
-                                        </p:tgtEl>
-                                        <p:attrNameLst>
-                                          <p:attrName>ppt_x</p:attrName>
-                                        </p:attrNameLst>
-                                      </p:cBhvr>
-                                      <p:tavLst>
-                                        <p:tav tm="0">
-                                          <p:val>
-                                            <p:strVal val="#ppt_x"/>
-                                          </p:val>
-                                        </p:tav>
-                                        <p:tav tm="100000">
-                                          <p:val>
-                                            <p:strVal val="#ppt_x"/>
-                                          </p:val>
-                                        </p:tav>
-                                      </p:tavLst>
-                                    </p:anim>
-                                    <p:anim calcmode="lin" valueType="num">
-                                      <p:cBhvr>
-                                        <p:cTn id="9" dur="1000" fill="hold"/>
-                                        <p:tgtEl>
-                                          <p:spTgt spid="5">
-                                            <p:txEl>
-                                              <p:pRg st="0" end="0"/>
-                                            </p:txEl>
-                                          </p:spTgt>
-                                        </p:tgtEl>
-                                        <p:attrNameLst>
-                                          <p:attrName>ppt_y</p:attrName>
-                                        </p:attrNameLst>
-                                      </p:cBhvr>
-                                      <p:tavLst>
-                                        <p:tav tm="0">
-                                          <p:val>
-                                            <p:strVal val="#ppt_y+.1"/>
-                                          </p:val>
-                                        </p:tav>
-                                        <p:tav tm="100000">
-                                          <p:val>
-                                            <p:strVal val="#ppt_y"/>
-                                          </p:val>
-                                        </p:tav>
-                                      </p:tavLst>
-                                    </p:anim>
-                                  </p:childTnLst>
-                                </p:cTn>
-                              </p:par>
-                            </p:childTnLst>
-                          </p:cTn>
-                        </p:par>
-                      </p:childTnLst>
-                    </p:cTn>
-                  </p:par>
-                  <p:par>
-                    <p:cTn id="10" fill="hold">
-                      <p:stCondLst>
-                        <p:cond delay="indefinite"/>
-                      </p:stCondLst>
-                      <p:childTnLst>
-                        <p:par>
-                          <p:cTn id="11" fill="hold">
-                            <p:stCondLst>
-                              <p:cond delay="0"/>
-                            </p:stCondLst>
-                            <p:childTnLst>
-                              <p:par>
-                                <p:cTn id="12" presetID="42" presetClass="entr" presetSubtype="0" fill="hold" nodeType="clickEffect">
-                                  <p:stCondLst>
-                                    <p:cond delay="0"/>
-                                  </p:stCondLst>
-                                  <p:childTnLst>
-                                    <p:set>
-                                      <p:cBhvr>
-                                        <p:cTn id="13" dur="1" fill="hold">
-                                          <p:stCondLst>
-                                            <p:cond delay="0"/>
-                                          </p:stCondLst>
-                                        </p:cTn>
-                                        <p:tgtEl>
-                                          <p:spTgt spid="5">
-                                            <p:txEl>
-                                              <p:pRg st="1" end="1"/>
-                                            </p:txEl>
-                                          </p:spTgt>
-                                        </p:tgtEl>
-                                        <p:attrNameLst>
-                                          <p:attrName>style.visibility</p:attrName>
-                                        </p:attrNameLst>
-                                      </p:cBhvr>
-                                      <p:to>
-                                        <p:strVal val="visible"/>
-                                      </p:to>
-                                    </p:set>
-                                    <p:animEffect transition="in" filter="fade">
-                                      <p:cBhvr>
-                                        <p:cTn id="14" dur="1000"/>
-                                        <p:tgtEl>
-                                          <p:spTgt spid="5">
-                                            <p:txEl>
-                                              <p:pRg st="1" end="1"/>
-                                            </p:txEl>
-                                          </p:spTgt>
-                                        </p:tgtEl>
-                                      </p:cBhvr>
-                                    </p:animEffect>
-                                    <p:anim calcmode="lin" valueType="num">
-                                      <p:cBhvr>
-                                        <p:cTn id="15" dur="1000" fill="hold"/>
-                                        <p:tgtEl>
-                                          <p:spTgt spid="5">
-                                            <p:txEl>
-                                              <p:pRg st="1" end="1"/>
-                                            </p:txEl>
-                                          </p:spTgt>
-                                        </p:tgtEl>
-                                        <p:attrNameLst>
-                                          <p:attrName>ppt_x</p:attrName>
-                                        </p:attrNameLst>
-                                      </p:cBhvr>
-                                      <p:tavLst>
-                                        <p:tav tm="0">
-                                          <p:val>
-                                            <p:strVal val="#ppt_x"/>
-                                          </p:val>
-                                        </p:tav>
-                                        <p:tav tm="100000">
-                                          <p:val>
-                                            <p:strVal val="#ppt_x"/>
-                                          </p:val>
-                                        </p:tav>
-                                      </p:tavLst>
-                                    </p:anim>
-                                    <p:anim calcmode="lin" valueType="num">
-                                      <p:cBhvr>
-                                        <p:cTn id="16" dur="1000" fill="hold"/>
-                                        <p:tgtEl>
-                                          <p:spTgt spid="5">
-                                            <p:txEl>
-                                              <p:pRg st="1" end="1"/>
-                                            </p:txEl>
-                                          </p:spTgt>
-                                        </p:tgtEl>
-                                        <p:attrNameLst>
-                                          <p:attrName>ppt_y</p:attrName>
-                                        </p:attrNameLst>
-                                      </p:cBhvr>
-                                      <p:tavLst>
-                                        <p:tav tm="0">
-                                          <p:val>
-                                            <p:strVal val="#ppt_y+.1"/>
-                                          </p:val>
-                                        </p:tav>
-                                        <p:tav tm="100000">
-                                          <p:val>
-                                            <p:strVal val="#ppt_y"/>
-                                          </p:val>
-                                        </p:tav>
-                                      </p:tavLst>
-                                    </p:anim>
-                                  </p:childTnLst>
-                                </p:cTn>
-                              </p:par>
-                            </p:childTnLst>
-                          </p:cTn>
-                        </p:par>
-                      </p:childTnLst>
-                    </p:cTn>
-                  </p:par>
-                  <p:par>
-                    <p:cTn id="17" fill="hold">
-                      <p:stCondLst>
-                        <p:cond delay="indefinite"/>
-                      </p:stCondLst>
-                      <p:childTnLst>
-                        <p:par>
-                          <p:cTn id="18" fill="hold">
-                            <p:stCondLst>
-                              <p:cond delay="0"/>
-                            </p:stCondLst>
-                            <p:childTnLst>
-                              <p:par>
-                                <p:cTn id="19" presetID="42" presetClass="entr" presetSubtype="0" fill="hold" nodeType="clickEffect">
-                                  <p:stCondLst>
-                                    <p:cond delay="0"/>
-                                  </p:stCondLst>
-                                  <p:childTnLst>
-                                    <p:set>
-                                      <p:cBhvr>
-                                        <p:cTn id="20" dur="1" fill="hold">
-                                          <p:stCondLst>
-                                            <p:cond delay="0"/>
-                                          </p:stCondLst>
-                                        </p:cTn>
-                                        <p:tgtEl>
-                                          <p:spTgt spid="5">
-                                            <p:txEl>
-                                              <p:pRg st="2" end="2"/>
-                                            </p:txEl>
-                                          </p:spTgt>
-                                        </p:tgtEl>
-                                        <p:attrNameLst>
-                                          <p:attrName>style.visibility</p:attrName>
-                                        </p:attrNameLst>
-                                      </p:cBhvr>
-                                      <p:to>
-                                        <p:strVal val="visible"/>
-                                      </p:to>
-                                    </p:set>
-                                    <p:animEffect transition="in" filter="fade">
-                                      <p:cBhvr>
-                                        <p:cTn id="21" dur="1000"/>
-                                        <p:tgtEl>
-                                          <p:spTgt spid="5">
-                                            <p:txEl>
-                                              <p:pRg st="2" end="2"/>
-                                            </p:txEl>
-                                          </p:spTgt>
-                                        </p:tgtEl>
-                                      </p:cBhvr>
-                                    </p:animEffect>
-                                    <p:anim calcmode="lin" valueType="num">
-                                      <p:cBhvr>
-                                        <p:cTn id="22" dur="1000" fill="hold"/>
-                                        <p:tgtEl>
-                                          <p:spTgt spid="5">
-                                            <p:txEl>
-                                              <p:pRg st="2" end="2"/>
-                                            </p:txEl>
-                                          </p:spTgt>
-                                        </p:tgtEl>
-                                        <p:attrNameLst>
-                                          <p:attrName>ppt_x</p:attrName>
-                                        </p:attrNameLst>
-                                      </p:cBhvr>
-                                      <p:tavLst>
-                                        <p:tav tm="0">
-                                          <p:val>
-                                            <p:strVal val="#ppt_x"/>
-                                          </p:val>
-                                        </p:tav>
-                                        <p:tav tm="100000">
-                                          <p:val>
-                                            <p:strVal val="#ppt_x"/>
-                                          </p:val>
-                                        </p:tav>
-                                      </p:tavLst>
-                                    </p:anim>
-                                    <p:anim calcmode="lin" valueType="num">
-                                      <p:cBhvr>
-                                        <p:cTn id="23" dur="1000" fill="hold"/>
-                                        <p:tgtEl>
-                                          <p:spTgt spid="5">
-                                            <p:txEl>
-                                              <p:pRg st="2" end="2"/>
-                                            </p:txEl>
-                                          </p:spTgt>
-                                        </p:tgtEl>
-                                        <p:attrNameLst>
-                                          <p:attrName>ppt_y</p:attrName>
-                                        </p:attrNameLst>
-                                      </p:cBhvr>
-                                      <p:tavLst>
-                                        <p:tav tm="0">
-                                          <p:val>
-                                            <p:strVal val="#ppt_y+.1"/>
-                                          </p:val>
-                                        </p:tav>
-                                        <p:tav tm="100000">
-                                          <p:val>
-                                            <p:strVal val="#ppt_y"/>
-                                          </p:val>
-                                        </p:tav>
-                                      </p:tavLst>
-                                    </p:anim>
-                                  </p:childTnLst>
-                                </p:cTn>
-                              </p:par>
-                            </p:childTnLst>
-                          </p:cTn>
-                        </p:par>
-                      </p:childTnLst>
-                    </p:cTn>
-                  </p:par>
-                  <p:par>
-                    <p:cTn id="24" fill="hold">
-                      <p:stCondLst>
-                        <p:cond delay="indefinite"/>
-                      </p:stCondLst>
-                      <p:childTnLst>
-                        <p:par>
-                          <p:cTn id="25" fill="hold">
-                            <p:stCondLst>
-                              <p:cond delay="0"/>
-                            </p:stCondLst>
-                            <p:childTnLst>
-                              <p:par>
-                                <p:cTn id="26" presetID="42" presetClass="entr" presetSubtype="0" fill="hold" nodeType="clickEffect">
-                                  <p:stCondLst>
-                                    <p:cond delay="0"/>
-                                  </p:stCondLst>
-                                  <p:childTnLst>
-                                    <p:set>
-                                      <p:cBhvr>
-                                        <p:cTn id="27" dur="1" fill="hold">
-                                          <p:stCondLst>
-                                            <p:cond delay="0"/>
-                                          </p:stCondLst>
-                                        </p:cTn>
-                                        <p:tgtEl>
-                                          <p:spTgt spid="5">
-                                            <p:txEl>
-                                              <p:pRg st="3" end="3"/>
-                                            </p:txEl>
-                                          </p:spTgt>
-                                        </p:tgtEl>
-                                        <p:attrNameLst>
-                                          <p:attrName>style.visibility</p:attrName>
-                                        </p:attrNameLst>
-                                      </p:cBhvr>
-                                      <p:to>
-                                        <p:strVal val="visible"/>
-                                      </p:to>
-                                    </p:set>
-                                    <p:animEffect transition="in" filter="fade">
-                                      <p:cBhvr>
-                                        <p:cTn id="28" dur="1000"/>
-                                        <p:tgtEl>
-                                          <p:spTgt spid="5">
-                                            <p:txEl>
-                                              <p:pRg st="3" end="3"/>
-                                            </p:txEl>
-                                          </p:spTgt>
-                                        </p:tgtEl>
-                                      </p:cBhvr>
-                                    </p:animEffect>
-                                    <p:anim calcmode="lin" valueType="num">
-                                      <p:cBhvr>
-                                        <p:cTn id="29" dur="1000" fill="hold"/>
-                                        <p:tgtEl>
-                                          <p:spTgt spid="5">
-                                            <p:txEl>
-                                              <p:pRg st="3" end="3"/>
-                                            </p:txEl>
-                                          </p:spTgt>
-                                        </p:tgtEl>
-                                        <p:attrNameLst>
-                                          <p:attrName>ppt_x</p:attrName>
-                                        </p:attrNameLst>
-                                      </p:cBhvr>
-                                      <p:tavLst>
-                                        <p:tav tm="0">
-                                          <p:val>
-                                            <p:strVal val="#ppt_x"/>
-                                          </p:val>
-                                        </p:tav>
-                                        <p:tav tm="100000">
-                                          <p:val>
-                                            <p:strVal val="#ppt_x"/>
-                                          </p:val>
-                                        </p:tav>
-                                      </p:tavLst>
-                                    </p:anim>
-                                    <p:anim calcmode="lin" valueType="num">
-                                      <p:cBhvr>
-                                        <p:cTn id="30" dur="1000" fill="hold"/>
-                                        <p:tgtEl>
-                                          <p:spTgt spid="5">
-                                            <p:txEl>
-                                              <p:pRg st="3" end="3"/>
-                                            </p:txEl>
-                                          </p:spTgt>
-                                        </p:tgtEl>
-                                        <p:attrNameLst>
-                                          <p:attrName>ppt_y</p:attrName>
-                                        </p:attrNameLst>
-                                      </p:cBhvr>
-                                      <p:tavLst>
-                                        <p:tav tm="0">
-                                          <p:val>
-                                            <p:strVal val="#ppt_y+.1"/>
-                                          </p:val>
-                                        </p:tav>
-                                        <p:tav tm="100000">
-                                          <p:val>
-                                            <p:strVal val="#ppt_y"/>
-                                          </p:val>
-                                        </p:tav>
-                                      </p:tavLst>
-                                    </p:anim>
-                                  </p:childTnLst>
-                                </p:cTn>
-                              </p:par>
-                            </p:childTnLst>
-                          </p:cTn>
-                        </p:par>
-                      </p:childTnLst>
-                    </p:cTn>
-                  </p:par>
-                </p:childTnLst>
-              </p:cTn>
-              <p:prevCondLst>
-                <p:cond evt="onPrev" delay="0">
-                  <p:tgtEl>
-                    <p:sldTgt/>
-                  </p:tgtEl>
-                </p:cond>
-              </p:prevCondLst>
-              <p:nextCondLst>
-                <p:cond evt="onNext" delay="0">
-                  <p:tgtEl>
-                    <p:sldTgt/>
-                  </p:tgtEl>
-                </p:cond>
-              </p:nextCondLst>
-            </p:seq>
-          </p:childTnLst>
-        </p:cTn>
+        <p:cTn xmlns:p14="http://schemas.microsoft.com/office/powerpoint/2010/main" id="1" dur="indefinite" restart="never" nodeType="tmRoot"/>
       </p:par>
     </p:tnLst>
   </p:timing>
@@ -9221,148 +5422,95 @@
           <a:chExt cx="0" cy="0"/>
         </a:xfrm>
       </p:grpSpPr>
-      <p:pic>
-        <p:nvPicPr>
-          <p:cNvPr id="3" name="Picture 2"/>
-          <p:cNvPicPr>
-            <a:picLocks noChangeAspect="1"/>
-          </p:cNvPicPr>
-          <p:nvPr/>
-        </p:nvPicPr>
-        <p:blipFill>
-          <a:blip r:embed="rId2"/>
-          <a:stretch>
-            <a:fillRect/>
-          </a:stretch>
-        </p:blipFill>
+      <p:sp>
+        <p:nvSpPr>
+          <p:cNvPr id="2" name="Title 1"/>
+          <p:cNvSpPr>
+            <a:spLocks noGrp="1"/>
+          </p:cNvSpPr>
+          <p:nvPr>
+            <p:ph type="title"/>
+          </p:nvPr>
+        </p:nvSpPr>
+        <p:spPr/>
+        <p:txBody>
+          <a:bodyPr/>
+          <a:lstStyle/>
+          <a:p>
+            <a:r>
+              <a:rPr lang="en-US" dirty="0" smtClean="0"/>
+              <a:t>Communication Tools</a:t>
+            </a:r>
+            <a:endParaRPr lang="en-US" dirty="0"/>
+          </a:p>
+        </p:txBody>
+      </p:sp>
+      <p:sp>
+        <p:nvSpPr>
+          <p:cNvPr id="3" name="Content Placeholder 2"/>
+          <p:cNvSpPr>
+            <a:spLocks noGrp="1"/>
+          </p:cNvSpPr>
+          <p:nvPr>
+            <p:ph idx="1"/>
+          </p:nvPr>
+        </p:nvSpPr>
         <p:spPr>
           <a:xfrm>
-            <a:off x="3238500" y="1422400"/>
-            <a:ext cx="8953500" cy="5435600"/>
-          </a:xfrm>
-          <a:prstGeom prst="rect">
-            <a:avLst/>
-          </a:prstGeom>
-        </p:spPr>
-      </p:pic>
-      <p:sp>
-        <p:nvSpPr>
-          <p:cNvPr id="5" name="Content Placeholder 2"/>
-          <p:cNvSpPr>
-            <a:spLocks noGrp="1"/>
-          </p:cNvSpPr>
-          <p:nvPr>
-            <p:ph idx="1"/>
-          </p:nvPr>
-        </p:nvSpPr>
-        <p:spPr>
-          <a:xfrm>
-            <a:off x="825500" y="1320800"/>
-            <a:ext cx="2413000" cy="5537200"/>
+            <a:off x="1505588" y="1662941"/>
+            <a:ext cx="9858338" cy="4622195"/>
           </a:xfrm>
         </p:spPr>
         <p:txBody>
-          <a:bodyPr>
-            <a:noAutofit/>
-          </a:bodyPr>
+          <a:bodyPr/>
           <a:lstStyle/>
           <a:p>
-            <a:r>
-              <a:rPr lang="en-US" sz="1700" dirty="0"/>
-              <a:t>Moving clouds contain math expressions.</a:t>
-            </a:r>
-          </a:p>
-          <a:p>
-            <a:r>
-              <a:rPr lang="en-US" sz="1700" dirty="0"/>
-              <a:t>Once an expression is solved, it turns into an arrow for the user to aim at the cloud.</a:t>
-            </a:r>
-          </a:p>
-          <a:p>
-            <a:r>
-              <a:rPr lang="en-US" sz="1700" dirty="0"/>
-              <a:t>Cloud bursts to pour rain over the garden.</a:t>
-            </a:r>
-          </a:p>
-          <a:p>
-            <a:r>
-              <a:rPr lang="en-US" sz="1700" dirty="0"/>
-              <a:t>Aim is to have a blooming garden with flowers, trees, fruits etc.</a:t>
-            </a:r>
-          </a:p>
-          <a:p>
-            <a:r>
-              <a:rPr lang="en-US" sz="1700" dirty="0"/>
-              <a:t>Harder levels can have rodents eating up the garden if user misses more than </a:t>
-            </a:r>
-            <a:r>
-              <a:rPr lang="en-US" sz="1700" dirty="0" smtClean="0"/>
-              <a:t>five clouds</a:t>
-            </a:r>
-            <a:r>
-              <a:rPr lang="en-US" sz="1700" dirty="0"/>
-              <a:t>.</a:t>
-            </a:r>
-          </a:p>
-        </p:txBody>
-      </p:sp>
-      <p:sp>
-        <p:nvSpPr>
-          <p:cNvPr id="6" name="Title 1"/>
-          <p:cNvSpPr txBox="1">
-            <a:spLocks/>
-          </p:cNvSpPr>
-          <p:nvPr/>
-        </p:nvSpPr>
-        <p:spPr>
-          <a:xfrm>
-            <a:off x="1460500" y="127000"/>
-            <a:ext cx="9601200" cy="977900"/>
-          </a:xfrm>
-          <a:prstGeom prst="rect">
-            <a:avLst/>
-          </a:prstGeom>
-        </p:spPr>
-        <p:txBody>
-          <a:bodyPr>
-            <a:normAutofit/>
-          </a:bodyPr>
-          <a:lstStyle>
-            <a:lvl1pPr algn="l" defTabSz="914400" rtl="0" eaLnBrk="1" latinLnBrk="0" hangingPunct="1">
-              <a:lnSpc>
-                <a:spcPct val="89000"/>
-              </a:lnSpc>
-              <a:spcBef>
-                <a:spcPct val="0"/>
-              </a:spcBef>
-              <a:buNone/>
-              <a:defRPr sz="4400" kern="1200" baseline="0">
-                <a:solidFill>
-                  <a:schemeClr val="tx2"/>
-                </a:solidFill>
-                <a:latin typeface="+mj-lt"/>
-                <a:ea typeface="+mj-ea"/>
-                <a:cs typeface="+mj-cs"/>
-              </a:defRPr>
-            </a:lvl1pPr>
-          </a:lstStyle>
-          <a:p>
+            <a:pPr marL="0" indent="0">
+              <a:buNone/>
+            </a:pPr>
+            <a:endParaRPr lang="en-US" dirty="0" smtClean="0"/>
+          </a:p>
+          <a:p>
+            <a:r>
+              <a:rPr lang="en-US" dirty="0" err="1" smtClean="0"/>
+              <a:t>Git</a:t>
+            </a:r>
+            <a:endParaRPr lang="en-US" dirty="0" smtClean="0"/>
+          </a:p>
+          <a:p>
+            <a:r>
+              <a:rPr lang="en-US" dirty="0" err="1" smtClean="0"/>
+              <a:t>Whats</a:t>
+            </a:r>
             <a:r>
               <a:rPr lang="en-US" dirty="0" smtClean="0"/>
-              <a:t>Idea 3 – </a:t>
+              <a:t> App, Skype</a:t>
+            </a:r>
+          </a:p>
+          <a:p>
+            <a:endParaRPr lang="en-US" dirty="0"/>
+          </a:p>
+          <a:p>
+            <a:r>
+              <a:rPr lang="en-US" dirty="0" smtClean="0"/>
+              <a:t>Picture of </a:t>
             </a:r>
             <a:r>
               <a:rPr lang="en-US" dirty="0" err="1" smtClean="0"/>
-              <a:t>Mathville</a:t>
-            </a:r>
-            <a:endParaRPr lang="en-US" dirty="0"/>
+              <a:t>Sameedha</a:t>
+            </a:r>
+            <a:r>
+              <a:rPr lang="en-US" dirty="0" smtClean="0"/>
+              <a:t> screenshot</a:t>
+            </a:r>
+            <a:endParaRPr lang="en-US" dirty="0" smtClean="0"/>
           </a:p>
         </p:txBody>
       </p:sp>
     </p:spTree>
     <p:extLst>
       <p:ext uri="{BB962C8B-B14F-4D97-AF65-F5344CB8AC3E}">
-        <p14:creationId xmlns:p14="http://schemas.microsoft.com/office/powerpoint/2010/main" val="2077054872"/>
+        <p14:creationId xmlns:p14="http://schemas.microsoft.com/office/powerpoint/2010/main" val="1908987153"/>
       </p:ext>
     </p:extLst>
   </p:cSld>
@@ -9372,605 +5520,7 @@
   <p:timing>
     <p:tnLst>
       <p:par>
-        <p:cTn id="1" dur="indefinite" restart="never" nodeType="tmRoot">
-          <p:childTnLst>
-            <p:seq concurrent="1" nextAc="seek">
-              <p:cTn id="2" dur="indefinite" nodeType="mainSeq">
-                <p:childTnLst>
-                  <p:par>
-                    <p:cTn id="3" fill="hold">
-                      <p:stCondLst>
-                        <p:cond delay="indefinite"/>
-                      </p:stCondLst>
-                      <p:childTnLst>
-                        <p:par>
-                          <p:cTn id="4" fill="hold">
-                            <p:stCondLst>
-                              <p:cond delay="0"/>
-                            </p:stCondLst>
-                            <p:childTnLst>
-                              <p:par>
-                                <p:cTn id="5" presetID="42" presetClass="entr" presetSubtype="0" fill="hold" nodeType="clickEffect">
-                                  <p:stCondLst>
-                                    <p:cond delay="0"/>
-                                  </p:stCondLst>
-                                  <p:childTnLst>
-                                    <p:set>
-                                      <p:cBhvr>
-                                        <p:cTn id="6" dur="1" fill="hold">
-                                          <p:stCondLst>
-                                            <p:cond delay="0"/>
-                                          </p:stCondLst>
-                                        </p:cTn>
-                                        <p:tgtEl>
-                                          <p:spTgt spid="5">
-                                            <p:txEl>
-                                              <p:pRg st="0" end="0"/>
-                                            </p:txEl>
-                                          </p:spTgt>
-                                        </p:tgtEl>
-                                        <p:attrNameLst>
-                                          <p:attrName>style.visibility</p:attrName>
-                                        </p:attrNameLst>
-                                      </p:cBhvr>
-                                      <p:to>
-                                        <p:strVal val="visible"/>
-                                      </p:to>
-                                    </p:set>
-                                    <p:animEffect transition="in" filter="fade">
-                                      <p:cBhvr>
-                                        <p:cTn id="7" dur="1000"/>
-                                        <p:tgtEl>
-                                          <p:spTgt spid="5">
-                                            <p:txEl>
-                                              <p:pRg st="0" end="0"/>
-                                            </p:txEl>
-                                          </p:spTgt>
-                                        </p:tgtEl>
-                                      </p:cBhvr>
-                                    </p:animEffect>
-                                    <p:anim calcmode="lin" valueType="num">
-                                      <p:cBhvr>
-                                        <p:cTn id="8" dur="1000" fill="hold"/>
-                                        <p:tgtEl>
-                                          <p:spTgt spid="5">
-                                            <p:txEl>
-                                              <p:pRg st="0" end="0"/>
-                                            </p:txEl>
-                                          </p:spTgt>
-                                        </p:tgtEl>
-                                        <p:attrNameLst>
-                                          <p:attrName>ppt_x</p:attrName>
-                                        </p:attrNameLst>
-                                      </p:cBhvr>
-                                      <p:tavLst>
-                                        <p:tav tm="0">
-                                          <p:val>
-                                            <p:strVal val="#ppt_x"/>
-                                          </p:val>
-                                        </p:tav>
-                                        <p:tav tm="100000">
-                                          <p:val>
-                                            <p:strVal val="#ppt_x"/>
-                                          </p:val>
-                                        </p:tav>
-                                      </p:tavLst>
-                                    </p:anim>
-                                    <p:anim calcmode="lin" valueType="num">
-                                      <p:cBhvr>
-                                        <p:cTn id="9" dur="1000" fill="hold"/>
-                                        <p:tgtEl>
-                                          <p:spTgt spid="5">
-                                            <p:txEl>
-                                              <p:pRg st="0" end="0"/>
-                                            </p:txEl>
-                                          </p:spTgt>
-                                        </p:tgtEl>
-                                        <p:attrNameLst>
-                                          <p:attrName>ppt_y</p:attrName>
-                                        </p:attrNameLst>
-                                      </p:cBhvr>
-                                      <p:tavLst>
-                                        <p:tav tm="0">
-                                          <p:val>
-                                            <p:strVal val="#ppt_y+.1"/>
-                                          </p:val>
-                                        </p:tav>
-                                        <p:tav tm="100000">
-                                          <p:val>
-                                            <p:strVal val="#ppt_y"/>
-                                          </p:val>
-                                        </p:tav>
-                                      </p:tavLst>
-                                    </p:anim>
-                                  </p:childTnLst>
-                                </p:cTn>
-                              </p:par>
-                            </p:childTnLst>
-                          </p:cTn>
-                        </p:par>
-                      </p:childTnLst>
-                    </p:cTn>
-                  </p:par>
-                  <p:par>
-                    <p:cTn id="10" fill="hold">
-                      <p:stCondLst>
-                        <p:cond delay="indefinite"/>
-                      </p:stCondLst>
-                      <p:childTnLst>
-                        <p:par>
-                          <p:cTn id="11" fill="hold">
-                            <p:stCondLst>
-                              <p:cond delay="0"/>
-                            </p:stCondLst>
-                            <p:childTnLst>
-                              <p:par>
-                                <p:cTn id="12" presetID="42" presetClass="entr" presetSubtype="0" fill="hold" nodeType="clickEffect">
-                                  <p:stCondLst>
-                                    <p:cond delay="0"/>
-                                  </p:stCondLst>
-                                  <p:childTnLst>
-                                    <p:set>
-                                      <p:cBhvr>
-                                        <p:cTn id="13" dur="1" fill="hold">
-                                          <p:stCondLst>
-                                            <p:cond delay="0"/>
-                                          </p:stCondLst>
-                                        </p:cTn>
-                                        <p:tgtEl>
-                                          <p:spTgt spid="5">
-                                            <p:txEl>
-                                              <p:pRg st="1" end="1"/>
-                                            </p:txEl>
-                                          </p:spTgt>
-                                        </p:tgtEl>
-                                        <p:attrNameLst>
-                                          <p:attrName>style.visibility</p:attrName>
-                                        </p:attrNameLst>
-                                      </p:cBhvr>
-                                      <p:to>
-                                        <p:strVal val="visible"/>
-                                      </p:to>
-                                    </p:set>
-                                    <p:animEffect transition="in" filter="fade">
-                                      <p:cBhvr>
-                                        <p:cTn id="14" dur="1000"/>
-                                        <p:tgtEl>
-                                          <p:spTgt spid="5">
-                                            <p:txEl>
-                                              <p:pRg st="1" end="1"/>
-                                            </p:txEl>
-                                          </p:spTgt>
-                                        </p:tgtEl>
-                                      </p:cBhvr>
-                                    </p:animEffect>
-                                    <p:anim calcmode="lin" valueType="num">
-                                      <p:cBhvr>
-                                        <p:cTn id="15" dur="1000" fill="hold"/>
-                                        <p:tgtEl>
-                                          <p:spTgt spid="5">
-                                            <p:txEl>
-                                              <p:pRg st="1" end="1"/>
-                                            </p:txEl>
-                                          </p:spTgt>
-                                        </p:tgtEl>
-                                        <p:attrNameLst>
-                                          <p:attrName>ppt_x</p:attrName>
-                                        </p:attrNameLst>
-                                      </p:cBhvr>
-                                      <p:tavLst>
-                                        <p:tav tm="0">
-                                          <p:val>
-                                            <p:strVal val="#ppt_x"/>
-                                          </p:val>
-                                        </p:tav>
-                                        <p:tav tm="100000">
-                                          <p:val>
-                                            <p:strVal val="#ppt_x"/>
-                                          </p:val>
-                                        </p:tav>
-                                      </p:tavLst>
-                                    </p:anim>
-                                    <p:anim calcmode="lin" valueType="num">
-                                      <p:cBhvr>
-                                        <p:cTn id="16" dur="1000" fill="hold"/>
-                                        <p:tgtEl>
-                                          <p:spTgt spid="5">
-                                            <p:txEl>
-                                              <p:pRg st="1" end="1"/>
-                                            </p:txEl>
-                                          </p:spTgt>
-                                        </p:tgtEl>
-                                        <p:attrNameLst>
-                                          <p:attrName>ppt_y</p:attrName>
-                                        </p:attrNameLst>
-                                      </p:cBhvr>
-                                      <p:tavLst>
-                                        <p:tav tm="0">
-                                          <p:val>
-                                            <p:strVal val="#ppt_y+.1"/>
-                                          </p:val>
-                                        </p:tav>
-                                        <p:tav tm="100000">
-                                          <p:val>
-                                            <p:strVal val="#ppt_y"/>
-                                          </p:val>
-                                        </p:tav>
-                                      </p:tavLst>
-                                    </p:anim>
-                                  </p:childTnLst>
-                                </p:cTn>
-                              </p:par>
-                            </p:childTnLst>
-                          </p:cTn>
-                        </p:par>
-                      </p:childTnLst>
-                    </p:cTn>
-                  </p:par>
-                  <p:par>
-                    <p:cTn id="17" fill="hold">
-                      <p:stCondLst>
-                        <p:cond delay="indefinite"/>
-                      </p:stCondLst>
-                      <p:childTnLst>
-                        <p:par>
-                          <p:cTn id="18" fill="hold">
-                            <p:stCondLst>
-                              <p:cond delay="0"/>
-                            </p:stCondLst>
-                            <p:childTnLst>
-                              <p:par>
-                                <p:cTn id="19" presetID="42" presetClass="entr" presetSubtype="0" fill="hold" nodeType="clickEffect">
-                                  <p:stCondLst>
-                                    <p:cond delay="0"/>
-                                  </p:stCondLst>
-                                  <p:childTnLst>
-                                    <p:set>
-                                      <p:cBhvr>
-                                        <p:cTn id="20" dur="1" fill="hold">
-                                          <p:stCondLst>
-                                            <p:cond delay="0"/>
-                                          </p:stCondLst>
-                                        </p:cTn>
-                                        <p:tgtEl>
-                                          <p:spTgt spid="5">
-                                            <p:txEl>
-                                              <p:pRg st="2" end="2"/>
-                                            </p:txEl>
-                                          </p:spTgt>
-                                        </p:tgtEl>
-                                        <p:attrNameLst>
-                                          <p:attrName>style.visibility</p:attrName>
-                                        </p:attrNameLst>
-                                      </p:cBhvr>
-                                      <p:to>
-                                        <p:strVal val="visible"/>
-                                      </p:to>
-                                    </p:set>
-                                    <p:animEffect transition="in" filter="fade">
-                                      <p:cBhvr>
-                                        <p:cTn id="21" dur="1000"/>
-                                        <p:tgtEl>
-                                          <p:spTgt spid="5">
-                                            <p:txEl>
-                                              <p:pRg st="2" end="2"/>
-                                            </p:txEl>
-                                          </p:spTgt>
-                                        </p:tgtEl>
-                                      </p:cBhvr>
-                                    </p:animEffect>
-                                    <p:anim calcmode="lin" valueType="num">
-                                      <p:cBhvr>
-                                        <p:cTn id="22" dur="1000" fill="hold"/>
-                                        <p:tgtEl>
-                                          <p:spTgt spid="5">
-                                            <p:txEl>
-                                              <p:pRg st="2" end="2"/>
-                                            </p:txEl>
-                                          </p:spTgt>
-                                        </p:tgtEl>
-                                        <p:attrNameLst>
-                                          <p:attrName>ppt_x</p:attrName>
-                                        </p:attrNameLst>
-                                      </p:cBhvr>
-                                      <p:tavLst>
-                                        <p:tav tm="0">
-                                          <p:val>
-                                            <p:strVal val="#ppt_x"/>
-                                          </p:val>
-                                        </p:tav>
-                                        <p:tav tm="100000">
-                                          <p:val>
-                                            <p:strVal val="#ppt_x"/>
-                                          </p:val>
-                                        </p:tav>
-                                      </p:tavLst>
-                                    </p:anim>
-                                    <p:anim calcmode="lin" valueType="num">
-                                      <p:cBhvr>
-                                        <p:cTn id="23" dur="1000" fill="hold"/>
-                                        <p:tgtEl>
-                                          <p:spTgt spid="5">
-                                            <p:txEl>
-                                              <p:pRg st="2" end="2"/>
-                                            </p:txEl>
-                                          </p:spTgt>
-                                        </p:tgtEl>
-                                        <p:attrNameLst>
-                                          <p:attrName>ppt_y</p:attrName>
-                                        </p:attrNameLst>
-                                      </p:cBhvr>
-                                      <p:tavLst>
-                                        <p:tav tm="0">
-                                          <p:val>
-                                            <p:strVal val="#ppt_y+.1"/>
-                                          </p:val>
-                                        </p:tav>
-                                        <p:tav tm="100000">
-                                          <p:val>
-                                            <p:strVal val="#ppt_y"/>
-                                          </p:val>
-                                        </p:tav>
-                                      </p:tavLst>
-                                    </p:anim>
-                                  </p:childTnLst>
-                                </p:cTn>
-                              </p:par>
-                            </p:childTnLst>
-                          </p:cTn>
-                        </p:par>
-                      </p:childTnLst>
-                    </p:cTn>
-                  </p:par>
-                  <p:par>
-                    <p:cTn id="24" fill="hold">
-                      <p:stCondLst>
-                        <p:cond delay="indefinite"/>
-                      </p:stCondLst>
-                      <p:childTnLst>
-                        <p:par>
-                          <p:cTn id="25" fill="hold">
-                            <p:stCondLst>
-                              <p:cond delay="0"/>
-                            </p:stCondLst>
-                            <p:childTnLst>
-                              <p:par>
-                                <p:cTn id="26" presetID="42" presetClass="entr" presetSubtype="0" fill="hold" nodeType="clickEffect">
-                                  <p:stCondLst>
-                                    <p:cond delay="0"/>
-                                  </p:stCondLst>
-                                  <p:childTnLst>
-                                    <p:set>
-                                      <p:cBhvr>
-                                        <p:cTn id="27" dur="1" fill="hold">
-                                          <p:stCondLst>
-                                            <p:cond delay="0"/>
-                                          </p:stCondLst>
-                                        </p:cTn>
-                                        <p:tgtEl>
-                                          <p:spTgt spid="5">
-                                            <p:txEl>
-                                              <p:pRg st="3" end="3"/>
-                                            </p:txEl>
-                                          </p:spTgt>
-                                        </p:tgtEl>
-                                        <p:attrNameLst>
-                                          <p:attrName>style.visibility</p:attrName>
-                                        </p:attrNameLst>
-                                      </p:cBhvr>
-                                      <p:to>
-                                        <p:strVal val="visible"/>
-                                      </p:to>
-                                    </p:set>
-                                    <p:animEffect transition="in" filter="fade">
-                                      <p:cBhvr>
-                                        <p:cTn id="28" dur="1000"/>
-                                        <p:tgtEl>
-                                          <p:spTgt spid="5">
-                                            <p:txEl>
-                                              <p:pRg st="3" end="3"/>
-                                            </p:txEl>
-                                          </p:spTgt>
-                                        </p:tgtEl>
-                                      </p:cBhvr>
-                                    </p:animEffect>
-                                    <p:anim calcmode="lin" valueType="num">
-                                      <p:cBhvr>
-                                        <p:cTn id="29" dur="1000" fill="hold"/>
-                                        <p:tgtEl>
-                                          <p:spTgt spid="5">
-                                            <p:txEl>
-                                              <p:pRg st="3" end="3"/>
-                                            </p:txEl>
-                                          </p:spTgt>
-                                        </p:tgtEl>
-                                        <p:attrNameLst>
-                                          <p:attrName>ppt_x</p:attrName>
-                                        </p:attrNameLst>
-                                      </p:cBhvr>
-                                      <p:tavLst>
-                                        <p:tav tm="0">
-                                          <p:val>
-                                            <p:strVal val="#ppt_x"/>
-                                          </p:val>
-                                        </p:tav>
-                                        <p:tav tm="100000">
-                                          <p:val>
-                                            <p:strVal val="#ppt_x"/>
-                                          </p:val>
-                                        </p:tav>
-                                      </p:tavLst>
-                                    </p:anim>
-                                    <p:anim calcmode="lin" valueType="num">
-                                      <p:cBhvr>
-                                        <p:cTn id="30" dur="1000" fill="hold"/>
-                                        <p:tgtEl>
-                                          <p:spTgt spid="5">
-                                            <p:txEl>
-                                              <p:pRg st="3" end="3"/>
-                                            </p:txEl>
-                                          </p:spTgt>
-                                        </p:tgtEl>
-                                        <p:attrNameLst>
-                                          <p:attrName>ppt_y</p:attrName>
-                                        </p:attrNameLst>
-                                      </p:cBhvr>
-                                      <p:tavLst>
-                                        <p:tav tm="0">
-                                          <p:val>
-                                            <p:strVal val="#ppt_y+.1"/>
-                                          </p:val>
-                                        </p:tav>
-                                        <p:tav tm="100000">
-                                          <p:val>
-                                            <p:strVal val="#ppt_y"/>
-                                          </p:val>
-                                        </p:tav>
-                                      </p:tavLst>
-                                    </p:anim>
-                                  </p:childTnLst>
-                                </p:cTn>
-                              </p:par>
-                            </p:childTnLst>
-                          </p:cTn>
-                        </p:par>
-                      </p:childTnLst>
-                    </p:cTn>
-                  </p:par>
-                  <p:par>
-                    <p:cTn id="31" fill="hold">
-                      <p:stCondLst>
-                        <p:cond delay="indefinite"/>
-                      </p:stCondLst>
-                      <p:childTnLst>
-                        <p:par>
-                          <p:cTn id="32" fill="hold">
-                            <p:stCondLst>
-                              <p:cond delay="0"/>
-                            </p:stCondLst>
-                            <p:childTnLst>
-                              <p:par>
-                                <p:cTn id="33" presetID="42" presetClass="entr" presetSubtype="0" fill="hold" nodeType="clickEffect">
-                                  <p:stCondLst>
-                                    <p:cond delay="0"/>
-                                  </p:stCondLst>
-                                  <p:childTnLst>
-                                    <p:set>
-                                      <p:cBhvr>
-                                        <p:cTn id="34" dur="1" fill="hold">
-                                          <p:stCondLst>
-                                            <p:cond delay="0"/>
-                                          </p:stCondLst>
-                                        </p:cTn>
-                                        <p:tgtEl>
-                                          <p:spTgt spid="5">
-                                            <p:txEl>
-                                              <p:pRg st="4" end="4"/>
-                                            </p:txEl>
-                                          </p:spTgt>
-                                        </p:tgtEl>
-                                        <p:attrNameLst>
-                                          <p:attrName>style.visibility</p:attrName>
-                                        </p:attrNameLst>
-                                      </p:cBhvr>
-                                      <p:to>
-                                        <p:strVal val="visible"/>
-                                      </p:to>
-                                    </p:set>
-                                    <p:animEffect transition="in" filter="fade">
-                                      <p:cBhvr>
-                                        <p:cTn id="35" dur="1000"/>
-                                        <p:tgtEl>
-                                          <p:spTgt spid="5">
-                                            <p:txEl>
-                                              <p:pRg st="4" end="4"/>
-                                            </p:txEl>
-                                          </p:spTgt>
-                                        </p:tgtEl>
-                                      </p:cBhvr>
-                                    </p:animEffect>
-                                    <p:anim calcmode="lin" valueType="num">
-                                      <p:cBhvr>
-                                        <p:cTn id="36" dur="1000" fill="hold"/>
-                                        <p:tgtEl>
-                                          <p:spTgt spid="5">
-                                            <p:txEl>
-                                              <p:pRg st="4" end="4"/>
-                                            </p:txEl>
-                                          </p:spTgt>
-                                        </p:tgtEl>
-                                        <p:attrNameLst>
-                                          <p:attrName>ppt_x</p:attrName>
-                                        </p:attrNameLst>
-                                      </p:cBhvr>
-                                      <p:tavLst>
-                                        <p:tav tm="0">
-                                          <p:val>
-                                            <p:strVal val="#ppt_x"/>
-                                          </p:val>
-                                        </p:tav>
-                                        <p:tav tm="100000">
-                                          <p:val>
-                                            <p:strVal val="#ppt_x"/>
-                                          </p:val>
-                                        </p:tav>
-                                      </p:tavLst>
-                                    </p:anim>
-                                    <p:anim calcmode="lin" valueType="num">
-                                      <p:cBhvr>
-                                        <p:cTn id="37" dur="1000" fill="hold"/>
-                                        <p:tgtEl>
-                                          <p:spTgt spid="5">
-                                            <p:txEl>
-                                              <p:pRg st="4" end="4"/>
-                                            </p:txEl>
-                                          </p:spTgt>
-                                        </p:tgtEl>
-                                        <p:attrNameLst>
-                                          <p:attrName>ppt_y</p:attrName>
-                                        </p:attrNameLst>
-                                      </p:cBhvr>
-                                      <p:tavLst>
-                                        <p:tav tm="0">
-                                          <p:val>
-                                            <p:strVal val="#ppt_y+.1"/>
-                                          </p:val>
-                                        </p:tav>
-                                        <p:tav tm="100000">
-                                          <p:val>
-                                            <p:strVal val="#ppt_y"/>
-                                          </p:val>
-                                        </p:tav>
-                                      </p:tavLst>
-                                    </p:anim>
-                                  </p:childTnLst>
-                                </p:cTn>
-                              </p:par>
-                            </p:childTnLst>
-                          </p:cTn>
-                        </p:par>
-                      </p:childTnLst>
-                    </p:cTn>
-                  </p:par>
-                </p:childTnLst>
-              </p:cTn>
-              <p:prevCondLst>
-                <p:cond evt="onPrev" delay="0">
-                  <p:tgtEl>
-                    <p:sldTgt/>
-                  </p:tgtEl>
-                </p:cond>
-              </p:prevCondLst>
-              <p:nextCondLst>
-                <p:cond evt="onNext" delay="0">
-                  <p:tgtEl>
-                    <p:sldTgt/>
-                  </p:tgtEl>
-                </p:cond>
-              </p:nextCondLst>
-            </p:seq>
-          </p:childTnLst>
-        </p:cTn>
+        <p:cTn xmlns:p14="http://schemas.microsoft.com/office/powerpoint/2010/main" id="1" dur="indefinite" restart="never" nodeType="tmRoot"/>
       </p:par>
     </p:tnLst>
   </p:timing>
@@ -10020,7 +5570,7 @@
     </a:clrScheme>
     <a:fontScheme name="Crop">
       <a:majorFont>
-        <a:latin typeface="Franklin Gothic Book" panose="020B0503020102020204"/>
+        <a:latin typeface="Franklin Gothic Book"/>
         <a:ea typeface=""/>
         <a:cs typeface=""/>
         <a:font script="Jpan" typeface="メイリオ"/>
@@ -10055,7 +5605,7 @@
         <a:font script="Geor" typeface="Sylfaen"/>
       </a:majorFont>
       <a:minorFont>
-        <a:latin typeface="Franklin Gothic Book" panose="020B0503020102020204"/>
+        <a:latin typeface="Franklin Gothic Book"/>
         <a:ea typeface=""/>
         <a:cs typeface=""/>
         <a:font script="Jpan" typeface="メイリオ"/>
@@ -10229,7 +5779,7 @@
   <a:extraClrSchemeLst/>
   <a:extLst>
     <a:ext uri="{05A4C25C-085E-4340-85A3-A5531E510DB2}">
-      <thm15:themeFamily xmlns:thm15="http://schemas.microsoft.com/office/thememl/2012/main" name="Crop" id="{EC9488ED-E761-4D60-9AC4-764D1FE2C171}" vid="{CE19780C-D67D-4C13-9DE9-A52BC3BA51B4}"/>
+      <thm15:themeFamily xmlns:thm15="http://schemas.microsoft.com/office/thememl/2012/main" xmlns="" name="Crop" id="{EC9488ED-E761-4D60-9AC4-764D1FE2C171}" vid="{CE19780C-D67D-4C13-9DE9-A52BC3BA51B4}"/>
     </a:ext>
   </a:extLst>
 </a:theme>
